--- a/latex/fig/brain_inspired.pptx
+++ b/latex/fig/brain_inspired.pptx
@@ -8,13 +8,14 @@
     <p:notesMasterId r:id="rId5"/>
   </p:notesMasterIdLst>
   <p:sldIdLst>
-    <p:sldId id="267" r:id="rId3"/>
-    <p:sldId id="268" r:id="rId4"/>
+    <p:sldId id="267" r:id="rId2"/>
+    <p:sldId id="268" r:id="rId3"/>
+    <p:sldId id="269" r:id="rId4"/>
   </p:sldIdLst>
   <p:sldSz cx="12192000" cy="6858000"/>
   <p:notesSz cx="6858000" cy="9144000"/>
   <p:custDataLst>
-    <p:tags r:id="rId9"/>
+    <p:tags r:id="rId6"/>
   </p:custDataLst>
   <p:defaultTextStyle>
     <a:defPPr>
@@ -126,6 +127,9 @@
         </p15:guide>
       </p15:sldGuideLst>
     </p:ext>
+    <p:ext uri="{2D200454-40CA-4A62-9FC3-DE9A4176ACB9}">
+      <p15:notesGuideLst xmlns:p15="http://schemas.microsoft.com/office/powerpoint/2012/main"/>
+    </p:ext>
   </p:extLst>
 </p:presentation>
 </file>
@@ -212,6 +216,7 @@
           <a:p>
             <a:fld id="{D2A48B96-639E-45A3-A0BA-2464DFDB1FAA}" type="datetimeFigureOut">
               <a:rPr lang="zh-CN" altLang="en-US" smtClean="0"/>
+              <a:t>2024/10/25</a:t>
             </a:fld>
             <a:endParaRPr lang="zh-CN" altLang="en-US"/>
           </a:p>
@@ -278,7 +283,6 @@
               <a:rPr lang="zh-CN" altLang="en-US" smtClean="0"/>
               <a:t>单击此处编辑母版文本样式</a:t>
             </a:r>
-            <a:endParaRPr lang="zh-CN" altLang="en-US" smtClean="0"/>
           </a:p>
           <a:p>
             <a:pPr lvl="1"/>
@@ -286,7 +290,6 @@
               <a:rPr lang="zh-CN" altLang="en-US" smtClean="0"/>
               <a:t>第二级</a:t>
             </a:r>
-            <a:endParaRPr lang="zh-CN" altLang="en-US" smtClean="0"/>
           </a:p>
           <a:p>
             <a:pPr lvl="2"/>
@@ -294,7 +297,6 @@
               <a:rPr lang="zh-CN" altLang="en-US" smtClean="0"/>
               <a:t>第三级</a:t>
             </a:r>
-            <a:endParaRPr lang="zh-CN" altLang="en-US" smtClean="0"/>
           </a:p>
           <a:p>
             <a:pPr lvl="3"/>
@@ -302,7 +304,6 @@
               <a:rPr lang="zh-CN" altLang="en-US" smtClean="0"/>
               <a:t>第四级</a:t>
             </a:r>
-            <a:endParaRPr lang="zh-CN" altLang="en-US" smtClean="0"/>
           </a:p>
           <a:p>
             <a:pPr lvl="4"/>
@@ -374,6 +375,7 @@
           <a:p>
             <a:fld id="{A6837353-30EB-4A48-80EB-173D804AEFBD}" type="slidenum">
               <a:rPr lang="zh-CN" altLang="en-US" smtClean="0"/>
+              <a:t>‹#›</a:t>
             </a:fld>
             <a:endParaRPr lang="zh-CN" altLang="en-US"/>
           </a:p>
@@ -503,7 +505,7 @@
           <p:nvPr>
             <p:ph type="ctrTitle"/>
             <p:custDataLst>
-              <p:tags r:id="rId2"/>
+              <p:tags r:id="rId1"/>
             </p:custDataLst>
           </p:nvPr>
         </p:nvSpPr>
@@ -527,7 +529,6 @@
               <a:rPr lang="zh-CN" altLang="en-US" dirty="0"/>
               <a:t>单击此处编辑母版标题样式</a:t>
             </a:r>
-            <a:endParaRPr lang="zh-CN" altLang="en-US" dirty="0"/>
           </a:p>
         </p:txBody>
       </p:sp>
@@ -540,7 +541,7 @@
           <p:nvPr>
             <p:ph type="subTitle" idx="1"/>
             <p:custDataLst>
-              <p:tags r:id="rId3"/>
+              <p:tags r:id="rId2"/>
             </p:custDataLst>
           </p:nvPr>
         </p:nvSpPr>
@@ -600,7 +601,6 @@
               <a:rPr lang="zh-CN" altLang="en-US" dirty="0"/>
               <a:t>单击此处编辑母版副标题样式</a:t>
             </a:r>
-            <a:endParaRPr lang="zh-CN" altLang="en-US" dirty="0"/>
           </a:p>
         </p:txBody>
       </p:sp>
@@ -613,7 +613,7 @@
           <p:nvPr>
             <p:ph type="dt" sz="half" idx="10"/>
             <p:custDataLst>
-              <p:tags r:id="rId4"/>
+              <p:tags r:id="rId3"/>
             </p:custDataLst>
           </p:nvPr>
         </p:nvSpPr>
@@ -624,6 +624,7 @@
           <a:p>
             <a:fld id="{760FBDFE-C587-4B4C-A407-44438C67B59E}" type="datetimeFigureOut">
               <a:rPr lang="zh-CN" altLang="en-US" smtClean="0"/>
+              <a:t>2024/10/25</a:t>
             </a:fld>
             <a:endParaRPr lang="zh-CN" altLang="en-US"/>
           </a:p>
@@ -638,7 +639,7 @@
           <p:nvPr>
             <p:ph type="ftr" sz="quarter" idx="11"/>
             <p:custDataLst>
-              <p:tags r:id="rId5"/>
+              <p:tags r:id="rId4"/>
             </p:custDataLst>
           </p:nvPr>
         </p:nvSpPr>
@@ -660,7 +661,7 @@
           <p:nvPr>
             <p:ph type="sldNum" sz="quarter" idx="12"/>
             <p:custDataLst>
-              <p:tags r:id="rId6"/>
+              <p:tags r:id="rId5"/>
             </p:custDataLst>
           </p:nvPr>
         </p:nvSpPr>
@@ -671,6 +672,7 @@
           <a:p>
             <a:fld id="{49AE70B2-8BF9-45C0-BB95-33D1B9D3A854}" type="slidenum">
               <a:rPr lang="zh-CN" altLang="en-US" smtClean="0"/>
+              <a:t>‹#›</a:t>
             </a:fld>
             <a:endParaRPr lang="zh-CN" altLang="en-US" dirty="0"/>
           </a:p>
@@ -710,7 +712,7 @@
           <p:nvPr>
             <p:ph type="dt" sz="half" idx="10"/>
             <p:custDataLst>
-              <p:tags r:id="rId2"/>
+              <p:tags r:id="rId1"/>
             </p:custDataLst>
           </p:nvPr>
         </p:nvSpPr>
@@ -721,6 +723,7 @@
           <a:p>
             <a:fld id="{760FBDFE-C587-4B4C-A407-44438C67B59E}" type="datetimeFigureOut">
               <a:rPr lang="zh-CN" altLang="en-US" smtClean="0"/>
+              <a:t>2024/10/25</a:t>
             </a:fld>
             <a:endParaRPr lang="zh-CN" altLang="en-US"/>
           </a:p>
@@ -735,7 +738,7 @@
           <p:nvPr>
             <p:ph type="ftr" sz="quarter" idx="11"/>
             <p:custDataLst>
-              <p:tags r:id="rId3"/>
+              <p:tags r:id="rId2"/>
             </p:custDataLst>
           </p:nvPr>
         </p:nvSpPr>
@@ -757,7 +760,7 @@
           <p:nvPr>
             <p:ph type="sldNum" sz="quarter" idx="12"/>
             <p:custDataLst>
-              <p:tags r:id="rId4"/>
+              <p:tags r:id="rId3"/>
             </p:custDataLst>
           </p:nvPr>
         </p:nvSpPr>
@@ -768,6 +771,7 @@
           <a:p>
             <a:fld id="{49AE70B2-8BF9-45C0-BB95-33D1B9D3A854}" type="slidenum">
               <a:rPr lang="zh-CN" altLang="en-US" smtClean="0"/>
+              <a:t>‹#›</a:t>
             </a:fld>
             <a:endParaRPr lang="zh-CN" altLang="en-US"/>
           </a:p>
@@ -782,7 +786,7 @@
           <p:nvPr>
             <p:ph sz="quarter" idx="13"/>
             <p:custDataLst>
-              <p:tags r:id="rId5"/>
+              <p:tags r:id="rId4"/>
             </p:custDataLst>
           </p:nvPr>
         </p:nvSpPr>
@@ -801,7 +805,6 @@
               <a:rPr lang="zh-CN" altLang="en-US" dirty="0"/>
               <a:t>单击此处编辑母版文本样式</a:t>
             </a:r>
-            <a:endParaRPr lang="zh-CN" altLang="en-US" dirty="0"/>
           </a:p>
           <a:p>
             <a:pPr lvl="1"/>
@@ -809,7 +812,6 @@
               <a:rPr lang="zh-CN" altLang="en-US" dirty="0"/>
               <a:t>第二级</a:t>
             </a:r>
-            <a:endParaRPr lang="zh-CN" altLang="en-US" dirty="0"/>
           </a:p>
           <a:p>
             <a:pPr lvl="2"/>
@@ -817,7 +819,6 @@
               <a:rPr lang="zh-CN" altLang="en-US" dirty="0"/>
               <a:t>第三级</a:t>
             </a:r>
-            <a:endParaRPr lang="zh-CN" altLang="en-US" dirty="0"/>
           </a:p>
           <a:p>
             <a:pPr lvl="3"/>
@@ -825,7 +826,6 @@
               <a:rPr lang="zh-CN" altLang="en-US" dirty="0"/>
               <a:t>第四级</a:t>
             </a:r>
-            <a:endParaRPr lang="zh-CN" altLang="en-US" dirty="0"/>
           </a:p>
           <a:p>
             <a:pPr lvl="4"/>
@@ -833,7 +833,6 @@
               <a:rPr lang="zh-CN" altLang="en-US" dirty="0"/>
               <a:t>第五级</a:t>
             </a:r>
-            <a:endParaRPr lang="zh-CN" altLang="en-US" dirty="0"/>
           </a:p>
         </p:txBody>
       </p:sp>
@@ -871,7 +870,7 @@
           <p:nvPr>
             <p:ph type="dt" sz="half" idx="10"/>
             <p:custDataLst>
-              <p:tags r:id="rId2"/>
+              <p:tags r:id="rId1"/>
             </p:custDataLst>
           </p:nvPr>
         </p:nvSpPr>
@@ -882,6 +881,7 @@
           <a:p>
             <a:fld id="{760FBDFE-C587-4B4C-A407-44438C67B59E}" type="datetimeFigureOut">
               <a:rPr lang="zh-CN" altLang="en-US" smtClean="0"/>
+              <a:t>2024/10/25</a:t>
             </a:fld>
             <a:endParaRPr lang="zh-CN" altLang="en-US"/>
           </a:p>
@@ -896,7 +896,7 @@
           <p:nvPr>
             <p:ph type="ftr" sz="quarter" idx="11"/>
             <p:custDataLst>
-              <p:tags r:id="rId3"/>
+              <p:tags r:id="rId2"/>
             </p:custDataLst>
           </p:nvPr>
         </p:nvSpPr>
@@ -918,7 +918,7 @@
           <p:nvPr>
             <p:ph type="sldNum" sz="quarter" idx="12"/>
             <p:custDataLst>
-              <p:tags r:id="rId4"/>
+              <p:tags r:id="rId3"/>
             </p:custDataLst>
           </p:nvPr>
         </p:nvSpPr>
@@ -929,6 +929,7 @@
           <a:p>
             <a:fld id="{49AE70B2-8BF9-45C0-BB95-33D1B9D3A854}" type="slidenum">
               <a:rPr lang="zh-CN" altLang="en-US" smtClean="0"/>
+              <a:t>‹#›</a:t>
             </a:fld>
             <a:endParaRPr lang="zh-CN" altLang="en-US"/>
           </a:p>
@@ -943,7 +944,7 @@
           <p:nvPr>
             <p:ph type="title" hasCustomPrompt="1"/>
             <p:custDataLst>
-              <p:tags r:id="rId5"/>
+              <p:tags r:id="rId4"/>
             </p:custDataLst>
           </p:nvPr>
         </p:nvSpPr>
@@ -981,7 +982,7 @@
           <p:nvPr>
             <p:ph type="body" sz="quarter" idx="13"/>
             <p:custDataLst>
-              <p:tags r:id="rId6"/>
+              <p:tags r:id="rId5"/>
             </p:custDataLst>
           </p:nvPr>
         </p:nvSpPr>
@@ -1010,7 +1011,6 @@
               <a:rPr lang="zh-CN" altLang="en-US" dirty="0"/>
               <a:t>单击此处编辑母版文本样式</a:t>
             </a:r>
-            <a:endParaRPr lang="zh-CN" altLang="en-US" dirty="0"/>
           </a:p>
         </p:txBody>
       </p:sp>
@@ -1048,7 +1048,7 @@
           <p:nvPr>
             <p:ph type="title"/>
             <p:custDataLst>
-              <p:tags r:id="rId2"/>
+              <p:tags r:id="rId1"/>
             </p:custDataLst>
           </p:nvPr>
         </p:nvSpPr>
@@ -1082,7 +1082,7 @@
           <p:nvPr>
             <p:ph idx="1"/>
             <p:custDataLst>
-              <p:tags r:id="rId3"/>
+              <p:tags r:id="rId2"/>
             </p:custDataLst>
           </p:nvPr>
         </p:nvSpPr>
@@ -1103,7 +1103,6 @@
               <a:rPr lang="zh-CN" altLang="en-US" smtClean="0"/>
               <a:t>单击此处编辑母版文本样式</a:t>
             </a:r>
-            <a:endParaRPr lang="zh-CN" altLang="en-US" smtClean="0"/>
           </a:p>
           <a:p>
             <a:pPr lvl="1"/>
@@ -1111,7 +1110,6 @@
               <a:rPr lang="zh-CN" altLang="en-US" smtClean="0"/>
               <a:t>第二级</a:t>
             </a:r>
-            <a:endParaRPr lang="zh-CN" altLang="en-US" smtClean="0"/>
           </a:p>
           <a:p>
             <a:pPr lvl="2"/>
@@ -1119,7 +1117,6 @@
               <a:rPr lang="zh-CN" altLang="en-US" smtClean="0"/>
               <a:t>第三级</a:t>
             </a:r>
-            <a:endParaRPr lang="zh-CN" altLang="en-US" smtClean="0"/>
           </a:p>
           <a:p>
             <a:pPr lvl="3"/>
@@ -1127,7 +1124,6 @@
               <a:rPr lang="zh-CN" altLang="en-US" smtClean="0"/>
               <a:t>第四级</a:t>
             </a:r>
-            <a:endParaRPr lang="zh-CN" altLang="en-US" smtClean="0"/>
           </a:p>
           <a:p>
             <a:pPr lvl="4"/>
@@ -1148,7 +1144,7 @@
           <p:nvPr>
             <p:ph type="dt" sz="half" idx="10"/>
             <p:custDataLst>
-              <p:tags r:id="rId4"/>
+              <p:tags r:id="rId3"/>
             </p:custDataLst>
           </p:nvPr>
         </p:nvSpPr>
@@ -1159,6 +1155,7 @@
           <a:p>
             <a:fld id="{760FBDFE-C587-4B4C-A407-44438C67B59E}" type="datetimeFigureOut">
               <a:rPr lang="zh-CN" altLang="en-US" smtClean="0"/>
+              <a:t>2024/10/25</a:t>
             </a:fld>
             <a:endParaRPr lang="zh-CN" altLang="en-US"/>
           </a:p>
@@ -1173,7 +1170,7 @@
           <p:nvPr>
             <p:ph type="ftr" sz="quarter" idx="11"/>
             <p:custDataLst>
-              <p:tags r:id="rId5"/>
+              <p:tags r:id="rId4"/>
             </p:custDataLst>
           </p:nvPr>
         </p:nvSpPr>
@@ -1195,7 +1192,7 @@
           <p:nvPr>
             <p:ph type="sldNum" sz="quarter" idx="12"/>
             <p:custDataLst>
-              <p:tags r:id="rId6"/>
+              <p:tags r:id="rId5"/>
             </p:custDataLst>
           </p:nvPr>
         </p:nvSpPr>
@@ -1206,6 +1203,7 @@
           <a:p>
             <a:fld id="{49AE70B2-8BF9-45C0-BB95-33D1B9D3A854}" type="slidenum">
               <a:rPr lang="zh-CN" altLang="en-US" smtClean="0"/>
+              <a:t>‹#›</a:t>
             </a:fld>
             <a:endParaRPr lang="zh-CN" altLang="en-US"/>
           </a:p>
@@ -1245,7 +1243,7 @@
           <p:nvPr>
             <p:ph type="title" hasCustomPrompt="1"/>
             <p:custDataLst>
-              <p:tags r:id="rId2"/>
+              <p:tags r:id="rId1"/>
             </p:custDataLst>
           </p:nvPr>
         </p:nvSpPr>
@@ -1269,7 +1267,6 @@
               <a:rPr lang="zh-CN" altLang="en-US" dirty="0"/>
               <a:t>单击此处编辑标题</a:t>
             </a:r>
-            <a:endParaRPr lang="zh-CN" altLang="en-US" dirty="0"/>
           </a:p>
         </p:txBody>
       </p:sp>
@@ -1282,7 +1279,7 @@
           <p:nvPr>
             <p:ph type="body" idx="1" hasCustomPrompt="1"/>
             <p:custDataLst>
-              <p:tags r:id="rId3"/>
+              <p:tags r:id="rId2"/>
             </p:custDataLst>
           </p:nvPr>
         </p:nvSpPr>
@@ -1395,7 +1392,6 @@
               <a:rPr lang="zh-CN" altLang="en-US" dirty="0"/>
               <a:t>单击此处编辑文本</a:t>
             </a:r>
-            <a:endParaRPr lang="zh-CN" altLang="en-US" dirty="0"/>
           </a:p>
         </p:txBody>
       </p:sp>
@@ -1408,7 +1404,7 @@
           <p:nvPr>
             <p:ph type="dt" sz="half" idx="10"/>
             <p:custDataLst>
-              <p:tags r:id="rId4"/>
+              <p:tags r:id="rId3"/>
             </p:custDataLst>
           </p:nvPr>
         </p:nvSpPr>
@@ -1419,6 +1415,7 @@
           <a:p>
             <a:fld id="{760FBDFE-C587-4B4C-A407-44438C67B59E}" type="datetimeFigureOut">
               <a:rPr lang="zh-CN" altLang="en-US" smtClean="0"/>
+              <a:t>2024/10/25</a:t>
             </a:fld>
             <a:endParaRPr lang="zh-CN" altLang="en-US"/>
           </a:p>
@@ -1433,7 +1430,7 @@
           <p:nvPr>
             <p:ph type="ftr" sz="quarter" idx="11"/>
             <p:custDataLst>
-              <p:tags r:id="rId5"/>
+              <p:tags r:id="rId4"/>
             </p:custDataLst>
           </p:nvPr>
         </p:nvSpPr>
@@ -1455,7 +1452,7 @@
           <p:nvPr>
             <p:ph type="sldNum" sz="quarter" idx="12"/>
             <p:custDataLst>
-              <p:tags r:id="rId6"/>
+              <p:tags r:id="rId5"/>
             </p:custDataLst>
           </p:nvPr>
         </p:nvSpPr>
@@ -1466,6 +1463,7 @@
           <a:p>
             <a:fld id="{49AE70B2-8BF9-45C0-BB95-33D1B9D3A854}" type="slidenum">
               <a:rPr lang="zh-CN" altLang="en-US" smtClean="0"/>
+              <a:t>‹#›</a:t>
             </a:fld>
             <a:endParaRPr lang="zh-CN" altLang="en-US"/>
           </a:p>
@@ -1505,7 +1503,7 @@
           <p:nvPr>
             <p:ph type="title"/>
             <p:custDataLst>
-              <p:tags r:id="rId2"/>
+              <p:tags r:id="rId1"/>
             </p:custDataLst>
           </p:nvPr>
         </p:nvSpPr>
@@ -1539,7 +1537,7 @@
           <p:nvPr>
             <p:ph sz="half" idx="1"/>
             <p:custDataLst>
-              <p:tags r:id="rId3"/>
+              <p:tags r:id="rId2"/>
             </p:custDataLst>
           </p:nvPr>
         </p:nvSpPr>
@@ -1560,7 +1558,6 @@
               <a:rPr lang="zh-CN" altLang="en-US" smtClean="0"/>
               <a:t>单击此处编辑母版文本样式</a:t>
             </a:r>
-            <a:endParaRPr lang="zh-CN" altLang="en-US" smtClean="0"/>
           </a:p>
           <a:p>
             <a:pPr lvl="1"/>
@@ -1568,7 +1565,6 @@
               <a:rPr lang="zh-CN" altLang="en-US" smtClean="0"/>
               <a:t>第二级</a:t>
             </a:r>
-            <a:endParaRPr lang="zh-CN" altLang="en-US" smtClean="0"/>
           </a:p>
           <a:p>
             <a:pPr lvl="2"/>
@@ -1576,7 +1572,6 @@
               <a:rPr lang="zh-CN" altLang="en-US" smtClean="0"/>
               <a:t>第三级</a:t>
             </a:r>
-            <a:endParaRPr lang="zh-CN" altLang="en-US" smtClean="0"/>
           </a:p>
           <a:p>
             <a:pPr lvl="3"/>
@@ -1584,7 +1579,6 @@
               <a:rPr lang="zh-CN" altLang="en-US" smtClean="0"/>
               <a:t>第四级</a:t>
             </a:r>
-            <a:endParaRPr lang="zh-CN" altLang="en-US" smtClean="0"/>
           </a:p>
           <a:p>
             <a:pPr lvl="4"/>
@@ -1605,7 +1599,7 @@
           <p:nvPr>
             <p:ph sz="half" idx="2"/>
             <p:custDataLst>
-              <p:tags r:id="rId4"/>
+              <p:tags r:id="rId3"/>
             </p:custDataLst>
           </p:nvPr>
         </p:nvSpPr>
@@ -1626,7 +1620,6 @@
               <a:rPr lang="zh-CN" altLang="en-US" dirty="0"/>
               <a:t>单击此处编辑母版文本样式</a:t>
             </a:r>
-            <a:endParaRPr lang="zh-CN" altLang="en-US" dirty="0"/>
           </a:p>
           <a:p>
             <a:pPr lvl="1"/>
@@ -1634,7 +1627,6 @@
               <a:rPr lang="zh-CN" altLang="en-US" dirty="0"/>
               <a:t>第二级</a:t>
             </a:r>
-            <a:endParaRPr lang="zh-CN" altLang="en-US" dirty="0"/>
           </a:p>
           <a:p>
             <a:pPr lvl="2"/>
@@ -1642,7 +1634,6 @@
               <a:rPr lang="zh-CN" altLang="en-US" dirty="0"/>
               <a:t>第三级</a:t>
             </a:r>
-            <a:endParaRPr lang="zh-CN" altLang="en-US" dirty="0"/>
           </a:p>
           <a:p>
             <a:pPr lvl="3"/>
@@ -1650,7 +1641,6 @@
               <a:rPr lang="zh-CN" altLang="en-US" dirty="0"/>
               <a:t>第四级</a:t>
             </a:r>
-            <a:endParaRPr lang="zh-CN" altLang="en-US" dirty="0"/>
           </a:p>
           <a:p>
             <a:pPr lvl="4"/>
@@ -1658,7 +1648,6 @@
               <a:rPr lang="zh-CN" altLang="en-US" dirty="0"/>
               <a:t>第五级</a:t>
             </a:r>
-            <a:endParaRPr lang="zh-CN" altLang="en-US" dirty="0"/>
           </a:p>
         </p:txBody>
       </p:sp>
@@ -1671,7 +1660,7 @@
           <p:nvPr>
             <p:ph type="dt" sz="half" idx="10"/>
             <p:custDataLst>
-              <p:tags r:id="rId5"/>
+              <p:tags r:id="rId4"/>
             </p:custDataLst>
           </p:nvPr>
         </p:nvSpPr>
@@ -1682,6 +1671,7 @@
           <a:p>
             <a:fld id="{760FBDFE-C587-4B4C-A407-44438C67B59E}" type="datetimeFigureOut">
               <a:rPr lang="zh-CN" altLang="en-US" smtClean="0"/>
+              <a:t>2024/10/25</a:t>
             </a:fld>
             <a:endParaRPr lang="zh-CN" altLang="en-US"/>
           </a:p>
@@ -1696,7 +1686,7 @@
           <p:nvPr>
             <p:ph type="ftr" sz="quarter" idx="11"/>
             <p:custDataLst>
-              <p:tags r:id="rId6"/>
+              <p:tags r:id="rId5"/>
             </p:custDataLst>
           </p:nvPr>
         </p:nvSpPr>
@@ -1718,7 +1708,7 @@
           <p:nvPr>
             <p:ph type="sldNum" sz="quarter" idx="12"/>
             <p:custDataLst>
-              <p:tags r:id="rId7"/>
+              <p:tags r:id="rId6"/>
             </p:custDataLst>
           </p:nvPr>
         </p:nvSpPr>
@@ -1729,6 +1719,7 @@
           <a:p>
             <a:fld id="{49AE70B2-8BF9-45C0-BB95-33D1B9D3A854}" type="slidenum">
               <a:rPr lang="zh-CN" altLang="en-US" smtClean="0"/>
+              <a:t>‹#›</a:t>
             </a:fld>
             <a:endParaRPr lang="zh-CN" altLang="en-US"/>
           </a:p>
@@ -1768,7 +1759,7 @@
           <p:nvPr>
             <p:ph type="title"/>
             <p:custDataLst>
-              <p:tags r:id="rId2"/>
+              <p:tags r:id="rId1"/>
             </p:custDataLst>
           </p:nvPr>
         </p:nvSpPr>
@@ -1802,7 +1793,7 @@
           <p:nvPr>
             <p:ph type="body" idx="1" hasCustomPrompt="1"/>
             <p:custDataLst>
-              <p:tags r:id="rId3"/>
+              <p:tags r:id="rId2"/>
             </p:custDataLst>
           </p:nvPr>
         </p:nvSpPr>
@@ -1870,7 +1861,6 @@
               <a:rPr lang="zh-CN" altLang="en-US" dirty="0"/>
               <a:t>单击此处编辑文本</a:t>
             </a:r>
-            <a:endParaRPr lang="zh-CN" altLang="en-US" dirty="0"/>
           </a:p>
         </p:txBody>
       </p:sp>
@@ -1883,7 +1873,7 @@
           <p:nvPr>
             <p:ph sz="half" idx="2"/>
             <p:custDataLst>
-              <p:tags r:id="rId4"/>
+              <p:tags r:id="rId3"/>
             </p:custDataLst>
           </p:nvPr>
         </p:nvSpPr>
@@ -1904,7 +1894,6 @@
               <a:rPr lang="zh-CN" altLang="en-US" smtClean="0"/>
               <a:t>单击此处编辑母版文本样式</a:t>
             </a:r>
-            <a:endParaRPr lang="zh-CN" altLang="en-US" smtClean="0"/>
           </a:p>
           <a:p>
             <a:pPr lvl="1"/>
@@ -1912,7 +1901,6 @@
               <a:rPr lang="zh-CN" altLang="en-US" smtClean="0"/>
               <a:t>第二级</a:t>
             </a:r>
-            <a:endParaRPr lang="zh-CN" altLang="en-US" smtClean="0"/>
           </a:p>
           <a:p>
             <a:pPr lvl="2"/>
@@ -1920,7 +1908,6 @@
               <a:rPr lang="zh-CN" altLang="en-US" smtClean="0"/>
               <a:t>第三级</a:t>
             </a:r>
-            <a:endParaRPr lang="zh-CN" altLang="en-US" smtClean="0"/>
           </a:p>
           <a:p>
             <a:pPr lvl="3"/>
@@ -1928,7 +1915,6 @@
               <a:rPr lang="zh-CN" altLang="en-US" smtClean="0"/>
               <a:t>第四级</a:t>
             </a:r>
-            <a:endParaRPr lang="zh-CN" altLang="en-US" smtClean="0"/>
           </a:p>
           <a:p>
             <a:pPr lvl="4"/>
@@ -1949,7 +1935,7 @@
           <p:nvPr>
             <p:ph type="body" sz="quarter" idx="3" hasCustomPrompt="1"/>
             <p:custDataLst>
-              <p:tags r:id="rId5"/>
+              <p:tags r:id="rId4"/>
             </p:custDataLst>
           </p:nvPr>
         </p:nvSpPr>
@@ -2030,7 +2016,7 @@
           <p:nvPr>
             <p:ph sz="quarter" idx="4"/>
             <p:custDataLst>
-              <p:tags r:id="rId6"/>
+              <p:tags r:id="rId5"/>
             </p:custDataLst>
           </p:nvPr>
         </p:nvSpPr>
@@ -2051,7 +2037,6 @@
               <a:rPr lang="zh-CN" altLang="en-US" smtClean="0"/>
               <a:t>单击此处编辑母版文本样式</a:t>
             </a:r>
-            <a:endParaRPr lang="zh-CN" altLang="en-US" smtClean="0"/>
           </a:p>
           <a:p>
             <a:pPr lvl="1"/>
@@ -2059,7 +2044,6 @@
               <a:rPr lang="zh-CN" altLang="en-US" smtClean="0"/>
               <a:t>第二级</a:t>
             </a:r>
-            <a:endParaRPr lang="zh-CN" altLang="en-US" smtClean="0"/>
           </a:p>
           <a:p>
             <a:pPr lvl="2"/>
@@ -2067,7 +2051,6 @@
               <a:rPr lang="zh-CN" altLang="en-US" smtClean="0"/>
               <a:t>第三级</a:t>
             </a:r>
-            <a:endParaRPr lang="zh-CN" altLang="en-US" smtClean="0"/>
           </a:p>
           <a:p>
             <a:pPr lvl="3"/>
@@ -2075,7 +2058,6 @@
               <a:rPr lang="zh-CN" altLang="en-US" smtClean="0"/>
               <a:t>第四级</a:t>
             </a:r>
-            <a:endParaRPr lang="zh-CN" altLang="en-US" smtClean="0"/>
           </a:p>
           <a:p>
             <a:pPr lvl="4"/>
@@ -2096,7 +2078,7 @@
           <p:nvPr>
             <p:ph type="dt" sz="half" idx="10"/>
             <p:custDataLst>
-              <p:tags r:id="rId7"/>
+              <p:tags r:id="rId6"/>
             </p:custDataLst>
           </p:nvPr>
         </p:nvSpPr>
@@ -2107,6 +2089,7 @@
           <a:p>
             <a:fld id="{760FBDFE-C587-4B4C-A407-44438C67B59E}" type="datetimeFigureOut">
               <a:rPr lang="zh-CN" altLang="en-US" smtClean="0"/>
+              <a:t>2024/10/25</a:t>
             </a:fld>
             <a:endParaRPr lang="zh-CN" altLang="en-US"/>
           </a:p>
@@ -2121,7 +2104,7 @@
           <p:nvPr>
             <p:ph type="ftr" sz="quarter" idx="11"/>
             <p:custDataLst>
-              <p:tags r:id="rId8"/>
+              <p:tags r:id="rId7"/>
             </p:custDataLst>
           </p:nvPr>
         </p:nvSpPr>
@@ -2143,7 +2126,7 @@
           <p:nvPr>
             <p:ph type="sldNum" sz="quarter" idx="12"/>
             <p:custDataLst>
-              <p:tags r:id="rId9"/>
+              <p:tags r:id="rId8"/>
             </p:custDataLst>
           </p:nvPr>
         </p:nvSpPr>
@@ -2154,6 +2137,7 @@
           <a:p>
             <a:fld id="{49AE70B2-8BF9-45C0-BB95-33D1B9D3A854}" type="slidenum">
               <a:rPr lang="zh-CN" altLang="en-US" smtClean="0"/>
+              <a:t>‹#›</a:t>
             </a:fld>
             <a:endParaRPr lang="zh-CN" altLang="en-US"/>
           </a:p>
@@ -2193,7 +2177,7 @@
           <p:nvPr>
             <p:ph type="title"/>
             <p:custDataLst>
-              <p:tags r:id="rId2"/>
+              <p:tags r:id="rId1"/>
             </p:custDataLst>
           </p:nvPr>
         </p:nvSpPr>
@@ -2227,7 +2211,7 @@
           <p:nvPr>
             <p:ph type="dt" sz="half" idx="10"/>
             <p:custDataLst>
-              <p:tags r:id="rId3"/>
+              <p:tags r:id="rId2"/>
             </p:custDataLst>
           </p:nvPr>
         </p:nvSpPr>
@@ -2238,6 +2222,7 @@
           <a:p>
             <a:fld id="{760FBDFE-C587-4B4C-A407-44438C67B59E}" type="datetimeFigureOut">
               <a:rPr lang="zh-CN" altLang="en-US" smtClean="0"/>
+              <a:t>2024/10/25</a:t>
             </a:fld>
             <a:endParaRPr lang="zh-CN" altLang="en-US"/>
           </a:p>
@@ -2252,7 +2237,7 @@
           <p:nvPr>
             <p:ph type="ftr" sz="quarter" idx="11"/>
             <p:custDataLst>
-              <p:tags r:id="rId4"/>
+              <p:tags r:id="rId3"/>
             </p:custDataLst>
           </p:nvPr>
         </p:nvSpPr>
@@ -2274,7 +2259,7 @@
           <p:nvPr>
             <p:ph type="sldNum" sz="quarter" idx="12"/>
             <p:custDataLst>
-              <p:tags r:id="rId5"/>
+              <p:tags r:id="rId4"/>
             </p:custDataLst>
           </p:nvPr>
         </p:nvSpPr>
@@ -2285,6 +2270,7 @@
           <a:p>
             <a:fld id="{49AE70B2-8BF9-45C0-BB95-33D1B9D3A854}" type="slidenum">
               <a:rPr lang="zh-CN" altLang="en-US" smtClean="0"/>
+              <a:t>‹#›</a:t>
             </a:fld>
             <a:endParaRPr lang="zh-CN" altLang="en-US"/>
           </a:p>
@@ -2324,7 +2310,7 @@
           <p:nvPr>
             <p:ph type="dt" sz="half" idx="10"/>
             <p:custDataLst>
-              <p:tags r:id="rId2"/>
+              <p:tags r:id="rId1"/>
             </p:custDataLst>
           </p:nvPr>
         </p:nvSpPr>
@@ -2335,6 +2321,7 @@
           <a:p>
             <a:fld id="{760FBDFE-C587-4B4C-A407-44438C67B59E}" type="datetimeFigureOut">
               <a:rPr lang="zh-CN" altLang="en-US" smtClean="0"/>
+              <a:t>2024/10/25</a:t>
             </a:fld>
             <a:endParaRPr lang="zh-CN" altLang="en-US"/>
           </a:p>
@@ -2349,7 +2336,7 @@
           <p:nvPr>
             <p:ph type="ftr" sz="quarter" idx="11"/>
             <p:custDataLst>
-              <p:tags r:id="rId3"/>
+              <p:tags r:id="rId2"/>
             </p:custDataLst>
           </p:nvPr>
         </p:nvSpPr>
@@ -2371,7 +2358,7 @@
           <p:nvPr>
             <p:ph type="sldNum" sz="quarter" idx="12"/>
             <p:custDataLst>
-              <p:tags r:id="rId4"/>
+              <p:tags r:id="rId3"/>
             </p:custDataLst>
           </p:nvPr>
         </p:nvSpPr>
@@ -2382,6 +2369,7 @@
           <a:p>
             <a:fld id="{49AE70B2-8BF9-45C0-BB95-33D1B9D3A854}" type="slidenum">
               <a:rPr lang="zh-CN" altLang="en-US" smtClean="0"/>
+              <a:t>‹#›</a:t>
             </a:fld>
             <a:endParaRPr lang="zh-CN" altLang="en-US"/>
           </a:p>
@@ -2421,7 +2409,7 @@
           <p:nvPr>
             <p:ph type="pic" idx="1"/>
             <p:custDataLst>
-              <p:tags r:id="rId2"/>
+              <p:tags r:id="rId1"/>
             </p:custDataLst>
           </p:nvPr>
         </p:nvSpPr>
@@ -2456,7 +2444,7 @@
           <p:nvPr>
             <p:ph type="body" sz="half" idx="2"/>
             <p:custDataLst>
-              <p:tags r:id="rId3"/>
+              <p:tags r:id="rId2"/>
             </p:custDataLst>
           </p:nvPr>
         </p:nvSpPr>
@@ -2495,7 +2483,7 @@
           <p:nvPr>
             <p:ph type="dt" sz="half" idx="10"/>
             <p:custDataLst>
-              <p:tags r:id="rId4"/>
+              <p:tags r:id="rId3"/>
             </p:custDataLst>
           </p:nvPr>
         </p:nvSpPr>
@@ -2506,6 +2494,7 @@
           <a:p>
             <a:fld id="{9EFD9D74-47D9-4702-A33C-335B63B48DBF}" type="datetimeFigureOut">
               <a:rPr lang="zh-CN" altLang="en-US" smtClean="0"/>
+              <a:t>2024/10/25</a:t>
             </a:fld>
             <a:endParaRPr lang="zh-CN" altLang="en-US" dirty="0"/>
           </a:p>
@@ -2520,7 +2509,7 @@
           <p:nvPr>
             <p:ph type="ftr" sz="quarter" idx="11"/>
             <p:custDataLst>
-              <p:tags r:id="rId5"/>
+              <p:tags r:id="rId4"/>
             </p:custDataLst>
           </p:nvPr>
         </p:nvSpPr>
@@ -2542,7 +2531,7 @@
           <p:nvPr>
             <p:ph type="sldNum" sz="quarter" idx="12"/>
             <p:custDataLst>
-              <p:tags r:id="rId6"/>
+              <p:tags r:id="rId5"/>
             </p:custDataLst>
           </p:nvPr>
         </p:nvSpPr>
@@ -2553,6 +2542,7 @@
           <a:p>
             <a:fld id="{FABC47A4-756D-490B-A52F-7D9E2C9FC05F}" type="slidenum">
               <a:rPr lang="zh-CN" altLang="en-US" smtClean="0"/>
+              <a:t>‹#›</a:t>
             </a:fld>
             <a:endParaRPr lang="zh-CN" altLang="en-US"/>
           </a:p>
@@ -2567,19 +2557,19 @@
           <p:nvPr>
             <p:ph type="title"/>
             <p:custDataLst>
-              <p:tags r:id="rId7"/>
+              <p:tags r:id="rId6"/>
             </p:custDataLst>
           </p:nvPr>
         </p:nvSpPr>
         <p:spPr/>
         <p:txBody>
           <a:bodyPr/>
+          <a:lstStyle/>
           <a:p>
             <a:r>
               <a:rPr lang="zh-CN" altLang="en-US"/>
               <a:t>单击此处编辑母版标题样式</a:t>
             </a:r>
-            <a:endParaRPr lang="zh-CN" altLang="en-US"/>
           </a:p>
         </p:txBody>
       </p:sp>
@@ -2617,7 +2607,7 @@
           <p:nvPr>
             <p:ph type="title" orient="vert" hasCustomPrompt="1"/>
             <p:custDataLst>
-              <p:tags r:id="rId2"/>
+              <p:tags r:id="rId1"/>
             </p:custDataLst>
           </p:nvPr>
         </p:nvSpPr>
@@ -2656,7 +2646,7 @@
           <p:nvPr>
             <p:ph type="body" orient="vert" idx="1"/>
             <p:custDataLst>
-              <p:tags r:id="rId3"/>
+              <p:tags r:id="rId2"/>
             </p:custDataLst>
           </p:nvPr>
         </p:nvSpPr>
@@ -2694,7 +2684,6 @@
               <a:rPr lang="zh-CN" altLang="en-US" dirty="0"/>
               <a:t>单击此处编辑母版文本样式</a:t>
             </a:r>
-            <a:endParaRPr lang="zh-CN" altLang="en-US" dirty="0"/>
           </a:p>
           <a:p>
             <a:pPr lvl="1"/>
@@ -2702,7 +2691,6 @@
               <a:rPr lang="zh-CN" altLang="en-US" dirty="0"/>
               <a:t>第二级</a:t>
             </a:r>
-            <a:endParaRPr lang="zh-CN" altLang="en-US" dirty="0"/>
           </a:p>
           <a:p>
             <a:pPr lvl="2"/>
@@ -2710,7 +2698,6 @@
               <a:rPr lang="zh-CN" altLang="en-US" dirty="0"/>
               <a:t>第三级</a:t>
             </a:r>
-            <a:endParaRPr lang="zh-CN" altLang="en-US" dirty="0"/>
           </a:p>
           <a:p>
             <a:pPr lvl="3"/>
@@ -2718,7 +2705,6 @@
               <a:rPr lang="zh-CN" altLang="en-US" dirty="0"/>
               <a:t>第四级</a:t>
             </a:r>
-            <a:endParaRPr lang="zh-CN" altLang="en-US" dirty="0"/>
           </a:p>
           <a:p>
             <a:pPr lvl="4"/>
@@ -2726,7 +2712,6 @@
               <a:rPr lang="zh-CN" altLang="en-US" dirty="0"/>
               <a:t>第五级</a:t>
             </a:r>
-            <a:endParaRPr lang="zh-CN" altLang="en-US" dirty="0"/>
           </a:p>
         </p:txBody>
       </p:sp>
@@ -2739,7 +2724,7 @@
           <p:nvPr>
             <p:ph type="dt" sz="half" idx="10"/>
             <p:custDataLst>
-              <p:tags r:id="rId4"/>
+              <p:tags r:id="rId3"/>
             </p:custDataLst>
           </p:nvPr>
         </p:nvSpPr>
@@ -2750,6 +2735,7 @@
           <a:p>
             <a:fld id="{760FBDFE-C587-4B4C-A407-44438C67B59E}" type="datetimeFigureOut">
               <a:rPr lang="zh-CN" altLang="en-US" smtClean="0"/>
+              <a:t>2024/10/25</a:t>
             </a:fld>
             <a:endParaRPr lang="zh-CN" altLang="en-US"/>
           </a:p>
@@ -2764,7 +2750,7 @@
           <p:nvPr>
             <p:ph type="ftr" sz="quarter" idx="11"/>
             <p:custDataLst>
-              <p:tags r:id="rId5"/>
+              <p:tags r:id="rId4"/>
             </p:custDataLst>
           </p:nvPr>
         </p:nvSpPr>
@@ -2786,7 +2772,7 @@
           <p:nvPr>
             <p:ph type="sldNum" sz="quarter" idx="12"/>
             <p:custDataLst>
-              <p:tags r:id="rId6"/>
+              <p:tags r:id="rId5"/>
             </p:custDataLst>
           </p:nvPr>
         </p:nvSpPr>
@@ -2797,6 +2783,7 @@
           <a:p>
             <a:fld id="{49AE70B2-8BF9-45C0-BB95-33D1B9D3A854}" type="slidenum">
               <a:rPr lang="zh-CN" altLang="en-US" smtClean="0"/>
+              <a:t>‹#›</a:t>
             </a:fld>
             <a:endParaRPr lang="zh-CN" altLang="en-US"/>
           </a:p>
@@ -2841,7 +2828,7 @@
           <p:nvPr>
             <p:ph type="title"/>
             <p:custDataLst>
-              <p:tags r:id="rId12"/>
+              <p:tags r:id="rId14"/>
             </p:custDataLst>
           </p:nvPr>
         </p:nvSpPr>
@@ -2864,7 +2851,6 @@
               <a:rPr lang="zh-CN" altLang="en-US" dirty="0"/>
               <a:t>单击此处编辑母版标题样式</a:t>
             </a:r>
-            <a:endParaRPr lang="zh-CN" altLang="en-US" dirty="0"/>
           </a:p>
         </p:txBody>
       </p:sp>
@@ -2877,7 +2863,7 @@
           <p:nvPr>
             <p:ph type="body" idx="1"/>
             <p:custDataLst>
-              <p:tags r:id="rId13"/>
+              <p:tags r:id="rId15"/>
             </p:custDataLst>
           </p:nvPr>
         </p:nvSpPr>
@@ -2901,7 +2887,6 @@
               <a:rPr lang="zh-CN" altLang="en-US" dirty="0"/>
               <a:t>单击此处编辑母版文本样式</a:t>
             </a:r>
-            <a:endParaRPr lang="zh-CN" altLang="en-US" dirty="0"/>
           </a:p>
           <a:p>
             <a:pPr lvl="1"/>
@@ -2909,7 +2894,6 @@
               <a:rPr lang="zh-CN" altLang="en-US" dirty="0"/>
               <a:t>第二级</a:t>
             </a:r>
-            <a:endParaRPr lang="zh-CN" altLang="en-US" dirty="0"/>
           </a:p>
           <a:p>
             <a:pPr lvl="2"/>
@@ -2917,7 +2901,6 @@
               <a:rPr lang="zh-CN" altLang="en-US" dirty="0"/>
               <a:t>第三级</a:t>
             </a:r>
-            <a:endParaRPr lang="zh-CN" altLang="en-US" dirty="0"/>
           </a:p>
           <a:p>
             <a:pPr lvl="3"/>
@@ -2925,7 +2908,6 @@
               <a:rPr lang="zh-CN" altLang="en-US" dirty="0"/>
               <a:t>第四级</a:t>
             </a:r>
-            <a:endParaRPr lang="zh-CN" altLang="en-US" dirty="0"/>
           </a:p>
           <a:p>
             <a:pPr lvl="4"/>
@@ -2933,7 +2915,6 @@
               <a:rPr lang="zh-CN" altLang="en-US" dirty="0"/>
               <a:t>第五级</a:t>
             </a:r>
-            <a:endParaRPr lang="zh-CN" altLang="en-US" dirty="0"/>
           </a:p>
         </p:txBody>
       </p:sp>
@@ -2946,7 +2927,7 @@
           <p:nvPr>
             <p:ph type="dt" sz="half" idx="2"/>
             <p:custDataLst>
-              <p:tags r:id="rId14"/>
+              <p:tags r:id="rId16"/>
             </p:custDataLst>
           </p:nvPr>
         </p:nvSpPr>
@@ -2977,6 +2958,7 @@
           <a:p>
             <a:fld id="{760FBDFE-C587-4B4C-A407-44438C67B59E}" type="datetimeFigureOut">
               <a:rPr lang="zh-CN" altLang="en-US" smtClean="0"/>
+              <a:t>2024/10/25</a:t>
             </a:fld>
             <a:endParaRPr lang="zh-CN" altLang="en-US"/>
           </a:p>
@@ -2991,7 +2973,7 @@
           <p:nvPr>
             <p:ph type="ftr" sz="quarter" idx="3"/>
             <p:custDataLst>
-              <p:tags r:id="rId15"/>
+              <p:tags r:id="rId17"/>
             </p:custDataLst>
           </p:nvPr>
         </p:nvSpPr>
@@ -3033,7 +3015,7 @@
           <p:nvPr>
             <p:ph type="sldNum" sz="quarter" idx="4"/>
             <p:custDataLst>
-              <p:tags r:id="rId16"/>
+              <p:tags r:id="rId18"/>
             </p:custDataLst>
           </p:nvPr>
         </p:nvSpPr>
@@ -3064,6 +3046,7 @@
           <a:p>
             <a:fld id="{49AE70B2-8BF9-45C0-BB95-33D1B9D3A854}" type="slidenum">
               <a:rPr lang="zh-CN" altLang="en-US" smtClean="0"/>
+              <a:t>‹#›</a:t>
             </a:fld>
             <a:endParaRPr lang="zh-CN" altLang="en-US" dirty="0"/>
           </a:p>
@@ -3071,7 +3054,7 @@
       </p:sp>
     </p:spTree>
     <p:custDataLst>
-      <p:tags r:id="rId17"/>
+      <p:tags r:id="rId13"/>
     </p:custDataLst>
   </p:cSld>
   <p:clrMap bg1="lt1" tx1="dk1" bg2="lt2" tx2="dk2" accent1="accent1" accent2="accent2" accent3="accent3" accent4="accent4" accent5="accent5" accent6="accent6" hlink="hlink" folHlink="folHlink"/>
@@ -3435,7 +3418,14 @@
         <p:cNvGrpSpPr/>
         <p:nvPr/>
       </p:nvGrpSpPr>
-      <p:grpSpPr/>
+      <p:grpSpPr>
+        <a:xfrm>
+          <a:off x="0" y="0"/>
+          <a:ext cx="0" cy="0"/>
+          <a:chOff x="0" y="0"/>
+          <a:chExt cx="0" cy="0"/>
+        </a:xfrm>
+      </p:grpSpPr>
       <p:pic>
         <p:nvPicPr>
           <p:cNvPr id="4" name="图片 3" descr="大脑原型"/>
@@ -3445,7 +3435,7 @@
           <p:nvPr/>
         </p:nvPicPr>
         <p:blipFill>
-          <a:blip r:embed="rId1"/>
+          <a:blip r:embed="rId3"/>
           <a:stretch>
             <a:fillRect/>
           </a:stretch>
@@ -3476,7 +3466,7 @@
           <p:nvPr/>
         </p:nvPicPr>
         <p:blipFill>
-          <a:blip r:embed="rId2"/>
+          <a:blip r:embed="rId4"/>
           <a:stretch>
             <a:fillRect/>
           </a:stretch>
@@ -3514,6 +3504,7 @@
           <a:bodyPr wrap="square" rtlCol="0">
             <a:noAutofit/>
           </a:bodyPr>
+          <a:lstStyle/>
           <a:p>
             <a:pPr algn="ctr"/>
             <a:r>
@@ -3523,10 +3514,6 @@
               </a:rPr>
               <a:t>Perception Network</a:t>
             </a:r>
-            <a:endParaRPr lang="en-US" altLang="zh-CN" sz="1600">
-              <a:latin typeface="Times New Roman" panose="02020603050405020304" charset="0"/>
-              <a:cs typeface="Times New Roman" panose="02020603050405020304" charset="0"/>
-            </a:endParaRPr>
           </a:p>
         </p:txBody>
       </p:sp>
@@ -3553,6 +3540,7 @@
           <a:bodyPr wrap="square" rtlCol="0">
             <a:noAutofit/>
           </a:bodyPr>
+          <a:lstStyle/>
           <a:p>
             <a:r>
               <a:rPr lang="en-US" sz="1200" spc="6">
@@ -3582,10 +3570,6 @@
               </a:rPr>
               <a:t>etric</a:t>
             </a:r>
-            <a:endParaRPr sz="1600" spc="6">
-              <a:latin typeface="Times New Roman" panose="02020603050405020304" charset="0"/>
-              <a:cs typeface="Times New Roman" panose="02020603050405020304" charset="0"/>
-            </a:endParaRPr>
           </a:p>
         </p:txBody>
       </p:sp>
@@ -3612,6 +3596,7 @@
           <a:bodyPr wrap="square" rtlCol="0">
             <a:noAutofit/>
           </a:bodyPr>
+          <a:lstStyle/>
           <a:p>
             <a:pPr algn="ctr"/>
             <a:r>
@@ -3667,6 +3652,7 @@
           <a:bodyPr wrap="square" rtlCol="0">
             <a:noAutofit/>
           </a:bodyPr>
+          <a:lstStyle/>
           <a:p>
             <a:pPr algn="ctr"/>
             <a:r>
@@ -3676,10 +3662,6 @@
               </a:rPr>
               <a:t>Decision Network</a:t>
             </a:r>
-            <a:endParaRPr lang="en-US" altLang="zh-CN" sz="1600">
-              <a:latin typeface="Times New Roman" panose="02020603050405020304" charset="0"/>
-              <a:cs typeface="Times New Roman" panose="02020603050405020304" charset="0"/>
-            </a:endParaRPr>
           </a:p>
         </p:txBody>
       </p:sp>
@@ -3706,6 +3688,7 @@
           <a:bodyPr wrap="square" rtlCol="0">
             <a:noAutofit/>
           </a:bodyPr>
+          <a:lstStyle/>
           <a:p>
             <a:r>
               <a:rPr sz="1600" spc="6">
@@ -3728,10 +3711,6 @@
               </a:rPr>
               <a:t>election</a:t>
             </a:r>
-            <a:endParaRPr sz="1600" spc="6">
-              <a:latin typeface="Times New Roman" panose="02020603050405020304" charset="0"/>
-              <a:cs typeface="Times New Roman" panose="02020603050405020304" charset="0"/>
-            </a:endParaRPr>
           </a:p>
         </p:txBody>
       </p:sp>
@@ -3758,6 +3737,7 @@
           <a:bodyPr wrap="square" rtlCol="0">
             <a:noAutofit/>
           </a:bodyPr>
+          <a:lstStyle/>
           <a:p>
             <a:pPr marL="7620" algn="l">
               <a:spcBef>
@@ -3791,11 +3771,6 @@
               </a:rPr>
               <a:t>ctivation</a:t>
             </a:r>
-            <a:endParaRPr sz="1600" spc="6">
-              <a:latin typeface="Times New Roman" panose="02020603050405020304" charset="0"/>
-              <a:cs typeface="Times New Roman" panose="02020603050405020304" charset="0"/>
-              <a:sym typeface="+mn-ea"/>
-            </a:endParaRPr>
           </a:p>
           <a:p>
             <a:endParaRPr lang="zh-CN" altLang="en-US" sz="1600">
@@ -3829,6 +3804,7 @@
           <a:bodyPr wrap="square" rtlCol="0">
             <a:noAutofit/>
           </a:bodyPr>
+          <a:lstStyle/>
           <a:p>
             <a:pPr marL="7620" algn="l">
               <a:spcBef>
@@ -3862,11 +3838,6 @@
               </a:rPr>
               <a:t>ctivation</a:t>
             </a:r>
-            <a:endParaRPr sz="1600" spc="6">
-              <a:latin typeface="Times New Roman" panose="02020603050405020304" charset="0"/>
-              <a:cs typeface="Times New Roman" panose="02020603050405020304" charset="0"/>
-              <a:sym typeface="+mn-ea"/>
-            </a:endParaRPr>
           </a:p>
           <a:p>
             <a:endParaRPr lang="zh-CN" altLang="en-US" sz="1600">
@@ -3886,7 +3857,7 @@
           <p:nvPr/>
         </p:nvPicPr>
         <p:blipFill>
-          <a:blip r:embed="rId3">
+          <a:blip r:embed="rId5">
             <a:alphaModFix amt="50000"/>
           </a:blip>
           <a:stretch>
@@ -3912,7 +3883,7 @@
           <p:nvPr/>
         </p:nvPicPr>
         <p:blipFill>
-          <a:blip r:embed="rId3"/>
+          <a:blip r:embed="rId5"/>
           <a:stretch>
             <a:fillRect/>
           </a:stretch>
@@ -3950,6 +3921,7 @@
           <a:bodyPr wrap="square" rtlCol="0">
             <a:noAutofit/>
           </a:bodyPr>
+          <a:lstStyle/>
           <a:p>
             <a:pPr marL="7620" algn="l">
               <a:spcBef>
@@ -3991,7 +3963,7 @@
           <p:nvPr/>
         </p:nvPicPr>
         <p:blipFill>
-          <a:blip r:embed="rId3"/>
+          <a:blip r:embed="rId5"/>
           <a:stretch>
             <a:fillRect/>
           </a:stretch>
@@ -4093,6 +4065,7 @@
         </p:style>
         <p:txBody>
           <a:bodyPr rtlCol="0" anchor="ctr"/>
+          <a:lstStyle/>
           <a:p>
             <a:pPr algn="ctr"/>
             <a:endParaRPr lang="zh-CN" altLang="en-US"/>
@@ -4202,6 +4175,7 @@
           <a:bodyPr wrap="square" rtlCol="0">
             <a:noAutofit/>
           </a:bodyPr>
+          <a:lstStyle/>
           <a:p>
             <a:pPr marL="7620" algn="l">
               <a:spcBef>
@@ -4286,6 +4260,7 @@
         </p:style>
         <p:txBody>
           <a:bodyPr rtlCol="0" anchor="ctr"/>
+          <a:lstStyle/>
           <a:p>
             <a:pPr algn="ctr"/>
             <a:endParaRPr lang="zh-CN" altLang="en-US"/>
@@ -4434,6 +4409,7 @@
           <a:bodyPr wrap="square" rtlCol="0">
             <a:noAutofit/>
           </a:bodyPr>
+          <a:lstStyle/>
           <a:p>
             <a:r>
               <a:rPr sz="1600" spc="6">
@@ -4456,10 +4432,6 @@
               </a:rPr>
               <a:t>lignment</a:t>
             </a:r>
-            <a:endParaRPr sz="1600" spc="6">
-              <a:latin typeface="Times New Roman" panose="02020603050405020304" charset="0"/>
-              <a:cs typeface="Times New Roman" panose="02020603050405020304" charset="0"/>
-            </a:endParaRPr>
           </a:p>
         </p:txBody>
       </p:sp>
@@ -4507,6 +4479,7 @@
         </p:style>
         <p:txBody>
           <a:bodyPr rtlCol="0" anchor="ctr"/>
+          <a:lstStyle/>
           <a:p>
             <a:pPr algn="ctr"/>
             <a:endParaRPr lang="zh-CN" altLang="en-US"/>
@@ -4522,7 +4495,7 @@
           <p:nvPr/>
         </p:nvPicPr>
         <p:blipFill>
-          <a:blip r:embed="rId4">
+          <a:blip r:embed="rId6">
             <a:alphaModFix amt="76000"/>
           </a:blip>
           <a:stretch>
@@ -4548,7 +4521,7 @@
           <p:nvPr/>
         </p:nvPicPr>
         <p:blipFill>
-          <a:blip r:embed="rId5">
+          <a:blip r:embed="rId7">
             <a:alphaModFix amt="76000"/>
           </a:blip>
           <a:stretch>
@@ -4574,7 +4547,7 @@
           <p:nvPr/>
         </p:nvPicPr>
         <p:blipFill>
-          <a:blip r:embed="rId6"/>
+          <a:blip r:embed="rId8"/>
           <a:stretch>
             <a:fillRect/>
           </a:stretch>
@@ -4598,7 +4571,7 @@
           <p:nvPr/>
         </p:nvPicPr>
         <p:blipFill>
-          <a:blip r:embed="rId3">
+          <a:blip r:embed="rId5">
             <a:alphaModFix amt="54000"/>
           </a:blip>
           <a:stretch>
@@ -4624,7 +4597,7 @@
           <p:nvPr/>
         </p:nvPicPr>
         <p:blipFill>
-          <a:blip r:embed="rId7">
+          <a:blip r:embed="rId9">
             <a:alphaModFix amt="54000"/>
           </a:blip>
           <a:stretch>
@@ -4650,7 +4623,7 @@
           <p:nvPr/>
         </p:nvPicPr>
         <p:blipFill>
-          <a:blip r:embed="rId6">
+          <a:blip r:embed="rId8">
             <a:alphaModFix amt="54000"/>
           </a:blip>
           <a:stretch>
@@ -4676,7 +4649,7 @@
           <p:nvPr/>
         </p:nvPicPr>
         <p:blipFill>
-          <a:blip r:embed="rId8">
+          <a:blip r:embed="rId10">
             <a:alphaModFix amt="54000"/>
           </a:blip>
           <a:stretch>
@@ -4821,6 +4794,7 @@
         </p:style>
         <p:txBody>
           <a:bodyPr rtlCol="0" anchor="ctr"/>
+          <a:lstStyle/>
           <a:p>
             <a:pPr algn="ctr"/>
             <a:endParaRPr lang="zh-CN" altLang="en-US"/>
@@ -4875,7 +4849,7 @@
           <p:nvPr/>
         </p:nvPicPr>
         <p:blipFill>
-          <a:blip r:embed="rId9">
+          <a:blip r:embed="rId11">
             <a:alphaModFix amt="22000"/>
           </a:blip>
           <a:stretch>
@@ -4901,7 +4875,7 @@
           <p:nvPr/>
         </p:nvPicPr>
         <p:blipFill>
-          <a:blip r:embed="rId10">
+          <a:blip r:embed="rId12">
             <a:alphaModFix amt="22000"/>
           </a:blip>
           <a:stretch>
@@ -4927,7 +4901,7 @@
           <p:nvPr/>
         </p:nvPicPr>
         <p:blipFill>
-          <a:blip r:embed="rId11">
+          <a:blip r:embed="rId13">
             <a:alphaModFix amt="28000"/>
           </a:blip>
           <a:stretch>
@@ -5004,6 +4978,7 @@
           <a:bodyPr wrap="square" rtlCol="0">
             <a:noAutofit/>
           </a:bodyPr>
+          <a:lstStyle/>
           <a:p>
             <a:pPr marL="7620" algn="l">
               <a:spcBef>
@@ -5171,6 +5146,7 @@
         </p:style>
         <p:txBody>
           <a:bodyPr rtlCol="0" anchor="ctr"/>
+          <a:lstStyle/>
           <a:p>
             <a:pPr algn="ctr"/>
             <a:endParaRPr lang="zh-CN" altLang="en-US"/>
@@ -5337,6 +5313,7 @@
           <a:bodyPr spcFirstLastPara="1" wrap="square" lIns="91425" tIns="91425" rIns="91425" bIns="91425" anchor="ctr" anchorCtr="0">
             <a:noAutofit/>
           </a:bodyPr>
+          <a:lstStyle/>
           <a:p>
             <a:pPr marL="0" lvl="0" indent="0" algn="l" rtl="0">
               <a:spcBef>
@@ -5347,6 +5324,7 @@
               </a:spcAft>
               <a:buNone/>
             </a:pPr>
+            <a:endParaRPr/>
           </a:p>
         </p:txBody>
       </p:sp>
@@ -5389,6 +5367,7 @@
           <a:bodyPr spcFirstLastPara="1" wrap="square" lIns="91425" tIns="91425" rIns="91425" bIns="91425" anchor="ctr" anchorCtr="0">
             <a:noAutofit/>
           </a:bodyPr>
+          <a:lstStyle/>
           <a:p>
             <a:pPr marL="0" lvl="0" indent="0" algn="l" rtl="0">
               <a:spcBef>
@@ -5399,6 +5378,7 @@
               </a:spcAft>
               <a:buNone/>
             </a:pPr>
+            <a:endParaRPr/>
           </a:p>
         </p:txBody>
       </p:sp>
@@ -5566,6 +5546,7 @@
         </p:style>
         <p:txBody>
           <a:bodyPr rtlCol="0" anchor="ctr"/>
+          <a:lstStyle/>
           <a:p>
             <a:pPr algn="ctr"/>
             <a:endParaRPr lang="zh-CN" altLang="en-US"/>
@@ -5620,6 +5601,7 @@
         </p:style>
         <p:txBody>
           <a:bodyPr rtlCol="0" anchor="ctr"/>
+          <a:lstStyle/>
           <a:p>
             <a:pPr algn="ctr"/>
             <a:endParaRPr lang="zh-CN" altLang="en-US"/>
@@ -5671,6 +5653,7 @@
         </p:style>
         <p:txBody>
           <a:bodyPr rtlCol="0" anchor="ctr"/>
+          <a:lstStyle/>
           <a:p>
             <a:pPr algn="ctr"/>
             <a:endParaRPr lang="zh-CN" altLang="en-US"/>
@@ -5725,6 +5708,7 @@
         </p:style>
         <p:txBody>
           <a:bodyPr rtlCol="0" anchor="ctr"/>
+          <a:lstStyle/>
           <a:p>
             <a:pPr algn="ctr"/>
             <a:endParaRPr lang="zh-CN" altLang="en-US"/>
@@ -5779,6 +5763,7 @@
         </p:style>
         <p:txBody>
           <a:bodyPr rtlCol="0" anchor="ctr"/>
+          <a:lstStyle/>
           <a:p>
             <a:pPr algn="ctr"/>
             <a:endParaRPr lang="zh-CN" altLang="en-US"/>
@@ -5833,6 +5818,7 @@
         </p:style>
         <p:txBody>
           <a:bodyPr rtlCol="0" anchor="ctr"/>
+          <a:lstStyle/>
           <a:p>
             <a:pPr algn="ctr"/>
             <a:endParaRPr lang="zh-CN" altLang="en-US"/>
@@ -5884,6 +5870,7 @@
         </p:style>
         <p:txBody>
           <a:bodyPr rtlCol="0" anchor="ctr"/>
+          <a:lstStyle/>
           <a:p>
             <a:pPr algn="ctr"/>
             <a:endParaRPr lang="zh-CN" altLang="en-US"/>
@@ -5892,7 +5879,7 @@
       </p:sp>
     </p:spTree>
     <p:custDataLst>
-      <p:tags r:id="rId12"/>
+      <p:tags r:id="rId1"/>
     </p:custDataLst>
   </p:cSld>
   <p:clrMapOvr>
@@ -5910,7 +5897,14 @@
         <p:cNvGrpSpPr/>
         <p:nvPr/>
       </p:nvGrpSpPr>
-      <p:grpSpPr/>
+      <p:grpSpPr>
+        <a:xfrm>
+          <a:off x="0" y="0"/>
+          <a:ext cx="0" cy="0"/>
+          <a:chOff x="0" y="0"/>
+          <a:chExt cx="0" cy="0"/>
+        </a:xfrm>
+      </p:grpSpPr>
       <p:sp>
         <p:nvSpPr>
           <p:cNvPr id="28" name="矩形 27"/>
@@ -5955,6 +5949,7 @@
         </p:style>
         <p:txBody>
           <a:bodyPr rtlCol="0" anchor="ctr"/>
+          <a:lstStyle/>
           <a:p>
             <a:pPr algn="ctr"/>
             <a:endParaRPr lang="zh-CN" altLang="en-US"/>
@@ -6002,6 +5997,7 @@
         </p:style>
         <p:txBody>
           <a:bodyPr rtlCol="0" anchor="ctr"/>
+          <a:lstStyle/>
           <a:p>
             <a:pPr algn="ctr"/>
             <a:endParaRPr lang="zh-CN" altLang="en-US"/>
@@ -6032,6 +6028,7 @@
           <a:bodyPr wrap="square" rtlCol="0">
             <a:spAutoFit/>
           </a:bodyPr>
+          <a:lstStyle/>
           <a:p>
             <a:pPr algn="ctr"/>
             <a:r>
@@ -6093,6 +6090,7 @@
         </p:style>
         <p:txBody>
           <a:bodyPr rtlCol="0" anchor="ctr"/>
+          <a:lstStyle/>
           <a:p>
             <a:pPr algn="ctr"/>
             <a:endParaRPr lang="zh-CN" altLang="en-US"/>
@@ -6144,6 +6142,7 @@
         </p:style>
         <p:txBody>
           <a:bodyPr rtlCol="0" anchor="ctr"/>
+          <a:lstStyle/>
           <a:p>
             <a:pPr algn="ctr"/>
             <a:endParaRPr lang="zh-CN" altLang="en-US"/>
@@ -6174,6 +6173,7 @@
           <a:bodyPr wrap="square" rtlCol="0">
             <a:noAutofit/>
           </a:bodyPr>
+          <a:lstStyle/>
           <a:p>
             <a:pPr algn="ctr">
               <a:buClrTx/>
@@ -6188,11 +6188,6 @@
               </a:rPr>
               <a:t>s</a:t>
             </a:r>
-            <a:endParaRPr lang="en-US" altLang="zh-CN" sz="1200">
-              <a:latin typeface="Times New Roman" panose="02020603050405020304" charset="0"/>
-              <a:cs typeface="Times New Roman" panose="02020603050405020304" charset="0"/>
-              <a:sym typeface="+mn-ea"/>
-            </a:endParaRPr>
           </a:p>
         </p:txBody>
       </p:sp>
@@ -6216,6 +6211,7 @@
           <a:bodyPr wrap="square" rtlCol="0">
             <a:noAutofit/>
           </a:bodyPr>
+          <a:lstStyle/>
           <a:p>
             <a:r>
               <a:rPr lang="en-US" altLang="zh-CN" sz="1200" b="1">
@@ -6251,6 +6247,7 @@
           <a:bodyPr wrap="square" rtlCol="0">
             <a:noAutofit/>
           </a:bodyPr>
+          <a:lstStyle/>
           <a:p>
             <a:r>
               <a:rPr lang="en-US" altLang="zh-CN" sz="1200" b="1">
@@ -6307,6 +6304,7 @@
         </p:style>
         <p:txBody>
           <a:bodyPr rtlCol="0" anchor="ctr"/>
+          <a:lstStyle/>
           <a:p>
             <a:pPr algn="ctr"/>
             <a:endParaRPr lang="zh-CN" altLang="en-US"/>
@@ -6354,6 +6352,7 @@
         </p:style>
         <p:txBody>
           <a:bodyPr rtlCol="0" anchor="ctr"/>
+          <a:lstStyle/>
           <a:p>
             <a:pPr algn="ctr"/>
             <a:endParaRPr lang="zh-CN" altLang="en-US"/>
@@ -6410,6 +6409,7 @@
         </p:style>
         <p:txBody>
           <a:bodyPr rtlCol="0" anchor="ctr"/>
+          <a:lstStyle/>
           <a:p>
             <a:pPr algn="ctr"/>
             <a:r>
@@ -6501,6 +6501,7 @@
           <a:bodyPr wrap="square" rtlCol="0">
             <a:noAutofit/>
           </a:bodyPr>
+          <a:lstStyle/>
           <a:p>
             <a:r>
               <a:rPr lang="en-US" altLang="zh-CN" sz="1200">
@@ -6510,11 +6511,6 @@
               </a:rPr>
               <a:t>a</a:t>
             </a:r>
-            <a:endParaRPr lang="en-US" altLang="zh-CN" sz="1200">
-              <a:latin typeface="Times New Roman" panose="02020603050405020304" charset="0"/>
-              <a:cs typeface="Times New Roman" panose="02020603050405020304" charset="0"/>
-              <a:sym typeface="+mn-ea"/>
-            </a:endParaRPr>
           </a:p>
         </p:txBody>
       </p:sp>
@@ -6541,6 +6537,7 @@
           <a:bodyPr wrap="square" rtlCol="0">
             <a:noAutofit/>
           </a:bodyPr>
+          <a:lstStyle/>
           <a:p>
             <a:pPr algn="ctr"/>
             <a:r>
@@ -6550,10 +6547,6 @@
               </a:rPr>
               <a:t>Perception Network</a:t>
             </a:r>
-            <a:endParaRPr lang="en-US" altLang="zh-CN" sz="1200">
-              <a:latin typeface="Times New Roman" panose="02020603050405020304" charset="0"/>
-              <a:cs typeface="Times New Roman" panose="02020603050405020304" charset="0"/>
-            </a:endParaRPr>
           </a:p>
         </p:txBody>
       </p:sp>
@@ -6609,6 +6602,7 @@
         </p:style>
         <p:txBody>
           <a:bodyPr rtlCol="0" anchor="ctr"/>
+          <a:lstStyle/>
           <a:p>
             <a:pPr algn="ctr"/>
             <a:endParaRPr lang="zh-CN" altLang="en-US"/>
@@ -6638,6 +6632,7 @@
           <a:bodyPr wrap="square" rtlCol="0">
             <a:noAutofit/>
           </a:bodyPr>
+          <a:lstStyle/>
           <a:p>
             <a:pPr algn="ctr"/>
             <a:r>
@@ -6647,10 +6642,6 @@
               </a:rPr>
               <a:t>Ventral Pathway</a:t>
             </a:r>
-            <a:endParaRPr lang="en-US" altLang="zh-CN" sz="1200">
-              <a:latin typeface="Times New Roman" panose="02020603050405020304" charset="0"/>
-              <a:cs typeface="Times New Roman" panose="02020603050405020304" charset="0"/>
-            </a:endParaRPr>
           </a:p>
         </p:txBody>
       </p:sp>
@@ -6677,6 +6668,7 @@
           <a:bodyPr wrap="square" rtlCol="0">
             <a:noAutofit/>
           </a:bodyPr>
+          <a:lstStyle/>
           <a:p>
             <a:pPr algn="ctr"/>
             <a:r>
@@ -6686,10 +6678,6 @@
               </a:rPr>
               <a:t>Decision Network</a:t>
             </a:r>
-            <a:endParaRPr lang="en-US" altLang="zh-CN" sz="1200">
-              <a:latin typeface="Times New Roman" panose="02020603050405020304" charset="0"/>
-              <a:cs typeface="Times New Roman" panose="02020603050405020304" charset="0"/>
-            </a:endParaRPr>
           </a:p>
         </p:txBody>
       </p:sp>
@@ -6716,6 +6704,7 @@
           <a:bodyPr wrap="square" rtlCol="0">
             <a:noAutofit/>
           </a:bodyPr>
+          <a:lstStyle/>
           <a:p>
             <a:pPr algn="ctr"/>
             <a:r>
@@ -6725,10 +6714,6 @@
               </a:rPr>
               <a:t>Dorsal Pathway</a:t>
             </a:r>
-            <a:endParaRPr lang="en-US" altLang="zh-CN" sz="1200">
-              <a:latin typeface="Times New Roman" panose="02020603050405020304" charset="0"/>
-              <a:cs typeface="Times New Roman" panose="02020603050405020304" charset="0"/>
-            </a:endParaRPr>
           </a:p>
         </p:txBody>
       </p:sp>
@@ -6776,6 +6761,7 @@
         </p:style>
         <p:txBody>
           <a:bodyPr rtlCol="0" anchor="ctr"/>
+          <a:lstStyle/>
           <a:p>
             <a:pPr algn="ctr"/>
             <a:endParaRPr lang="zh-CN" altLang="en-US"/>
@@ -6802,6 +6788,7 @@
           <a:bodyPr wrap="square" rtlCol="0">
             <a:spAutoFit/>
           </a:bodyPr>
+          <a:lstStyle/>
           <a:p>
             <a:r>
               <a:rPr lang="zh-CN" altLang="en-US" sz="1200">
@@ -6810,10 +6797,6 @@
               </a:rPr>
               <a:t>Assessment</a:t>
             </a:r>
-            <a:endParaRPr lang="zh-CN" altLang="en-US" sz="1200">
-              <a:latin typeface="Times New Roman" panose="02020603050405020304" charset="0"/>
-              <a:cs typeface="Times New Roman" panose="02020603050405020304" charset="0"/>
-            </a:endParaRPr>
           </a:p>
         </p:txBody>
       </p:sp>
@@ -6907,6 +6890,7 @@
         </p:style>
         <p:txBody>
           <a:bodyPr rtlCol="0" anchor="ctr"/>
+          <a:lstStyle/>
           <a:p>
             <a:pPr algn="ctr"/>
             <a:endParaRPr lang="zh-CN" altLang="en-US"/>
@@ -6960,6 +6944,7 @@
         </p:style>
         <p:txBody>
           <a:bodyPr rtlCol="0" anchor="ctr"/>
+          <a:lstStyle/>
           <a:p>
             <a:pPr algn="ctr"/>
             <a:endParaRPr lang="zh-CN" altLang="en-US"/>
@@ -7013,6 +6998,7 @@
         </p:style>
         <p:txBody>
           <a:bodyPr rtlCol="0" anchor="ctr"/>
+          <a:lstStyle/>
           <a:p>
             <a:pPr algn="ctr"/>
             <a:endParaRPr lang="zh-CN" altLang="en-US"/>
@@ -7066,6 +7052,7 @@
         </p:style>
         <p:txBody>
           <a:bodyPr rtlCol="0" anchor="ctr"/>
+          <a:lstStyle/>
           <a:p>
             <a:pPr algn="ctr"/>
             <a:endParaRPr lang="zh-CN" altLang="en-US"/>
@@ -7119,6 +7106,7 @@
         </p:style>
         <p:txBody>
           <a:bodyPr rtlCol="0" anchor="ctr"/>
+          <a:lstStyle/>
           <a:p>
             <a:pPr algn="ctr"/>
             <a:endParaRPr lang="zh-CN" altLang="en-US"/>
@@ -7172,6 +7160,7 @@
         </p:style>
         <p:txBody>
           <a:bodyPr rtlCol="0" anchor="ctr"/>
+          <a:lstStyle/>
           <a:p>
             <a:pPr algn="ctr"/>
             <a:endParaRPr lang="en-US" altLang="zh-CN"/>
@@ -7201,6 +7190,7 @@
           <a:bodyPr wrap="square" rtlCol="0">
             <a:noAutofit/>
           </a:bodyPr>
+          <a:lstStyle/>
           <a:p>
             <a:r>
               <a:rPr lang="en-US" altLang="zh-CN" sz="1200">
@@ -7209,10 +7199,6 @@
               </a:rPr>
               <a:t>CPC</a:t>
             </a:r>
-            <a:endParaRPr lang="en-US" altLang="zh-CN" sz="1200">
-              <a:latin typeface="Times New Roman" panose="02020603050405020304" charset="0"/>
-              <a:cs typeface="Times New Roman" panose="02020603050405020304" charset="0"/>
-            </a:endParaRPr>
           </a:p>
         </p:txBody>
       </p:sp>
@@ -7239,6 +7225,7 @@
           <a:bodyPr wrap="square" rtlCol="0">
             <a:noAutofit/>
           </a:bodyPr>
+          <a:lstStyle/>
           <a:p>
             <a:r>
               <a:rPr lang="en-US" altLang="zh-CN" sz="1200">
@@ -7247,10 +7234,6 @@
               </a:rPr>
               <a:t>DPC</a:t>
             </a:r>
-            <a:endParaRPr lang="en-US" altLang="zh-CN" sz="1200">
-              <a:latin typeface="Times New Roman" panose="02020603050405020304" charset="0"/>
-              <a:cs typeface="Times New Roman" panose="02020603050405020304" charset="0"/>
-            </a:endParaRPr>
           </a:p>
         </p:txBody>
       </p:sp>
@@ -7277,6 +7260,7 @@
           <a:bodyPr wrap="square" rtlCol="0">
             <a:noAutofit/>
           </a:bodyPr>
+          <a:lstStyle/>
           <a:p>
             <a:r>
               <a:rPr lang="en-US" altLang="zh-CN" sz="1200">
@@ -7285,10 +7269,6 @@
               </a:rPr>
               <a:t>MPC</a:t>
             </a:r>
-            <a:endParaRPr lang="en-US" altLang="zh-CN" sz="1200">
-              <a:latin typeface="Times New Roman" panose="02020603050405020304" charset="0"/>
-              <a:cs typeface="Times New Roman" panose="02020603050405020304" charset="0"/>
-            </a:endParaRPr>
           </a:p>
         </p:txBody>
       </p:sp>
@@ -7315,6 +7295,7 @@
           <a:bodyPr wrap="square" rtlCol="0">
             <a:noAutofit/>
           </a:bodyPr>
+          <a:lstStyle/>
           <a:p>
             <a:r>
               <a:rPr lang="en-US" altLang="zh-CN" sz="1200">
@@ -7323,10 +7304,6 @@
               </a:rPr>
               <a:t>VPC</a:t>
             </a:r>
-            <a:endParaRPr lang="en-US" altLang="zh-CN" sz="1200">
-              <a:latin typeface="Times New Roman" panose="02020603050405020304" charset="0"/>
-              <a:cs typeface="Times New Roman" panose="02020603050405020304" charset="0"/>
-            </a:endParaRPr>
           </a:p>
         </p:txBody>
       </p:sp>
@@ -7353,6 +7330,7 @@
           <a:bodyPr wrap="square" rtlCol="0">
             <a:noAutofit/>
           </a:bodyPr>
+          <a:lstStyle/>
           <a:p>
             <a:r>
               <a:rPr lang="en-US" altLang="zh-CN" sz="1200">
@@ -7361,10 +7339,6 @@
               </a:rPr>
               <a:t>OFC</a:t>
             </a:r>
-            <a:endParaRPr lang="en-US" altLang="zh-CN" sz="1200">
-              <a:latin typeface="Times New Roman" panose="02020603050405020304" charset="0"/>
-              <a:cs typeface="Times New Roman" panose="02020603050405020304" charset="0"/>
-            </a:endParaRPr>
           </a:p>
         </p:txBody>
       </p:sp>
@@ -7532,6 +7506,7 @@
         </p:style>
         <p:txBody>
           <a:bodyPr rtlCol="0" anchor="ctr"/>
+          <a:lstStyle/>
           <a:p>
             <a:pPr algn="ctr"/>
             <a:endParaRPr lang="zh-CN" altLang="en-US"/>
@@ -7585,6 +7560,7 @@
         </p:style>
         <p:txBody>
           <a:bodyPr rtlCol="0" anchor="ctr"/>
+          <a:lstStyle/>
           <a:p>
             <a:pPr algn="ctr"/>
             <a:endParaRPr lang="zh-CN" altLang="en-US"/>
@@ -7637,6 +7613,7 @@
         </p:style>
         <p:txBody>
           <a:bodyPr rtlCol="0" anchor="ctr"/>
+          <a:lstStyle/>
           <a:p>
             <a:pPr algn="ctr"/>
             <a:endParaRPr lang="zh-CN" altLang="en-US"/>
@@ -7689,6 +7666,7 @@
         </p:style>
         <p:txBody>
           <a:bodyPr rtlCol="0" anchor="ctr"/>
+          <a:lstStyle/>
           <a:p>
             <a:pPr algn="ctr"/>
             <a:endParaRPr lang="zh-CN" altLang="en-US"/>
@@ -7741,6 +7719,7 @@
         </p:style>
         <p:txBody>
           <a:bodyPr rtlCol="0" anchor="ctr"/>
+          <a:lstStyle/>
           <a:p>
             <a:pPr algn="ctr"/>
             <a:endParaRPr lang="zh-CN" altLang="en-US"/>
@@ -7770,6 +7749,7 @@
           <a:bodyPr wrap="square" rtlCol="0">
             <a:noAutofit/>
           </a:bodyPr>
+          <a:lstStyle/>
           <a:p>
             <a:r>
               <a:rPr lang="en-US" altLang="zh-CN" sz="1200">
@@ -7778,10 +7758,6 @@
               </a:rPr>
               <a:t>V2</a:t>
             </a:r>
-            <a:endParaRPr lang="en-US" altLang="zh-CN" sz="1200">
-              <a:latin typeface="Times New Roman" panose="02020603050405020304" charset="0"/>
-              <a:cs typeface="Times New Roman" panose="02020603050405020304" charset="0"/>
-            </a:endParaRPr>
           </a:p>
         </p:txBody>
       </p:sp>
@@ -7808,6 +7784,7 @@
           <a:bodyPr wrap="square" rtlCol="0">
             <a:noAutofit/>
           </a:bodyPr>
+          <a:lstStyle/>
           <a:p>
             <a:r>
               <a:rPr lang="en-US" altLang="zh-CN" sz="1200">
@@ -7816,10 +7793,6 @@
               </a:rPr>
               <a:t>IT</a:t>
             </a:r>
-            <a:endParaRPr lang="en-US" altLang="zh-CN" sz="1200">
-              <a:latin typeface="Times New Roman" panose="02020603050405020304" charset="0"/>
-              <a:cs typeface="Times New Roman" panose="02020603050405020304" charset="0"/>
-            </a:endParaRPr>
           </a:p>
         </p:txBody>
       </p:sp>
@@ -7870,6 +7843,7 @@
         </p:style>
         <p:txBody>
           <a:bodyPr rtlCol="0" anchor="ctr"/>
+          <a:lstStyle/>
           <a:p>
             <a:pPr algn="ctr"/>
             <a:endParaRPr lang="zh-CN" altLang="en-US"/>
@@ -7899,6 +7873,7 @@
           <a:bodyPr wrap="square" rtlCol="0">
             <a:noAutofit/>
           </a:bodyPr>
+          <a:lstStyle/>
           <a:p>
             <a:r>
               <a:rPr lang="en-US" altLang="zh-CN" sz="1200">
@@ -7907,10 +7882,6 @@
               </a:rPr>
               <a:t>MT</a:t>
             </a:r>
-            <a:endParaRPr lang="en-US" altLang="zh-CN" sz="1200">
-              <a:latin typeface="Times New Roman" panose="02020603050405020304" charset="0"/>
-              <a:cs typeface="Times New Roman" panose="02020603050405020304" charset="0"/>
-            </a:endParaRPr>
           </a:p>
         </p:txBody>
       </p:sp>
@@ -7961,6 +7932,7 @@
         </p:style>
         <p:txBody>
           <a:bodyPr rtlCol="0" anchor="ctr"/>
+          <a:lstStyle/>
           <a:p>
             <a:pPr algn="ctr"/>
             <a:endParaRPr lang="zh-CN" altLang="en-US"/>
@@ -7990,6 +7962,7 @@
           <a:bodyPr wrap="square" rtlCol="0">
             <a:noAutofit/>
           </a:bodyPr>
+          <a:lstStyle/>
           <a:p>
             <a:r>
               <a:rPr lang="en-US" altLang="zh-CN" sz="1200">
@@ -7998,10 +7971,6 @@
               </a:rPr>
               <a:t>MST</a:t>
             </a:r>
-            <a:endParaRPr lang="en-US" altLang="zh-CN" sz="1200">
-              <a:latin typeface="Times New Roman" panose="02020603050405020304" charset="0"/>
-              <a:cs typeface="Times New Roman" panose="02020603050405020304" charset="0"/>
-            </a:endParaRPr>
           </a:p>
         </p:txBody>
       </p:sp>
@@ -8199,6 +8168,7 @@
         </p:style>
         <p:txBody>
           <a:bodyPr rtlCol="0" anchor="ctr"/>
+          <a:lstStyle/>
           <a:p>
             <a:pPr algn="ctr"/>
             <a:endParaRPr lang="zh-CN" altLang="en-US"/>
@@ -8265,6 +8235,7 @@
           <a:bodyPr wrap="square" rtlCol="0">
             <a:noAutofit/>
           </a:bodyPr>
+          <a:lstStyle/>
           <a:p>
             <a:r>
               <a:rPr lang="en-US" altLang="zh-CN" sz="1200">
@@ -8273,10 +8244,6 @@
               </a:rPr>
               <a:t>V4</a:t>
             </a:r>
-            <a:endParaRPr lang="en-US" altLang="zh-CN" sz="1200">
-              <a:latin typeface="Times New Roman" panose="02020603050405020304" charset="0"/>
-              <a:cs typeface="Times New Roman" panose="02020603050405020304" charset="0"/>
-            </a:endParaRPr>
           </a:p>
         </p:txBody>
       </p:sp>
@@ -8303,6 +8270,7 @@
           <a:bodyPr wrap="square" rtlCol="0">
             <a:noAutofit/>
           </a:bodyPr>
+          <a:lstStyle/>
           <a:p>
             <a:r>
               <a:rPr lang="en-US" altLang="zh-CN" sz="1200">
@@ -8311,10 +8279,6 @@
               </a:rPr>
               <a:t>V1</a:t>
             </a:r>
-            <a:endParaRPr lang="en-US" altLang="zh-CN" sz="1200">
-              <a:latin typeface="Times New Roman" panose="02020603050405020304" charset="0"/>
-              <a:cs typeface="Times New Roman" panose="02020603050405020304" charset="0"/>
-            </a:endParaRPr>
           </a:p>
         </p:txBody>
       </p:sp>
@@ -8363,6 +8327,7 @@
         </p:style>
         <p:txBody>
           <a:bodyPr rtlCol="0" anchor="ctr"/>
+          <a:lstStyle/>
           <a:p>
             <a:pPr algn="ctr"/>
             <a:endParaRPr lang="zh-CN" altLang="en-US"/>
@@ -8412,6 +8377,7 @@
         </p:style>
         <p:txBody>
           <a:bodyPr rtlCol="0" anchor="ctr"/>
+          <a:lstStyle/>
           <a:p>
             <a:pPr algn="ctr"/>
             <a:endParaRPr lang="zh-CN" altLang="en-US"/>
@@ -8465,6 +8431,7 @@
         </p:style>
         <p:txBody>
           <a:bodyPr rtlCol="0" anchor="ctr"/>
+          <a:lstStyle/>
           <a:p>
             <a:pPr algn="ctr"/>
             <a:endParaRPr lang="zh-CN" altLang="en-US"/>
@@ -8512,6 +8479,7 @@
         </p:style>
         <p:txBody>
           <a:bodyPr rtlCol="0" anchor="ctr"/>
+          <a:lstStyle/>
           <a:p>
             <a:pPr algn="ctr"/>
             <a:endParaRPr lang="zh-CN" altLang="en-US"/>
@@ -8559,6 +8527,7 @@
         </p:style>
         <p:txBody>
           <a:bodyPr rtlCol="0" anchor="ctr"/>
+          <a:lstStyle/>
           <a:p>
             <a:pPr algn="ctr"/>
             <a:endParaRPr lang="zh-CN" altLang="en-US"/>
@@ -8647,6 +8616,7 @@
         </p:style>
         <p:txBody>
           <a:bodyPr rtlCol="0" anchor="ctr"/>
+          <a:lstStyle/>
           <a:p>
             <a:pPr algn="ctr"/>
             <a:endParaRPr lang="zh-CN" altLang="en-US"/>
@@ -8698,6 +8668,7 @@
         </p:style>
         <p:txBody>
           <a:bodyPr rtlCol="0" anchor="ctr"/>
+          <a:lstStyle/>
           <a:p>
             <a:pPr algn="ctr"/>
             <a:endParaRPr lang="zh-CN" altLang="en-US"/>
@@ -8752,6 +8723,7 @@
         </p:style>
         <p:txBody>
           <a:bodyPr rtlCol="0" anchor="ctr"/>
+          <a:lstStyle/>
           <a:p>
             <a:pPr algn="ctr"/>
             <a:r>
@@ -8764,13 +8736,6 @@
               </a:rPr>
               <a:t>Action</a:t>
             </a:r>
-            <a:endParaRPr lang="en-US" altLang="zh-CN" sz="1200">
-              <a:solidFill>
-                <a:schemeClr val="tx1"/>
-              </a:solidFill>
-              <a:latin typeface="Times New Roman" panose="02020603050405020304" charset="0"/>
-              <a:cs typeface="Times New Roman" panose="02020603050405020304" charset="0"/>
-            </a:endParaRPr>
           </a:p>
           <a:p>
             <a:pPr algn="ctr"/>
@@ -8843,6 +8808,7 @@
         </p:style>
         <p:txBody>
           <a:bodyPr rtlCol="0" anchor="ctr"/>
+          <a:lstStyle/>
           <a:p>
             <a:pPr algn="ctr"/>
             <a:r>
@@ -8853,25 +8819,8 @@
                 <a:latin typeface="Times New Roman" panose="02020603050405020304" charset="0"/>
                 <a:cs typeface="Times New Roman" panose="02020603050405020304" charset="0"/>
               </a:rPr>
-              <a:t>S</a:t>
-            </a:r>
-            <a:r>
-              <a:rPr lang="en-US" altLang="zh-CN" sz="1200">
-                <a:solidFill>
-                  <a:schemeClr val="tx1"/>
-                </a:solidFill>
-                <a:latin typeface="Times New Roman" panose="02020603050405020304" charset="0"/>
-                <a:cs typeface="Times New Roman" panose="02020603050405020304" charset="0"/>
-              </a:rPr>
-              <a:t>peed</a:t>
-            </a:r>
-            <a:endParaRPr lang="en-US" altLang="zh-CN" sz="1200">
-              <a:solidFill>
-                <a:schemeClr val="tx1"/>
-              </a:solidFill>
-              <a:latin typeface="Times New Roman" panose="02020603050405020304" charset="0"/>
-              <a:cs typeface="Times New Roman" panose="02020603050405020304" charset="0"/>
-            </a:endParaRPr>
+              <a:t>Speed</a:t>
+            </a:r>
           </a:p>
           <a:p>
             <a:pPr algn="ctr"/>
@@ -8885,13 +8834,6 @@
               </a:rPr>
               <a:t>Head</a:t>
             </a:r>
-            <a:endParaRPr lang="en-US" altLang="zh-CN" sz="1200">
-              <a:solidFill>
-                <a:schemeClr val="tx1"/>
-              </a:solidFill>
-              <a:latin typeface="Times New Roman" panose="02020603050405020304" charset="0"/>
-              <a:cs typeface="Times New Roman" panose="02020603050405020304" charset="0"/>
-            </a:endParaRPr>
           </a:p>
         </p:txBody>
       </p:sp>
@@ -8979,8 +8921,2720 @@
 </p:sld>
 </file>
 
+<file path=ppt/slides/slide3.xml><?xml version="1.0" encoding="utf-8"?>
+<p:sld xmlns:a="http://schemas.openxmlformats.org/drawingml/2006/main" xmlns:r="http://schemas.openxmlformats.org/officeDocument/2006/relationships" xmlns:p="http://schemas.openxmlformats.org/presentationml/2006/main">
+  <p:cSld>
+    <p:spTree>
+      <p:nvGrpSpPr>
+        <p:cNvPr id="1" name=""/>
+        <p:cNvGrpSpPr/>
+        <p:nvPr/>
+      </p:nvGrpSpPr>
+      <p:grpSpPr>
+        <a:xfrm>
+          <a:off x="0" y="0"/>
+          <a:ext cx="0" cy="0"/>
+          <a:chOff x="0" y="0"/>
+          <a:chExt cx="0" cy="0"/>
+        </a:xfrm>
+      </p:grpSpPr>
+      <p:sp>
+        <p:nvSpPr>
+          <p:cNvPr id="69" name="圆角矩形 68"/>
+          <p:cNvSpPr/>
+          <p:nvPr/>
+        </p:nvSpPr>
+        <p:spPr>
+          <a:xfrm>
+            <a:off x="3424555" y="2535489"/>
+            <a:ext cx="1484865" cy="614515"/>
+          </a:xfrm>
+          <a:prstGeom prst="roundRect">
+            <a:avLst/>
+          </a:prstGeom>
+          <a:solidFill>
+            <a:schemeClr val="bg1">
+              <a:lumMod val="95000"/>
+              <a:alpha val="40000"/>
+            </a:schemeClr>
+          </a:solidFill>
+          <a:ln w="6350">
+            <a:solidFill>
+              <a:schemeClr val="accent6">
+                <a:lumMod val="20000"/>
+                <a:lumOff val="80000"/>
+              </a:schemeClr>
+            </a:solidFill>
+            <a:prstDash val="sysDot"/>
+          </a:ln>
+        </p:spPr>
+        <p:style>
+          <a:lnRef idx="2">
+            <a:schemeClr val="accent1">
+              <a:lumMod val="75000"/>
+            </a:schemeClr>
+          </a:lnRef>
+          <a:fillRef idx="1">
+            <a:schemeClr val="accent1"/>
+          </a:fillRef>
+          <a:effectRef idx="0">
+            <a:srgbClr val="FFFFFF"/>
+          </a:effectRef>
+          <a:fontRef idx="minor">
+            <a:schemeClr val="lt1"/>
+          </a:fontRef>
+        </p:style>
+        <p:txBody>
+          <a:bodyPr rtlCol="0" anchor="ctr"/>
+          <a:lstStyle/>
+          <a:p>
+            <a:pPr algn="ctr"/>
+            <a:endParaRPr lang="zh-CN" altLang="en-US"/>
+          </a:p>
+        </p:txBody>
+      </p:sp>
+      <p:sp>
+        <p:nvSpPr>
+          <p:cNvPr id="140" name="圆角矩形 139"/>
+          <p:cNvSpPr/>
+          <p:nvPr/>
+        </p:nvSpPr>
+        <p:spPr>
+          <a:xfrm>
+            <a:off x="3364231" y="3297721"/>
+            <a:ext cx="1604486" cy="663260"/>
+          </a:xfrm>
+          <a:prstGeom prst="roundRect">
+            <a:avLst/>
+          </a:prstGeom>
+          <a:solidFill>
+            <a:schemeClr val="bg1">
+              <a:lumMod val="95000"/>
+              <a:alpha val="40000"/>
+            </a:schemeClr>
+          </a:solidFill>
+          <a:ln w="6350">
+            <a:solidFill>
+              <a:schemeClr val="accent6">
+                <a:lumMod val="20000"/>
+                <a:lumOff val="80000"/>
+              </a:schemeClr>
+            </a:solidFill>
+            <a:prstDash val="sysDot"/>
+          </a:ln>
+        </p:spPr>
+        <p:style>
+          <a:lnRef idx="2">
+            <a:schemeClr val="accent1">
+              <a:lumMod val="75000"/>
+            </a:schemeClr>
+          </a:lnRef>
+          <a:fillRef idx="1">
+            <a:schemeClr val="accent1"/>
+          </a:fillRef>
+          <a:effectRef idx="0">
+            <a:srgbClr val="FFFFFF"/>
+          </a:effectRef>
+          <a:fontRef idx="minor">
+            <a:schemeClr val="lt1"/>
+          </a:fontRef>
+        </p:style>
+        <p:txBody>
+          <a:bodyPr rtlCol="0" anchor="ctr"/>
+          <a:lstStyle/>
+          <a:p>
+            <a:pPr algn="ctr"/>
+            <a:endParaRPr lang="zh-CN" altLang="en-US"/>
+          </a:p>
+        </p:txBody>
+      </p:sp>
+      <p:sp>
+        <p:nvSpPr>
+          <p:cNvPr id="119" name="右箭头 118"/>
+          <p:cNvSpPr/>
+          <p:nvPr/>
+        </p:nvSpPr>
+        <p:spPr>
+          <a:xfrm>
+            <a:off x="2548145" y="3150004"/>
+            <a:ext cx="127000" cy="95885"/>
+          </a:xfrm>
+          <a:prstGeom prst="rightArrow">
+            <a:avLst/>
+          </a:prstGeom>
+          <a:solidFill>
+            <a:schemeClr val="bg1"/>
+          </a:solidFill>
+          <a:ln w="3175">
+            <a:solidFill>
+              <a:schemeClr val="tx1"/>
+            </a:solidFill>
+          </a:ln>
+        </p:spPr>
+        <p:style>
+          <a:lnRef idx="2">
+            <a:schemeClr val="accent1">
+              <a:lumMod val="75000"/>
+            </a:schemeClr>
+          </a:lnRef>
+          <a:fillRef idx="1">
+            <a:schemeClr val="accent1"/>
+          </a:fillRef>
+          <a:effectRef idx="0">
+            <a:srgbClr val="FFFFFF"/>
+          </a:effectRef>
+          <a:fontRef idx="minor">
+            <a:schemeClr val="lt1"/>
+          </a:fontRef>
+        </p:style>
+        <p:txBody>
+          <a:bodyPr rtlCol="0" anchor="ctr"/>
+          <a:lstStyle/>
+          <a:p>
+            <a:pPr algn="ctr"/>
+            <a:endParaRPr lang="zh-CN" altLang="en-US"/>
+          </a:p>
+        </p:txBody>
+      </p:sp>
+      <p:sp>
+        <p:nvSpPr>
+          <p:cNvPr id="146" name="圆角矩形 145"/>
+          <p:cNvSpPr/>
+          <p:nvPr>
+            <p:custDataLst>
+              <p:tags r:id="rId1"/>
+            </p:custDataLst>
+          </p:nvPr>
+        </p:nvSpPr>
+        <p:spPr>
+          <a:xfrm>
+            <a:off x="13352780" y="1146810"/>
+            <a:ext cx="287655" cy="370840"/>
+          </a:xfrm>
+          <a:prstGeom prst="roundRect">
+            <a:avLst/>
+          </a:prstGeom>
+          <a:solidFill>
+            <a:schemeClr val="accent6">
+              <a:lumMod val="20000"/>
+              <a:lumOff val="80000"/>
+            </a:schemeClr>
+          </a:solidFill>
+          <a:ln w="3175">
+            <a:solidFill>
+              <a:schemeClr val="tx1">
+                <a:alpha val="14000"/>
+              </a:schemeClr>
+            </a:solidFill>
+          </a:ln>
+        </p:spPr>
+        <p:style>
+          <a:lnRef idx="2">
+            <a:schemeClr val="accent1">
+              <a:lumMod val="75000"/>
+            </a:schemeClr>
+          </a:lnRef>
+          <a:fillRef idx="1">
+            <a:schemeClr val="accent1"/>
+          </a:fillRef>
+          <a:effectRef idx="0">
+            <a:srgbClr val="FFFFFF"/>
+          </a:effectRef>
+          <a:fontRef idx="minor">
+            <a:schemeClr val="lt1"/>
+          </a:fontRef>
+        </p:style>
+        <p:txBody>
+          <a:bodyPr rtlCol="0" anchor="ctr"/>
+          <a:lstStyle/>
+          <a:p>
+            <a:pPr algn="ctr"/>
+            <a:r>
+              <a:rPr lang="en-US" altLang="zh-CN" sz="900">
+                <a:solidFill>
+                  <a:schemeClr val="tx1"/>
+                </a:solidFill>
+                <a:latin typeface="Times New Roman" panose="02020603050405020304" charset="0"/>
+                <a:cs typeface="Times New Roman" panose="02020603050405020304" charset="0"/>
+                <a:sym typeface="+mn-ea"/>
+              </a:rPr>
+              <a:t>D</a:t>
+            </a:r>
+            <a:r>
+              <a:rPr lang="zh-CN" altLang="en-US" sz="900">
+                <a:solidFill>
+                  <a:schemeClr val="tx1"/>
+                </a:solidFill>
+                <a:latin typeface="Times New Roman" panose="02020603050405020304" charset="0"/>
+                <a:cs typeface="Times New Roman" panose="02020603050405020304" charset="0"/>
+                <a:sym typeface="+mn-ea"/>
+              </a:rPr>
+              <a:t>ecision</a:t>
+            </a:r>
+            <a:r>
+              <a:rPr lang="zh-CN" altLang="en-US" sz="800">
+                <a:solidFill>
+                  <a:schemeClr val="tx1"/>
+                </a:solidFill>
+                <a:sym typeface="+mn-ea"/>
+              </a:rPr>
+              <a:t> </a:t>
+            </a:r>
+            <a:r>
+              <a:rPr lang="en-US" altLang="zh-CN" sz="900">
+                <a:solidFill>
+                  <a:schemeClr val="tx1"/>
+                </a:solidFill>
+                <a:latin typeface="Times New Roman" panose="02020603050405020304" charset="0"/>
+                <a:cs typeface="Times New Roman" panose="02020603050405020304" charset="0"/>
+                <a:sym typeface="+mn-ea"/>
+              </a:rPr>
+              <a:t>N</a:t>
+            </a:r>
+            <a:r>
+              <a:rPr lang="zh-CN" altLang="en-US" sz="900">
+                <a:solidFill>
+                  <a:schemeClr val="tx1"/>
+                </a:solidFill>
+                <a:latin typeface="Times New Roman" panose="02020603050405020304" charset="0"/>
+                <a:cs typeface="Times New Roman" panose="02020603050405020304" charset="0"/>
+                <a:sym typeface="+mn-ea"/>
+              </a:rPr>
+              <a:t>etwork</a:t>
+            </a:r>
+            <a:endParaRPr lang="zh-CN" altLang="en-US" sz="900">
+              <a:solidFill>
+                <a:schemeClr val="tx1">
+                  <a:alpha val="16000"/>
+                </a:schemeClr>
+              </a:solidFill>
+              <a:latin typeface="Times New Roman" panose="02020603050405020304" charset="0"/>
+              <a:cs typeface="Times New Roman" panose="02020603050405020304" charset="0"/>
+            </a:endParaRPr>
+          </a:p>
+        </p:txBody>
+      </p:sp>
+      <p:sp>
+        <p:nvSpPr>
+          <p:cNvPr id="77" name="文本框 76"/>
+          <p:cNvSpPr txBox="1"/>
+          <p:nvPr/>
+        </p:nvSpPr>
+        <p:spPr>
+          <a:xfrm>
+            <a:off x="3012122" y="2138867"/>
+            <a:ext cx="1851660" cy="317500"/>
+          </a:xfrm>
+          <a:prstGeom prst="rect">
+            <a:avLst/>
+          </a:prstGeom>
+          <a:noFill/>
+          <a:ln>
+            <a:noFill/>
+          </a:ln>
+        </p:spPr>
+        <p:txBody>
+          <a:bodyPr wrap="square" rtlCol="0">
+            <a:noAutofit/>
+          </a:bodyPr>
+          <a:lstStyle/>
+          <a:p>
+            <a:pPr algn="ctr"/>
+            <a:r>
+              <a:rPr lang="en-US" altLang="zh-CN" sz="1200">
+                <a:latin typeface="Times New Roman" panose="02020603050405020304" charset="0"/>
+                <a:cs typeface="Times New Roman" panose="02020603050405020304" charset="0"/>
+              </a:rPr>
+              <a:t>Perception Network</a:t>
+            </a:r>
+          </a:p>
+        </p:txBody>
+      </p:sp>
+      <p:sp>
+        <p:nvSpPr>
+          <p:cNvPr id="78" name="圆角矩形 77"/>
+          <p:cNvSpPr/>
+          <p:nvPr/>
+        </p:nvSpPr>
+        <p:spPr>
+          <a:xfrm>
+            <a:off x="2732447" y="2472691"/>
+            <a:ext cx="2348865" cy="1562734"/>
+          </a:xfrm>
+          <a:prstGeom prst="roundRect">
+            <a:avLst/>
+          </a:prstGeom>
+          <a:noFill/>
+          <a:ln w="12700" cmpd="sng">
+            <a:solidFill>
+              <a:schemeClr val="accent6">
+                <a:lumMod val="20000"/>
+                <a:lumOff val="80000"/>
+              </a:schemeClr>
+            </a:solidFill>
+            <a:prstDash val="dash"/>
+          </a:ln>
+          <a:extLst>
+            <a:ext uri="{909E8E84-426E-40DD-AFC4-6F175D3DCCD1}">
+              <a14:hiddenFill xmlns:a14="http://schemas.microsoft.com/office/drawing/2010/main">
+                <a:solidFill>
+                  <a:schemeClr val="accent1"/>
+                </a:solidFill>
+              </a14:hiddenFill>
+            </a:ext>
+          </a:extLst>
+        </p:spPr>
+        <p:style>
+          <a:lnRef idx="2">
+            <a:schemeClr val="accent1">
+              <a:lumMod val="75000"/>
+            </a:schemeClr>
+          </a:lnRef>
+          <a:fillRef idx="1">
+            <a:schemeClr val="accent1"/>
+          </a:fillRef>
+          <a:effectRef idx="0">
+            <a:srgbClr val="FFFFFF"/>
+          </a:effectRef>
+          <a:fontRef idx="minor">
+            <a:schemeClr val="lt1"/>
+          </a:fontRef>
+        </p:style>
+        <p:txBody>
+          <a:bodyPr rtlCol="0" anchor="ctr"/>
+          <a:lstStyle/>
+          <a:p>
+            <a:pPr algn="ctr"/>
+            <a:endParaRPr lang="zh-CN" altLang="en-US"/>
+          </a:p>
+        </p:txBody>
+      </p:sp>
+      <p:sp>
+        <p:nvSpPr>
+          <p:cNvPr id="121" name="文本框 120"/>
+          <p:cNvSpPr txBox="1"/>
+          <p:nvPr/>
+        </p:nvSpPr>
+        <p:spPr>
+          <a:xfrm>
+            <a:off x="3644155" y="3713638"/>
+            <a:ext cx="1082731" cy="317500"/>
+          </a:xfrm>
+          <a:prstGeom prst="rect">
+            <a:avLst/>
+          </a:prstGeom>
+          <a:noFill/>
+          <a:ln>
+            <a:noFill/>
+          </a:ln>
+        </p:spPr>
+        <p:txBody>
+          <a:bodyPr wrap="square" rtlCol="0">
+            <a:noAutofit/>
+          </a:bodyPr>
+          <a:lstStyle/>
+          <a:p>
+            <a:pPr algn="ctr"/>
+            <a:r>
+              <a:rPr lang="en-US" altLang="zh-CN" sz="1000">
+                <a:latin typeface="Times New Roman" panose="02020603050405020304" charset="0"/>
+                <a:cs typeface="Times New Roman" panose="02020603050405020304" charset="0"/>
+              </a:rPr>
+              <a:t>Ventral Pathway</a:t>
+            </a:r>
+          </a:p>
+        </p:txBody>
+      </p:sp>
+      <p:sp>
+        <p:nvSpPr>
+          <p:cNvPr id="161" name="文本框 160"/>
+          <p:cNvSpPr txBox="1"/>
+          <p:nvPr/>
+        </p:nvSpPr>
+        <p:spPr>
+          <a:xfrm>
+            <a:off x="5811585" y="1995868"/>
+            <a:ext cx="1851660" cy="317500"/>
+          </a:xfrm>
+          <a:prstGeom prst="rect">
+            <a:avLst/>
+          </a:prstGeom>
+          <a:noFill/>
+          <a:ln>
+            <a:noFill/>
+          </a:ln>
+        </p:spPr>
+        <p:txBody>
+          <a:bodyPr wrap="square" rtlCol="0">
+            <a:noAutofit/>
+          </a:bodyPr>
+          <a:lstStyle/>
+          <a:p>
+            <a:pPr algn="ctr"/>
+            <a:r>
+              <a:rPr lang="en-US" altLang="zh-CN" sz="1200" smtClean="0">
+                <a:latin typeface="Times New Roman" panose="02020603050405020304" charset="0"/>
+                <a:cs typeface="Times New Roman" panose="02020603050405020304" charset="0"/>
+              </a:rPr>
+              <a:t>Decision </a:t>
+            </a:r>
+            <a:r>
+              <a:rPr lang="en-US" altLang="zh-CN" sz="1200">
+                <a:latin typeface="Times New Roman" panose="02020603050405020304" charset="0"/>
+                <a:cs typeface="Times New Roman" panose="02020603050405020304" charset="0"/>
+              </a:rPr>
+              <a:t>Network</a:t>
+            </a:r>
+          </a:p>
+        </p:txBody>
+      </p:sp>
+      <p:sp>
+        <p:nvSpPr>
+          <p:cNvPr id="199" name="文本框 198"/>
+          <p:cNvSpPr txBox="1"/>
+          <p:nvPr/>
+        </p:nvSpPr>
+        <p:spPr>
+          <a:xfrm>
+            <a:off x="3653611" y="2907143"/>
+            <a:ext cx="1131596" cy="235585"/>
+          </a:xfrm>
+          <a:prstGeom prst="rect">
+            <a:avLst/>
+          </a:prstGeom>
+          <a:noFill/>
+          <a:ln>
+            <a:noFill/>
+          </a:ln>
+        </p:spPr>
+        <p:txBody>
+          <a:bodyPr wrap="square" rtlCol="0">
+            <a:noAutofit/>
+          </a:bodyPr>
+          <a:lstStyle/>
+          <a:p>
+            <a:pPr algn="ctr"/>
+            <a:r>
+              <a:rPr lang="en-US" altLang="zh-CN" sz="1000">
+                <a:latin typeface="Times New Roman" panose="02020603050405020304" charset="0"/>
+                <a:cs typeface="Times New Roman" panose="02020603050405020304" charset="0"/>
+              </a:rPr>
+              <a:t>Dorsal Pathway</a:t>
+            </a:r>
+          </a:p>
+        </p:txBody>
+      </p:sp>
+      <p:sp>
+        <p:nvSpPr>
+          <p:cNvPr id="203" name="文本框 202"/>
+          <p:cNvSpPr txBox="1"/>
+          <p:nvPr/>
+        </p:nvSpPr>
+        <p:spPr>
+          <a:xfrm>
+            <a:off x="7327983" y="2550333"/>
+            <a:ext cx="753027" cy="400110"/>
+          </a:xfrm>
+          <a:prstGeom prst="rect">
+            <a:avLst/>
+          </a:prstGeom>
+          <a:noFill/>
+        </p:spPr>
+        <p:txBody>
+          <a:bodyPr wrap="square" rtlCol="0">
+            <a:spAutoFit/>
+          </a:bodyPr>
+          <a:lstStyle/>
+          <a:p>
+            <a:pPr algn="ctr"/>
+            <a:r>
+              <a:rPr lang="en-US" altLang="zh-CN" sz="1000" smtClean="0">
+                <a:latin typeface="Times New Roman" panose="02020603050405020304" charset="0"/>
+                <a:cs typeface="Times New Roman" panose="02020603050405020304" charset="0"/>
+              </a:rPr>
+              <a:t>Action Prediction</a:t>
+            </a:r>
+            <a:endParaRPr lang="zh-CN" altLang="en-US" sz="1000">
+              <a:latin typeface="Times New Roman" panose="02020603050405020304" charset="0"/>
+              <a:cs typeface="Times New Roman" panose="02020603050405020304" charset="0"/>
+            </a:endParaRPr>
+          </a:p>
+        </p:txBody>
+      </p:sp>
+      <p:cxnSp>
+        <p:nvCxnSpPr>
+          <p:cNvPr id="66" name="直接箭头连接符 65"/>
+          <p:cNvCxnSpPr/>
+          <p:nvPr/>
+        </p:nvCxnSpPr>
+        <p:spPr>
+          <a:xfrm flipV="1">
+            <a:off x="6276340" y="3121025"/>
+            <a:ext cx="195580" cy="635"/>
+          </a:xfrm>
+          <a:prstGeom prst="straightConnector1">
+            <a:avLst/>
+          </a:prstGeom>
+          <a:ln w="12700" cmpd="sng">
+            <a:solidFill>
+              <a:schemeClr val="bg1">
+                <a:lumMod val="85000"/>
+              </a:schemeClr>
+            </a:solidFill>
+            <a:prstDash val="solid"/>
+            <a:tailEnd type="arrow" w="med" len="med"/>
+          </a:ln>
+        </p:spPr>
+        <p:style>
+          <a:lnRef idx="0">
+            <a:srgbClr val="FFFFFF"/>
+          </a:lnRef>
+          <a:fillRef idx="0">
+            <a:srgbClr val="FFFFFF"/>
+          </a:fillRef>
+          <a:effectRef idx="0">
+            <a:srgbClr val="FFFFFF"/>
+          </a:effectRef>
+          <a:fontRef idx="minor">
+            <a:schemeClr val="tx1"/>
+          </a:fontRef>
+        </p:style>
+      </p:cxnSp>
+      <p:sp>
+        <p:nvSpPr>
+          <p:cNvPr id="5" name="圆角矩形 4"/>
+          <p:cNvSpPr/>
+          <p:nvPr/>
+        </p:nvSpPr>
+        <p:spPr>
+          <a:xfrm>
+            <a:off x="5413058" y="2344422"/>
+            <a:ext cx="2712402" cy="1616560"/>
+          </a:xfrm>
+          <a:prstGeom prst="roundRect">
+            <a:avLst/>
+          </a:prstGeom>
+          <a:noFill/>
+          <a:ln w="12700" cmpd="sng">
+            <a:solidFill>
+              <a:schemeClr val="bg1">
+                <a:lumMod val="85000"/>
+              </a:schemeClr>
+            </a:solidFill>
+            <a:prstDash val="dash"/>
+          </a:ln>
+          <a:extLst>
+            <a:ext uri="{909E8E84-426E-40DD-AFC4-6F175D3DCCD1}">
+              <a14:hiddenFill xmlns:a14="http://schemas.microsoft.com/office/drawing/2010/main">
+                <a:solidFill>
+                  <a:schemeClr val="accent1"/>
+                </a:solidFill>
+              </a14:hiddenFill>
+            </a:ext>
+          </a:extLst>
+        </p:spPr>
+        <p:style>
+          <a:lnRef idx="2">
+            <a:schemeClr val="accent1">
+              <a:lumMod val="75000"/>
+            </a:schemeClr>
+          </a:lnRef>
+          <a:fillRef idx="1">
+            <a:schemeClr val="accent1"/>
+          </a:fillRef>
+          <a:effectRef idx="0">
+            <a:srgbClr val="FFFFFF"/>
+          </a:effectRef>
+          <a:fontRef idx="minor">
+            <a:schemeClr val="lt1"/>
+          </a:fontRef>
+        </p:style>
+        <p:txBody>
+          <a:bodyPr rtlCol="0" anchor="ctr"/>
+          <a:lstStyle/>
+          <a:p>
+            <a:pPr algn="ctr"/>
+            <a:endParaRPr lang="zh-CN" altLang="en-US"/>
+          </a:p>
+        </p:txBody>
+      </p:sp>
+      <p:sp>
+        <p:nvSpPr>
+          <p:cNvPr id="6" name="椭圆 5"/>
+          <p:cNvSpPr/>
+          <p:nvPr/>
+        </p:nvSpPr>
+        <p:spPr>
+          <a:xfrm>
+            <a:off x="6471920" y="2432685"/>
+            <a:ext cx="669925" cy="334645"/>
+          </a:xfrm>
+          <a:prstGeom prst="ellipse">
+            <a:avLst/>
+          </a:prstGeom>
+          <a:solidFill>
+            <a:schemeClr val="accent6">
+              <a:lumMod val="20000"/>
+              <a:lumOff val="80000"/>
+              <a:alpha val="50000"/>
+            </a:schemeClr>
+          </a:solidFill>
+          <a:ln>
+            <a:solidFill>
+              <a:srgbClr val="000000">
+                <a:alpha val="0"/>
+              </a:srgbClr>
+            </a:solidFill>
+          </a:ln>
+        </p:spPr>
+        <p:style>
+          <a:lnRef idx="2">
+            <a:schemeClr val="accent1">
+              <a:lumMod val="75000"/>
+            </a:schemeClr>
+          </a:lnRef>
+          <a:fillRef idx="1">
+            <a:schemeClr val="accent1"/>
+          </a:fillRef>
+          <a:effectRef idx="0">
+            <a:srgbClr val="FFFFFF"/>
+          </a:effectRef>
+          <a:fontRef idx="minor">
+            <a:schemeClr val="lt1"/>
+          </a:fontRef>
+        </p:style>
+        <p:txBody>
+          <a:bodyPr rtlCol="0" anchor="ctr"/>
+          <a:lstStyle/>
+          <a:p>
+            <a:pPr algn="ctr"/>
+            <a:endParaRPr lang="zh-CN" altLang="en-US"/>
+          </a:p>
+        </p:txBody>
+      </p:sp>
+      <p:sp>
+        <p:nvSpPr>
+          <p:cNvPr id="8" name="椭圆 7"/>
+          <p:cNvSpPr/>
+          <p:nvPr/>
+        </p:nvSpPr>
+        <p:spPr>
+          <a:xfrm>
+            <a:off x="5534660" y="2912110"/>
+            <a:ext cx="741680" cy="396240"/>
+          </a:xfrm>
+          <a:prstGeom prst="ellipse">
+            <a:avLst/>
+          </a:prstGeom>
+          <a:solidFill>
+            <a:schemeClr val="accent6">
+              <a:lumMod val="20000"/>
+              <a:lumOff val="80000"/>
+              <a:alpha val="50000"/>
+            </a:schemeClr>
+          </a:solidFill>
+          <a:ln>
+            <a:solidFill>
+              <a:srgbClr val="000000">
+                <a:alpha val="0"/>
+              </a:srgbClr>
+            </a:solidFill>
+          </a:ln>
+        </p:spPr>
+        <p:style>
+          <a:lnRef idx="2">
+            <a:schemeClr val="accent1">
+              <a:lumMod val="75000"/>
+            </a:schemeClr>
+          </a:lnRef>
+          <a:fillRef idx="1">
+            <a:schemeClr val="accent1"/>
+          </a:fillRef>
+          <a:effectRef idx="0">
+            <a:srgbClr val="FFFFFF"/>
+          </a:effectRef>
+          <a:fontRef idx="minor">
+            <a:schemeClr val="lt1"/>
+          </a:fontRef>
+        </p:style>
+        <p:txBody>
+          <a:bodyPr rtlCol="0" anchor="ctr"/>
+          <a:lstStyle/>
+          <a:p>
+            <a:pPr algn="ctr"/>
+            <a:endParaRPr lang="zh-CN" altLang="en-US"/>
+          </a:p>
+        </p:txBody>
+      </p:sp>
+      <p:sp>
+        <p:nvSpPr>
+          <p:cNvPr id="9" name="椭圆 8"/>
+          <p:cNvSpPr/>
+          <p:nvPr/>
+        </p:nvSpPr>
+        <p:spPr>
+          <a:xfrm>
+            <a:off x="6468745" y="2937510"/>
+            <a:ext cx="704850" cy="345440"/>
+          </a:xfrm>
+          <a:prstGeom prst="ellipse">
+            <a:avLst/>
+          </a:prstGeom>
+          <a:solidFill>
+            <a:schemeClr val="accent6">
+              <a:lumMod val="20000"/>
+              <a:lumOff val="80000"/>
+              <a:alpha val="50000"/>
+            </a:schemeClr>
+          </a:solidFill>
+          <a:ln>
+            <a:solidFill>
+              <a:srgbClr val="000000">
+                <a:alpha val="0"/>
+              </a:srgbClr>
+            </a:solidFill>
+          </a:ln>
+        </p:spPr>
+        <p:style>
+          <a:lnRef idx="2">
+            <a:schemeClr val="accent1">
+              <a:lumMod val="75000"/>
+            </a:schemeClr>
+          </a:lnRef>
+          <a:fillRef idx="1">
+            <a:schemeClr val="accent1"/>
+          </a:fillRef>
+          <a:effectRef idx="0">
+            <a:srgbClr val="FFFFFF"/>
+          </a:effectRef>
+          <a:fontRef idx="minor">
+            <a:schemeClr val="lt1"/>
+          </a:fontRef>
+        </p:style>
+        <p:txBody>
+          <a:bodyPr rtlCol="0" anchor="ctr"/>
+          <a:lstStyle/>
+          <a:p>
+            <a:pPr algn="ctr"/>
+            <a:endParaRPr lang="zh-CN" altLang="en-US"/>
+          </a:p>
+        </p:txBody>
+      </p:sp>
+      <p:sp>
+        <p:nvSpPr>
+          <p:cNvPr id="10" name="椭圆 9"/>
+          <p:cNvSpPr/>
+          <p:nvPr/>
+        </p:nvSpPr>
+        <p:spPr>
+          <a:xfrm>
+            <a:off x="6468745" y="3467735"/>
+            <a:ext cx="665480" cy="342265"/>
+          </a:xfrm>
+          <a:prstGeom prst="ellipse">
+            <a:avLst/>
+          </a:prstGeom>
+          <a:solidFill>
+            <a:schemeClr val="accent6">
+              <a:lumMod val="20000"/>
+              <a:lumOff val="80000"/>
+              <a:alpha val="50000"/>
+            </a:schemeClr>
+          </a:solidFill>
+          <a:ln>
+            <a:solidFill>
+              <a:srgbClr val="000000">
+                <a:alpha val="0"/>
+              </a:srgbClr>
+            </a:solidFill>
+          </a:ln>
+        </p:spPr>
+        <p:style>
+          <a:lnRef idx="2">
+            <a:schemeClr val="accent1">
+              <a:lumMod val="75000"/>
+            </a:schemeClr>
+          </a:lnRef>
+          <a:fillRef idx="1">
+            <a:schemeClr val="accent1"/>
+          </a:fillRef>
+          <a:effectRef idx="0">
+            <a:srgbClr val="FFFFFF"/>
+          </a:effectRef>
+          <a:fontRef idx="minor">
+            <a:schemeClr val="lt1"/>
+          </a:fontRef>
+        </p:style>
+        <p:txBody>
+          <a:bodyPr rtlCol="0" anchor="ctr"/>
+          <a:lstStyle/>
+          <a:p>
+            <a:pPr algn="ctr"/>
+            <a:endParaRPr lang="zh-CN" altLang="en-US"/>
+          </a:p>
+        </p:txBody>
+      </p:sp>
+      <p:sp>
+        <p:nvSpPr>
+          <p:cNvPr id="11" name="椭圆 10"/>
+          <p:cNvSpPr/>
+          <p:nvPr/>
+        </p:nvSpPr>
+        <p:spPr>
+          <a:xfrm>
+            <a:off x="7374255" y="2952750"/>
+            <a:ext cx="682625" cy="329565"/>
+          </a:xfrm>
+          <a:prstGeom prst="ellipse">
+            <a:avLst/>
+          </a:prstGeom>
+          <a:solidFill>
+            <a:schemeClr val="accent6">
+              <a:lumMod val="20000"/>
+              <a:lumOff val="80000"/>
+              <a:alpha val="50000"/>
+            </a:schemeClr>
+          </a:solidFill>
+          <a:ln>
+            <a:solidFill>
+              <a:srgbClr val="000000">
+                <a:alpha val="0"/>
+              </a:srgbClr>
+            </a:solidFill>
+          </a:ln>
+        </p:spPr>
+        <p:style>
+          <a:lnRef idx="2">
+            <a:schemeClr val="accent1">
+              <a:lumMod val="75000"/>
+            </a:schemeClr>
+          </a:lnRef>
+          <a:fillRef idx="1">
+            <a:schemeClr val="accent1"/>
+          </a:fillRef>
+          <a:effectRef idx="0">
+            <a:srgbClr val="FFFFFF"/>
+          </a:effectRef>
+          <a:fontRef idx="minor">
+            <a:schemeClr val="lt1"/>
+          </a:fontRef>
+        </p:style>
+        <p:txBody>
+          <a:bodyPr rtlCol="0" anchor="ctr"/>
+          <a:lstStyle/>
+          <a:p>
+            <a:pPr algn="ctr"/>
+            <a:endParaRPr lang="en-US" altLang="zh-CN"/>
+          </a:p>
+        </p:txBody>
+      </p:sp>
+      <p:sp>
+        <p:nvSpPr>
+          <p:cNvPr id="12" name="文本框 11"/>
+          <p:cNvSpPr txBox="1"/>
+          <p:nvPr/>
+        </p:nvSpPr>
+        <p:spPr>
+          <a:xfrm>
+            <a:off x="5638165" y="2963545"/>
+            <a:ext cx="639445" cy="396875"/>
+          </a:xfrm>
+          <a:prstGeom prst="rect">
+            <a:avLst/>
+          </a:prstGeom>
+          <a:noFill/>
+          <a:ln>
+            <a:noFill/>
+          </a:ln>
+        </p:spPr>
+        <p:txBody>
+          <a:bodyPr wrap="square" rtlCol="0">
+            <a:noAutofit/>
+          </a:bodyPr>
+          <a:lstStyle/>
+          <a:p>
+            <a:r>
+              <a:rPr lang="en-US" altLang="zh-CN" sz="1200">
+                <a:latin typeface="Times New Roman" panose="02020603050405020304" charset="0"/>
+                <a:cs typeface="Times New Roman" panose="02020603050405020304" charset="0"/>
+              </a:rPr>
+              <a:t>CPC</a:t>
+            </a:r>
+          </a:p>
+        </p:txBody>
+      </p:sp>
+      <p:sp>
+        <p:nvSpPr>
+          <p:cNvPr id="14" name="文本框 13"/>
+          <p:cNvSpPr txBox="1"/>
+          <p:nvPr/>
+        </p:nvSpPr>
+        <p:spPr>
+          <a:xfrm>
+            <a:off x="6583680" y="2472690"/>
+            <a:ext cx="671195" cy="425450"/>
+          </a:xfrm>
+          <a:prstGeom prst="rect">
+            <a:avLst/>
+          </a:prstGeom>
+          <a:noFill/>
+          <a:ln>
+            <a:noFill/>
+          </a:ln>
+        </p:spPr>
+        <p:txBody>
+          <a:bodyPr wrap="square" rtlCol="0">
+            <a:noAutofit/>
+          </a:bodyPr>
+          <a:lstStyle/>
+          <a:p>
+            <a:r>
+              <a:rPr lang="en-US" altLang="zh-CN" sz="1200">
+                <a:latin typeface="Times New Roman" panose="02020603050405020304" charset="0"/>
+                <a:cs typeface="Times New Roman" panose="02020603050405020304" charset="0"/>
+              </a:rPr>
+              <a:t>DPC</a:t>
+            </a:r>
+          </a:p>
+        </p:txBody>
+      </p:sp>
+      <p:sp>
+        <p:nvSpPr>
+          <p:cNvPr id="15" name="文本框 14"/>
+          <p:cNvSpPr txBox="1"/>
+          <p:nvPr/>
+        </p:nvSpPr>
+        <p:spPr>
+          <a:xfrm>
+            <a:off x="6574790" y="2971800"/>
+            <a:ext cx="671195" cy="425450"/>
+          </a:xfrm>
+          <a:prstGeom prst="rect">
+            <a:avLst/>
+          </a:prstGeom>
+          <a:noFill/>
+          <a:ln>
+            <a:noFill/>
+          </a:ln>
+        </p:spPr>
+        <p:txBody>
+          <a:bodyPr wrap="square" rtlCol="0">
+            <a:noAutofit/>
+          </a:bodyPr>
+          <a:lstStyle/>
+          <a:p>
+            <a:r>
+              <a:rPr lang="en-US" altLang="zh-CN" sz="1200">
+                <a:latin typeface="Times New Roman" panose="02020603050405020304" charset="0"/>
+                <a:cs typeface="Times New Roman" panose="02020603050405020304" charset="0"/>
+              </a:rPr>
+              <a:t>MPC</a:t>
+            </a:r>
+          </a:p>
+        </p:txBody>
+      </p:sp>
+      <p:sp>
+        <p:nvSpPr>
+          <p:cNvPr id="16" name="文本框 15"/>
+          <p:cNvSpPr txBox="1"/>
+          <p:nvPr/>
+        </p:nvSpPr>
+        <p:spPr>
+          <a:xfrm>
+            <a:off x="6561455" y="3496310"/>
+            <a:ext cx="671195" cy="425450"/>
+          </a:xfrm>
+          <a:prstGeom prst="rect">
+            <a:avLst/>
+          </a:prstGeom>
+          <a:noFill/>
+          <a:ln>
+            <a:noFill/>
+          </a:ln>
+        </p:spPr>
+        <p:txBody>
+          <a:bodyPr wrap="square" rtlCol="0">
+            <a:noAutofit/>
+          </a:bodyPr>
+          <a:lstStyle/>
+          <a:p>
+            <a:r>
+              <a:rPr lang="en-US" altLang="zh-CN" sz="1200">
+                <a:latin typeface="Times New Roman" panose="02020603050405020304" charset="0"/>
+                <a:cs typeface="Times New Roman" panose="02020603050405020304" charset="0"/>
+              </a:rPr>
+              <a:t>VPC</a:t>
+            </a:r>
+          </a:p>
+        </p:txBody>
+      </p:sp>
+      <p:sp>
+        <p:nvSpPr>
+          <p:cNvPr id="17" name="文本框 16"/>
+          <p:cNvSpPr txBox="1"/>
+          <p:nvPr/>
+        </p:nvSpPr>
+        <p:spPr>
+          <a:xfrm>
+            <a:off x="7454265" y="2976245"/>
+            <a:ext cx="671195" cy="425450"/>
+          </a:xfrm>
+          <a:prstGeom prst="rect">
+            <a:avLst/>
+          </a:prstGeom>
+          <a:noFill/>
+          <a:ln>
+            <a:noFill/>
+          </a:ln>
+        </p:spPr>
+        <p:txBody>
+          <a:bodyPr wrap="square" rtlCol="0">
+            <a:noAutofit/>
+          </a:bodyPr>
+          <a:lstStyle/>
+          <a:p>
+            <a:r>
+              <a:rPr lang="en-US" altLang="zh-CN" sz="1200">
+                <a:latin typeface="Times New Roman" panose="02020603050405020304" charset="0"/>
+                <a:cs typeface="Times New Roman" panose="02020603050405020304" charset="0"/>
+              </a:rPr>
+              <a:t>OFC</a:t>
+            </a:r>
+          </a:p>
+        </p:txBody>
+      </p:sp>
+      <p:cxnSp>
+        <p:nvCxnSpPr>
+          <p:cNvPr id="18" name="直接箭头连接符 17"/>
+          <p:cNvCxnSpPr/>
+          <p:nvPr/>
+        </p:nvCxnSpPr>
+        <p:spPr>
+          <a:xfrm flipH="1">
+            <a:off x="6822440" y="2757805"/>
+            <a:ext cx="1905" cy="194945"/>
+          </a:xfrm>
+          <a:prstGeom prst="straightConnector1">
+            <a:avLst/>
+          </a:prstGeom>
+          <a:ln w="12700" cmpd="sng">
+            <a:solidFill>
+              <a:schemeClr val="bg1">
+                <a:lumMod val="85000"/>
+              </a:schemeClr>
+            </a:solidFill>
+            <a:prstDash val="solid"/>
+            <a:tailEnd type="arrow" w="med" len="med"/>
+          </a:ln>
+        </p:spPr>
+        <p:style>
+          <a:lnRef idx="0">
+            <a:srgbClr val="FFFFFF"/>
+          </a:lnRef>
+          <a:fillRef idx="0">
+            <a:srgbClr val="FFFFFF"/>
+          </a:fillRef>
+          <a:effectRef idx="0">
+            <a:srgbClr val="FFFFFF"/>
+          </a:effectRef>
+          <a:fontRef idx="minor">
+            <a:schemeClr val="tx1"/>
+          </a:fontRef>
+        </p:style>
+      </p:cxnSp>
+      <p:cxnSp>
+        <p:nvCxnSpPr>
+          <p:cNvPr id="19" name="直接箭头连接符 18"/>
+          <p:cNvCxnSpPr/>
+          <p:nvPr/>
+        </p:nvCxnSpPr>
+        <p:spPr>
+          <a:xfrm flipH="1" flipV="1">
+            <a:off x="6819900" y="3282950"/>
+            <a:ext cx="2540" cy="179705"/>
+          </a:xfrm>
+          <a:prstGeom prst="straightConnector1">
+            <a:avLst/>
+          </a:prstGeom>
+          <a:ln w="12700" cmpd="sng">
+            <a:solidFill>
+              <a:schemeClr val="bg1">
+                <a:lumMod val="85000"/>
+              </a:schemeClr>
+            </a:solidFill>
+            <a:prstDash val="solid"/>
+            <a:tailEnd type="arrow" w="med" len="med"/>
+          </a:ln>
+        </p:spPr>
+        <p:style>
+          <a:lnRef idx="0">
+            <a:srgbClr val="FFFFFF"/>
+          </a:lnRef>
+          <a:fillRef idx="0">
+            <a:srgbClr val="FFFFFF"/>
+          </a:fillRef>
+          <a:effectRef idx="0">
+            <a:srgbClr val="FFFFFF"/>
+          </a:effectRef>
+          <a:fontRef idx="minor">
+            <a:schemeClr val="tx1"/>
+          </a:fontRef>
+        </p:style>
+      </p:cxnSp>
+      <p:cxnSp>
+        <p:nvCxnSpPr>
+          <p:cNvPr id="20" name="直接箭头连接符 19"/>
+          <p:cNvCxnSpPr/>
+          <p:nvPr/>
+        </p:nvCxnSpPr>
+        <p:spPr>
+          <a:xfrm flipV="1">
+            <a:off x="7178675" y="3120390"/>
+            <a:ext cx="195580" cy="635"/>
+          </a:xfrm>
+          <a:prstGeom prst="straightConnector1">
+            <a:avLst/>
+          </a:prstGeom>
+          <a:ln w="12700" cmpd="sng">
+            <a:solidFill>
+              <a:schemeClr val="bg1">
+                <a:lumMod val="85000"/>
+              </a:schemeClr>
+            </a:solidFill>
+            <a:prstDash val="solid"/>
+            <a:tailEnd type="arrow" w="med" len="med"/>
+          </a:ln>
+        </p:spPr>
+        <p:style>
+          <a:lnRef idx="0">
+            <a:srgbClr val="FFFFFF"/>
+          </a:lnRef>
+          <a:fillRef idx="0">
+            <a:srgbClr val="FFFFFF"/>
+          </a:fillRef>
+          <a:effectRef idx="0">
+            <a:srgbClr val="FFFFFF"/>
+          </a:effectRef>
+          <a:fontRef idx="minor">
+            <a:schemeClr val="tx1"/>
+          </a:fontRef>
+        </p:style>
+      </p:cxnSp>
+      <p:sp>
+        <p:nvSpPr>
+          <p:cNvPr id="74" name="矩形 73"/>
+          <p:cNvSpPr/>
+          <p:nvPr/>
+        </p:nvSpPr>
+        <p:spPr>
+          <a:xfrm>
+            <a:off x="3473051" y="3379470"/>
+            <a:ext cx="391160" cy="332105"/>
+          </a:xfrm>
+          <a:prstGeom prst="rect">
+            <a:avLst/>
+          </a:prstGeom>
+          <a:solidFill>
+            <a:schemeClr val="accent3">
+              <a:lumMod val="20000"/>
+              <a:lumOff val="80000"/>
+            </a:schemeClr>
+          </a:solidFill>
+          <a:ln>
+            <a:solidFill>
+              <a:schemeClr val="bg1">
+                <a:lumMod val="95000"/>
+              </a:schemeClr>
+            </a:solidFill>
+          </a:ln>
+        </p:spPr>
+        <p:style>
+          <a:lnRef idx="2">
+            <a:schemeClr val="accent1">
+              <a:lumMod val="75000"/>
+            </a:schemeClr>
+          </a:lnRef>
+          <a:fillRef idx="1">
+            <a:schemeClr val="accent1"/>
+          </a:fillRef>
+          <a:effectRef idx="0">
+            <a:srgbClr val="FFFFFF"/>
+          </a:effectRef>
+          <a:fontRef idx="minor">
+            <a:schemeClr val="lt1"/>
+          </a:fontRef>
+        </p:style>
+        <p:txBody>
+          <a:bodyPr rtlCol="0" anchor="ctr"/>
+          <a:lstStyle/>
+          <a:p>
+            <a:pPr algn="ctr"/>
+            <a:endParaRPr lang="zh-CN" altLang="en-US"/>
+          </a:p>
+        </p:txBody>
+      </p:sp>
+      <p:sp>
+        <p:nvSpPr>
+          <p:cNvPr id="85" name="矩形 84"/>
+          <p:cNvSpPr/>
+          <p:nvPr/>
+        </p:nvSpPr>
+        <p:spPr>
+          <a:xfrm>
+            <a:off x="3989941" y="3379470"/>
+            <a:ext cx="391160" cy="334010"/>
+          </a:xfrm>
+          <a:prstGeom prst="rect">
+            <a:avLst/>
+          </a:prstGeom>
+          <a:solidFill>
+            <a:schemeClr val="accent3">
+              <a:lumMod val="20000"/>
+              <a:lumOff val="80000"/>
+            </a:schemeClr>
+          </a:solidFill>
+          <a:ln>
+            <a:solidFill>
+              <a:schemeClr val="bg1">
+                <a:lumMod val="95000"/>
+              </a:schemeClr>
+            </a:solidFill>
+          </a:ln>
+        </p:spPr>
+        <p:style>
+          <a:lnRef idx="2">
+            <a:schemeClr val="accent1">
+              <a:lumMod val="75000"/>
+            </a:schemeClr>
+          </a:lnRef>
+          <a:fillRef idx="1">
+            <a:schemeClr val="accent1"/>
+          </a:fillRef>
+          <a:effectRef idx="0">
+            <a:srgbClr val="FFFFFF"/>
+          </a:effectRef>
+          <a:fontRef idx="minor">
+            <a:schemeClr val="lt1"/>
+          </a:fontRef>
+        </p:style>
+        <p:txBody>
+          <a:bodyPr rtlCol="0" anchor="ctr"/>
+          <a:lstStyle/>
+          <a:p>
+            <a:pPr algn="ctr"/>
+            <a:endParaRPr lang="zh-CN" altLang="en-US"/>
+          </a:p>
+        </p:txBody>
+      </p:sp>
+      <p:sp>
+        <p:nvSpPr>
+          <p:cNvPr id="88" name="矩形 87"/>
+          <p:cNvSpPr/>
+          <p:nvPr/>
+        </p:nvSpPr>
+        <p:spPr>
+          <a:xfrm>
+            <a:off x="4497941" y="3371850"/>
+            <a:ext cx="391160" cy="339725"/>
+          </a:xfrm>
+          <a:prstGeom prst="rect">
+            <a:avLst/>
+          </a:prstGeom>
+          <a:solidFill>
+            <a:schemeClr val="accent3">
+              <a:lumMod val="20000"/>
+              <a:lumOff val="80000"/>
+            </a:schemeClr>
+          </a:solidFill>
+          <a:ln>
+            <a:solidFill>
+              <a:schemeClr val="bg1">
+                <a:lumMod val="95000"/>
+              </a:schemeClr>
+            </a:solidFill>
+          </a:ln>
+        </p:spPr>
+        <p:style>
+          <a:lnRef idx="2">
+            <a:schemeClr val="accent1">
+              <a:lumMod val="75000"/>
+            </a:schemeClr>
+          </a:lnRef>
+          <a:fillRef idx="1">
+            <a:schemeClr val="accent1"/>
+          </a:fillRef>
+          <a:effectRef idx="0">
+            <a:srgbClr val="FFFFFF"/>
+          </a:effectRef>
+          <a:fontRef idx="minor">
+            <a:schemeClr val="lt1"/>
+          </a:fontRef>
+        </p:style>
+        <p:txBody>
+          <a:bodyPr rtlCol="0" anchor="ctr"/>
+          <a:lstStyle/>
+          <a:p>
+            <a:pPr algn="ctr"/>
+            <a:endParaRPr lang="zh-CN" altLang="en-US"/>
+          </a:p>
+        </p:txBody>
+      </p:sp>
+      <p:sp>
+        <p:nvSpPr>
+          <p:cNvPr id="96" name="文本框 95"/>
+          <p:cNvSpPr txBox="1"/>
+          <p:nvPr/>
+        </p:nvSpPr>
+        <p:spPr>
+          <a:xfrm>
+            <a:off x="3476226" y="3411220"/>
+            <a:ext cx="513715" cy="350520"/>
+          </a:xfrm>
+          <a:prstGeom prst="rect">
+            <a:avLst/>
+          </a:prstGeom>
+          <a:noFill/>
+          <a:ln>
+            <a:noFill/>
+          </a:ln>
+        </p:spPr>
+        <p:txBody>
+          <a:bodyPr wrap="square" rtlCol="0">
+            <a:noAutofit/>
+          </a:bodyPr>
+          <a:lstStyle/>
+          <a:p>
+            <a:r>
+              <a:rPr lang="en-US" altLang="zh-CN" sz="1200">
+                <a:latin typeface="Times New Roman" panose="02020603050405020304" charset="0"/>
+                <a:cs typeface="Times New Roman" panose="02020603050405020304" charset="0"/>
+              </a:rPr>
+              <a:t>V2</a:t>
+            </a:r>
+          </a:p>
+        </p:txBody>
+      </p:sp>
+      <p:sp>
+        <p:nvSpPr>
+          <p:cNvPr id="100" name="文本框 99"/>
+          <p:cNvSpPr txBox="1"/>
+          <p:nvPr/>
+        </p:nvSpPr>
+        <p:spPr>
+          <a:xfrm>
+            <a:off x="4552266" y="3367803"/>
+            <a:ext cx="534670" cy="350520"/>
+          </a:xfrm>
+          <a:prstGeom prst="rect">
+            <a:avLst/>
+          </a:prstGeom>
+          <a:noFill/>
+          <a:ln>
+            <a:noFill/>
+          </a:ln>
+        </p:spPr>
+        <p:txBody>
+          <a:bodyPr wrap="square" rtlCol="0">
+            <a:noAutofit/>
+          </a:bodyPr>
+          <a:lstStyle/>
+          <a:p>
+            <a:r>
+              <a:rPr lang="en-US" altLang="zh-CN" sz="1200">
+                <a:latin typeface="Times New Roman" panose="02020603050405020304" charset="0"/>
+                <a:cs typeface="Times New Roman" panose="02020603050405020304" charset="0"/>
+              </a:rPr>
+              <a:t>IT</a:t>
+            </a:r>
+          </a:p>
+        </p:txBody>
+      </p:sp>
+      <p:sp>
+        <p:nvSpPr>
+          <p:cNvPr id="105" name="矩形 104"/>
+          <p:cNvSpPr/>
+          <p:nvPr/>
+        </p:nvSpPr>
+        <p:spPr>
+          <a:xfrm>
+            <a:off x="3617955" y="2599961"/>
+            <a:ext cx="391160" cy="332105"/>
+          </a:xfrm>
+          <a:prstGeom prst="rect">
+            <a:avLst/>
+          </a:prstGeom>
+          <a:solidFill>
+            <a:schemeClr val="accent1">
+              <a:lumMod val="20000"/>
+              <a:lumOff val="80000"/>
+            </a:schemeClr>
+          </a:solidFill>
+          <a:ln>
+            <a:solidFill>
+              <a:schemeClr val="accent1">
+                <a:lumMod val="20000"/>
+                <a:lumOff val="80000"/>
+              </a:schemeClr>
+            </a:solidFill>
+          </a:ln>
+        </p:spPr>
+        <p:style>
+          <a:lnRef idx="2">
+            <a:schemeClr val="accent1">
+              <a:lumMod val="75000"/>
+            </a:schemeClr>
+          </a:lnRef>
+          <a:fillRef idx="1">
+            <a:schemeClr val="accent1"/>
+          </a:fillRef>
+          <a:effectRef idx="0">
+            <a:srgbClr val="FFFFFF"/>
+          </a:effectRef>
+          <a:fontRef idx="minor">
+            <a:schemeClr val="lt1"/>
+          </a:fontRef>
+        </p:style>
+        <p:txBody>
+          <a:bodyPr rtlCol="0" anchor="ctr"/>
+          <a:lstStyle/>
+          <a:p>
+            <a:pPr algn="ctr"/>
+            <a:endParaRPr lang="zh-CN" altLang="en-US"/>
+          </a:p>
+        </p:txBody>
+      </p:sp>
+      <p:sp>
+        <p:nvSpPr>
+          <p:cNvPr id="106" name="文本框 105"/>
+          <p:cNvSpPr txBox="1"/>
+          <p:nvPr/>
+        </p:nvSpPr>
+        <p:spPr>
+          <a:xfrm>
+            <a:off x="3624122" y="2618667"/>
+            <a:ext cx="702310" cy="350520"/>
+          </a:xfrm>
+          <a:prstGeom prst="rect">
+            <a:avLst/>
+          </a:prstGeom>
+          <a:noFill/>
+          <a:ln>
+            <a:noFill/>
+          </a:ln>
+        </p:spPr>
+        <p:txBody>
+          <a:bodyPr wrap="square" rtlCol="0">
+            <a:noAutofit/>
+          </a:bodyPr>
+          <a:lstStyle/>
+          <a:p>
+            <a:r>
+              <a:rPr lang="en-US" altLang="zh-CN" sz="1200">
+                <a:latin typeface="Times New Roman" panose="02020603050405020304" charset="0"/>
+                <a:cs typeface="Times New Roman" panose="02020603050405020304" charset="0"/>
+              </a:rPr>
+              <a:t>MT</a:t>
+            </a:r>
+          </a:p>
+        </p:txBody>
+      </p:sp>
+      <p:sp>
+        <p:nvSpPr>
+          <p:cNvPr id="107" name="矩形 106"/>
+          <p:cNvSpPr/>
+          <p:nvPr/>
+        </p:nvSpPr>
+        <p:spPr>
+          <a:xfrm>
+            <a:off x="4279625" y="2596786"/>
+            <a:ext cx="473710" cy="332105"/>
+          </a:xfrm>
+          <a:prstGeom prst="rect">
+            <a:avLst/>
+          </a:prstGeom>
+          <a:solidFill>
+            <a:schemeClr val="accent1">
+              <a:lumMod val="20000"/>
+              <a:lumOff val="80000"/>
+            </a:schemeClr>
+          </a:solidFill>
+          <a:ln>
+            <a:solidFill>
+              <a:schemeClr val="accent1">
+                <a:lumMod val="20000"/>
+                <a:lumOff val="80000"/>
+              </a:schemeClr>
+            </a:solidFill>
+          </a:ln>
+        </p:spPr>
+        <p:style>
+          <a:lnRef idx="2">
+            <a:schemeClr val="accent1">
+              <a:lumMod val="75000"/>
+            </a:schemeClr>
+          </a:lnRef>
+          <a:fillRef idx="1">
+            <a:schemeClr val="accent1"/>
+          </a:fillRef>
+          <a:effectRef idx="0">
+            <a:srgbClr val="FFFFFF"/>
+          </a:effectRef>
+          <a:fontRef idx="minor">
+            <a:schemeClr val="lt1"/>
+          </a:fontRef>
+        </p:style>
+        <p:txBody>
+          <a:bodyPr rtlCol="0" anchor="ctr"/>
+          <a:lstStyle/>
+          <a:p>
+            <a:pPr algn="ctr"/>
+            <a:endParaRPr lang="zh-CN" altLang="en-US"/>
+          </a:p>
+        </p:txBody>
+      </p:sp>
+      <p:sp>
+        <p:nvSpPr>
+          <p:cNvPr id="109" name="文本框 108"/>
+          <p:cNvSpPr txBox="1"/>
+          <p:nvPr/>
+        </p:nvSpPr>
+        <p:spPr>
+          <a:xfrm>
+            <a:off x="4279625" y="2593267"/>
+            <a:ext cx="720725" cy="350520"/>
+          </a:xfrm>
+          <a:prstGeom prst="rect">
+            <a:avLst/>
+          </a:prstGeom>
+          <a:noFill/>
+          <a:ln>
+            <a:noFill/>
+          </a:ln>
+        </p:spPr>
+        <p:txBody>
+          <a:bodyPr wrap="square" rtlCol="0">
+            <a:noAutofit/>
+          </a:bodyPr>
+          <a:lstStyle/>
+          <a:p>
+            <a:r>
+              <a:rPr lang="en-US" altLang="zh-CN" sz="1200">
+                <a:latin typeface="Times New Roman" panose="02020603050405020304" charset="0"/>
+                <a:cs typeface="Times New Roman" panose="02020603050405020304" charset="0"/>
+              </a:rPr>
+              <a:t>MST</a:t>
+            </a:r>
+          </a:p>
+        </p:txBody>
+      </p:sp>
+      <p:cxnSp>
+        <p:nvCxnSpPr>
+          <p:cNvPr id="45" name="直接连接符 44"/>
+          <p:cNvCxnSpPr/>
+          <p:nvPr/>
+        </p:nvCxnSpPr>
+        <p:spPr>
+          <a:xfrm>
+            <a:off x="3865481" y="3545840"/>
+            <a:ext cx="124460" cy="1270"/>
+          </a:xfrm>
+          <a:prstGeom prst="line">
+            <a:avLst/>
+          </a:prstGeom>
+          <a:ln>
+            <a:solidFill>
+              <a:schemeClr val="bg1">
+                <a:lumMod val="85000"/>
+              </a:schemeClr>
+            </a:solidFill>
+          </a:ln>
+        </p:spPr>
+        <p:style>
+          <a:lnRef idx="2">
+            <a:schemeClr val="accent1"/>
+          </a:lnRef>
+          <a:fillRef idx="0">
+            <a:srgbClr val="FFFFFF"/>
+          </a:fillRef>
+          <a:effectRef idx="0">
+            <a:srgbClr val="FFFFFF"/>
+          </a:effectRef>
+          <a:fontRef idx="minor">
+            <a:schemeClr val="tx1"/>
+          </a:fontRef>
+        </p:style>
+      </p:cxnSp>
+      <p:cxnSp>
+        <p:nvCxnSpPr>
+          <p:cNvPr id="46" name="直接连接符 45"/>
+          <p:cNvCxnSpPr/>
+          <p:nvPr/>
+        </p:nvCxnSpPr>
+        <p:spPr>
+          <a:xfrm>
+            <a:off x="4381101" y="3544570"/>
+            <a:ext cx="124460" cy="1270"/>
+          </a:xfrm>
+          <a:prstGeom prst="line">
+            <a:avLst/>
+          </a:prstGeom>
+          <a:ln>
+            <a:solidFill>
+              <a:schemeClr val="bg1">
+                <a:lumMod val="85000"/>
+              </a:schemeClr>
+            </a:solidFill>
+          </a:ln>
+        </p:spPr>
+        <p:style>
+          <a:lnRef idx="2">
+            <a:schemeClr val="accent1"/>
+          </a:lnRef>
+          <a:fillRef idx="0">
+            <a:srgbClr val="FFFFFF"/>
+          </a:fillRef>
+          <a:effectRef idx="0">
+            <a:srgbClr val="FFFFFF"/>
+          </a:effectRef>
+          <a:fontRef idx="minor">
+            <a:schemeClr val="tx1"/>
+          </a:fontRef>
+        </p:style>
+      </p:cxnSp>
+      <p:cxnSp>
+        <p:nvCxnSpPr>
+          <p:cNvPr id="47" name="直接连接符 46"/>
+          <p:cNvCxnSpPr/>
+          <p:nvPr/>
+        </p:nvCxnSpPr>
+        <p:spPr>
+          <a:xfrm>
+            <a:off x="4020545" y="2752996"/>
+            <a:ext cx="259080" cy="3175"/>
+          </a:xfrm>
+          <a:prstGeom prst="line">
+            <a:avLst/>
+          </a:prstGeom>
+          <a:ln>
+            <a:solidFill>
+              <a:schemeClr val="bg1">
+                <a:lumMod val="85000"/>
+              </a:schemeClr>
+            </a:solidFill>
+          </a:ln>
+        </p:spPr>
+        <p:style>
+          <a:lnRef idx="2">
+            <a:schemeClr val="accent1"/>
+          </a:lnRef>
+          <a:fillRef idx="0">
+            <a:srgbClr val="FFFFFF"/>
+          </a:fillRef>
+          <a:effectRef idx="0">
+            <a:srgbClr val="FFFFFF"/>
+          </a:effectRef>
+          <a:fontRef idx="minor">
+            <a:schemeClr val="tx1"/>
+          </a:fontRef>
+        </p:style>
+      </p:cxnSp>
+      <p:sp>
+        <p:nvSpPr>
+          <p:cNvPr id="50" name="矩形 49"/>
+          <p:cNvSpPr/>
+          <p:nvPr/>
+        </p:nvSpPr>
+        <p:spPr>
+          <a:xfrm>
+            <a:off x="2792966" y="3027252"/>
+            <a:ext cx="391160" cy="332105"/>
+          </a:xfrm>
+          <a:prstGeom prst="rect">
+            <a:avLst/>
+          </a:prstGeom>
+          <a:solidFill>
+            <a:schemeClr val="accent6">
+              <a:lumMod val="20000"/>
+              <a:lumOff val="80000"/>
+            </a:schemeClr>
+          </a:solidFill>
+          <a:ln>
+            <a:solidFill>
+              <a:schemeClr val="bg1">
+                <a:lumMod val="85000"/>
+              </a:schemeClr>
+            </a:solidFill>
+          </a:ln>
+        </p:spPr>
+        <p:style>
+          <a:lnRef idx="2">
+            <a:schemeClr val="accent1">
+              <a:lumMod val="75000"/>
+            </a:schemeClr>
+          </a:lnRef>
+          <a:fillRef idx="1">
+            <a:schemeClr val="accent1"/>
+          </a:fillRef>
+          <a:effectRef idx="0">
+            <a:srgbClr val="FFFFFF"/>
+          </a:effectRef>
+          <a:fontRef idx="minor">
+            <a:schemeClr val="lt1"/>
+          </a:fontRef>
+        </p:style>
+        <p:txBody>
+          <a:bodyPr rtlCol="0" anchor="ctr"/>
+          <a:lstStyle/>
+          <a:p>
+            <a:pPr algn="ctr"/>
+            <a:endParaRPr lang="zh-CN" altLang="en-US"/>
+          </a:p>
+        </p:txBody>
+      </p:sp>
+      <p:sp>
+        <p:nvSpPr>
+          <p:cNvPr id="58" name="文本框 57"/>
+          <p:cNvSpPr txBox="1"/>
+          <p:nvPr/>
+        </p:nvSpPr>
+        <p:spPr>
+          <a:xfrm>
+            <a:off x="3964541" y="3408045"/>
+            <a:ext cx="513715" cy="350520"/>
+          </a:xfrm>
+          <a:prstGeom prst="rect">
+            <a:avLst/>
+          </a:prstGeom>
+          <a:noFill/>
+          <a:ln>
+            <a:noFill/>
+          </a:ln>
+        </p:spPr>
+        <p:txBody>
+          <a:bodyPr wrap="square" rtlCol="0">
+            <a:noAutofit/>
+          </a:bodyPr>
+          <a:lstStyle/>
+          <a:p>
+            <a:r>
+              <a:rPr lang="en-US" altLang="zh-CN" sz="1200">
+                <a:latin typeface="Times New Roman" panose="02020603050405020304" charset="0"/>
+                <a:cs typeface="Times New Roman" panose="02020603050405020304" charset="0"/>
+              </a:rPr>
+              <a:t>V4</a:t>
+            </a:r>
+          </a:p>
+        </p:txBody>
+      </p:sp>
+      <p:sp>
+        <p:nvSpPr>
+          <p:cNvPr id="59" name="文本框 58"/>
+          <p:cNvSpPr txBox="1"/>
+          <p:nvPr/>
+        </p:nvSpPr>
+        <p:spPr>
+          <a:xfrm>
+            <a:off x="2778650" y="3033660"/>
+            <a:ext cx="374650" cy="326390"/>
+          </a:xfrm>
+          <a:prstGeom prst="rect">
+            <a:avLst/>
+          </a:prstGeom>
+          <a:noFill/>
+          <a:ln>
+            <a:noFill/>
+          </a:ln>
+        </p:spPr>
+        <p:txBody>
+          <a:bodyPr wrap="square" rtlCol="0">
+            <a:noAutofit/>
+          </a:bodyPr>
+          <a:lstStyle/>
+          <a:p>
+            <a:r>
+              <a:rPr lang="en-US" altLang="zh-CN" sz="1200">
+                <a:latin typeface="Times New Roman" panose="02020603050405020304" charset="0"/>
+                <a:cs typeface="Times New Roman" panose="02020603050405020304" charset="0"/>
+              </a:rPr>
+              <a:t>V1</a:t>
+            </a:r>
+          </a:p>
+        </p:txBody>
+      </p:sp>
+      <p:cxnSp>
+        <p:nvCxnSpPr>
+          <p:cNvPr id="21" name="直接连接符 20"/>
+          <p:cNvCxnSpPr/>
+          <p:nvPr/>
+        </p:nvCxnSpPr>
+        <p:spPr>
+          <a:xfrm>
+            <a:off x="3325335" y="2757757"/>
+            <a:ext cx="6902" cy="830309"/>
+          </a:xfrm>
+          <a:prstGeom prst="line">
+            <a:avLst/>
+          </a:prstGeom>
+          <a:ln>
+            <a:solidFill>
+              <a:srgbClr val="BEBEBE"/>
+            </a:solidFill>
+          </a:ln>
+        </p:spPr>
+        <p:style>
+          <a:lnRef idx="2">
+            <a:schemeClr val="accent1"/>
+          </a:lnRef>
+          <a:fillRef idx="0">
+            <a:srgbClr val="FFFFFF"/>
+          </a:fillRef>
+          <a:effectRef idx="0">
+            <a:srgbClr val="FFFFFF"/>
+          </a:effectRef>
+          <a:fontRef idx="minor">
+            <a:schemeClr val="tx1"/>
+          </a:fontRef>
+        </p:style>
+      </p:cxnSp>
+      <p:sp>
+        <p:nvSpPr>
+          <p:cNvPr id="22" name="右箭头 21"/>
+          <p:cNvSpPr/>
+          <p:nvPr>
+            <p:custDataLst>
+              <p:tags r:id="rId2"/>
+            </p:custDataLst>
+          </p:nvPr>
+        </p:nvSpPr>
+        <p:spPr>
+          <a:xfrm>
+            <a:off x="9354820" y="3328670"/>
+            <a:ext cx="135890" cy="75565"/>
+          </a:xfrm>
+          <a:prstGeom prst="rightArrow">
+            <a:avLst/>
+          </a:prstGeom>
+          <a:solidFill>
+            <a:schemeClr val="bg1"/>
+          </a:solidFill>
+          <a:ln w="3175">
+            <a:solidFill>
+              <a:schemeClr val="tx1"/>
+            </a:solidFill>
+          </a:ln>
+        </p:spPr>
+        <p:style>
+          <a:lnRef idx="2">
+            <a:schemeClr val="accent1">
+              <a:lumMod val="75000"/>
+            </a:schemeClr>
+          </a:lnRef>
+          <a:fillRef idx="1">
+            <a:schemeClr val="accent1"/>
+          </a:fillRef>
+          <a:effectRef idx="0">
+            <a:srgbClr val="FFFFFF"/>
+          </a:effectRef>
+          <a:fontRef idx="minor">
+            <a:schemeClr val="lt1"/>
+          </a:fontRef>
+        </p:style>
+        <p:txBody>
+          <a:bodyPr rtlCol="0" anchor="ctr"/>
+          <a:lstStyle/>
+          <a:p>
+            <a:pPr algn="ctr"/>
+            <a:endParaRPr lang="zh-CN" altLang="en-US"/>
+          </a:p>
+        </p:txBody>
+      </p:sp>
+      <p:sp>
+        <p:nvSpPr>
+          <p:cNvPr id="23" name="右箭头 22"/>
+          <p:cNvSpPr/>
+          <p:nvPr>
+            <p:custDataLst>
+              <p:tags r:id="rId3"/>
+            </p:custDataLst>
+          </p:nvPr>
+        </p:nvSpPr>
+        <p:spPr>
+          <a:xfrm>
+            <a:off x="9345295" y="2815590"/>
+            <a:ext cx="135890" cy="75565"/>
+          </a:xfrm>
+          <a:prstGeom prst="rightArrow">
+            <a:avLst/>
+          </a:prstGeom>
+          <a:solidFill>
+            <a:schemeClr val="bg1"/>
+          </a:solidFill>
+          <a:ln w="3175">
+            <a:solidFill>
+              <a:schemeClr val="tx1"/>
+            </a:solidFill>
+          </a:ln>
+        </p:spPr>
+        <p:style>
+          <a:lnRef idx="2">
+            <a:schemeClr val="accent1">
+              <a:lumMod val="75000"/>
+            </a:schemeClr>
+          </a:lnRef>
+          <a:fillRef idx="1">
+            <a:schemeClr val="accent1"/>
+          </a:fillRef>
+          <a:effectRef idx="0">
+            <a:srgbClr val="FFFFFF"/>
+          </a:effectRef>
+          <a:fontRef idx="minor">
+            <a:schemeClr val="lt1"/>
+          </a:fontRef>
+        </p:style>
+        <p:txBody>
+          <a:bodyPr rtlCol="0" anchor="ctr"/>
+          <a:lstStyle/>
+          <a:p>
+            <a:pPr algn="ctr"/>
+            <a:endParaRPr lang="zh-CN" altLang="en-US"/>
+          </a:p>
+        </p:txBody>
+      </p:sp>
+      <p:sp>
+        <p:nvSpPr>
+          <p:cNvPr id="62" name="圆角矩形 61"/>
+          <p:cNvSpPr/>
+          <p:nvPr>
+            <p:custDataLst>
+              <p:tags r:id="rId4"/>
+            </p:custDataLst>
+          </p:nvPr>
+        </p:nvSpPr>
+        <p:spPr>
+          <a:xfrm>
+            <a:off x="8343265" y="2628265"/>
+            <a:ext cx="975360" cy="370840"/>
+          </a:xfrm>
+          <a:prstGeom prst="roundRect">
+            <a:avLst/>
+          </a:prstGeom>
+          <a:solidFill>
+            <a:schemeClr val="accent3">
+              <a:lumMod val="20000"/>
+              <a:lumOff val="80000"/>
+            </a:schemeClr>
+          </a:solidFill>
+          <a:ln w="3175">
+            <a:solidFill>
+              <a:schemeClr val="tx1"/>
+            </a:solidFill>
+          </a:ln>
+        </p:spPr>
+        <p:style>
+          <a:lnRef idx="2">
+            <a:schemeClr val="accent1">
+              <a:lumMod val="75000"/>
+            </a:schemeClr>
+          </a:lnRef>
+          <a:fillRef idx="1">
+            <a:schemeClr val="accent1"/>
+          </a:fillRef>
+          <a:effectRef idx="0">
+            <a:srgbClr val="FFFFFF"/>
+          </a:effectRef>
+          <a:fontRef idx="minor">
+            <a:schemeClr val="lt1"/>
+          </a:fontRef>
+        </p:style>
+        <p:txBody>
+          <a:bodyPr rtlCol="0" anchor="ctr"/>
+          <a:lstStyle/>
+          <a:p>
+            <a:pPr algn="ctr"/>
+            <a:r>
+              <a:rPr lang="en-US" altLang="zh-CN" sz="1200" smtClean="0">
+                <a:solidFill>
+                  <a:schemeClr val="tx1"/>
+                </a:solidFill>
+                <a:latin typeface="Times New Roman" panose="02020603050405020304" charset="0"/>
+                <a:cs typeface="Times New Roman" panose="02020603050405020304" charset="0"/>
+              </a:rPr>
+              <a:t>steering </a:t>
+            </a:r>
+            <a:r>
+              <a:rPr lang="en-US" altLang="zh-CN" sz="1200" smtClean="0">
+                <a:solidFill>
+                  <a:schemeClr val="tx1"/>
+                </a:solidFill>
+                <a:latin typeface="Times New Roman" panose="02020603050405020304" charset="0"/>
+                <a:cs typeface="Times New Roman" panose="02020603050405020304" charset="0"/>
+              </a:rPr>
+              <a:t>angle</a:t>
+            </a:r>
+            <a:endParaRPr lang="zh-CN" altLang="en-US" sz="1200">
+              <a:solidFill>
+                <a:schemeClr val="tx1"/>
+              </a:solidFill>
+              <a:latin typeface="Times New Roman" panose="02020603050405020304" charset="0"/>
+              <a:cs typeface="Times New Roman" panose="02020603050405020304" charset="0"/>
+            </a:endParaRPr>
+          </a:p>
+        </p:txBody>
+      </p:sp>
+      <p:sp>
+        <p:nvSpPr>
+          <p:cNvPr id="24" name="圆角矩形 23"/>
+          <p:cNvSpPr/>
+          <p:nvPr>
+            <p:custDataLst>
+              <p:tags r:id="rId5"/>
+            </p:custDataLst>
+          </p:nvPr>
+        </p:nvSpPr>
+        <p:spPr>
+          <a:xfrm>
+            <a:off x="8343265" y="3189605"/>
+            <a:ext cx="975360" cy="370840"/>
+          </a:xfrm>
+          <a:prstGeom prst="roundRect">
+            <a:avLst/>
+          </a:prstGeom>
+          <a:solidFill>
+            <a:schemeClr val="accent1">
+              <a:lumMod val="20000"/>
+              <a:lumOff val="80000"/>
+            </a:schemeClr>
+          </a:solidFill>
+          <a:ln w="3175">
+            <a:solidFill>
+              <a:schemeClr val="tx1"/>
+            </a:solidFill>
+          </a:ln>
+        </p:spPr>
+        <p:style>
+          <a:lnRef idx="2">
+            <a:schemeClr val="accent1">
+              <a:lumMod val="75000"/>
+            </a:schemeClr>
+          </a:lnRef>
+          <a:fillRef idx="1">
+            <a:schemeClr val="accent1"/>
+          </a:fillRef>
+          <a:effectRef idx="0">
+            <a:srgbClr val="FFFFFF"/>
+          </a:effectRef>
+          <a:fontRef idx="minor">
+            <a:schemeClr val="lt1"/>
+          </a:fontRef>
+        </p:style>
+        <p:txBody>
+          <a:bodyPr rtlCol="0" anchor="ctr"/>
+          <a:lstStyle/>
+          <a:p>
+            <a:pPr algn="ctr"/>
+            <a:r>
+              <a:rPr lang="en-US" altLang="zh-CN" sz="1200" smtClean="0">
+                <a:solidFill>
+                  <a:schemeClr val="tx1"/>
+                </a:solidFill>
+                <a:latin typeface="Times New Roman" panose="02020603050405020304" charset="0"/>
+                <a:cs typeface="Times New Roman" panose="02020603050405020304" charset="0"/>
+              </a:rPr>
+              <a:t>acceleration</a:t>
+            </a:r>
+            <a:endParaRPr lang="en-US" altLang="zh-CN" sz="1200">
+              <a:solidFill>
+                <a:schemeClr val="tx1"/>
+              </a:solidFill>
+              <a:latin typeface="Times New Roman" panose="02020603050405020304" charset="0"/>
+              <a:cs typeface="Times New Roman" panose="02020603050405020304" charset="0"/>
+            </a:endParaRPr>
+          </a:p>
+        </p:txBody>
+      </p:sp>
+      <p:cxnSp>
+        <p:nvCxnSpPr>
+          <p:cNvPr id="26" name="直接连接符 25"/>
+          <p:cNvCxnSpPr/>
+          <p:nvPr/>
+        </p:nvCxnSpPr>
+        <p:spPr>
+          <a:xfrm>
+            <a:off x="3827145" y="405130"/>
+            <a:ext cx="2073275" cy="3175"/>
+          </a:xfrm>
+          <a:prstGeom prst="line">
+            <a:avLst/>
+          </a:prstGeom>
+          <a:ln>
+            <a:solidFill>
+              <a:schemeClr val="accent6">
+                <a:lumMod val="20000"/>
+                <a:lumOff val="80000"/>
+              </a:schemeClr>
+            </a:solidFill>
+          </a:ln>
+        </p:spPr>
+        <p:style>
+          <a:lnRef idx="2">
+            <a:schemeClr val="accent1"/>
+          </a:lnRef>
+          <a:fillRef idx="0">
+            <a:srgbClr val="FFFFFF"/>
+          </a:fillRef>
+          <a:effectRef idx="0">
+            <a:srgbClr val="FFFFFF"/>
+          </a:effectRef>
+          <a:fontRef idx="minor">
+            <a:schemeClr val="tx1"/>
+          </a:fontRef>
+        </p:style>
+      </p:cxnSp>
+      <p:sp>
+        <p:nvSpPr>
+          <p:cNvPr id="67" name="文本框 66"/>
+          <p:cNvSpPr txBox="1"/>
+          <p:nvPr/>
+        </p:nvSpPr>
+        <p:spPr>
+          <a:xfrm>
+            <a:off x="5342413" y="3643322"/>
+            <a:ext cx="1126173" cy="317500"/>
+          </a:xfrm>
+          <a:prstGeom prst="rect">
+            <a:avLst/>
+          </a:prstGeom>
+          <a:noFill/>
+          <a:ln>
+            <a:noFill/>
+          </a:ln>
+        </p:spPr>
+        <p:txBody>
+          <a:bodyPr wrap="square" rtlCol="0">
+            <a:noAutofit/>
+          </a:bodyPr>
+          <a:lstStyle/>
+          <a:p>
+            <a:pPr algn="ctr"/>
+            <a:r>
+              <a:rPr lang="en-US" altLang="zh-CN" sz="1000" smtClean="0">
+                <a:latin typeface="Times New Roman" panose="02020603050405020304" charset="0"/>
+                <a:cs typeface="Times New Roman" panose="02020603050405020304" charset="0"/>
+              </a:rPr>
+              <a:t>Visual Info</a:t>
+            </a:r>
+            <a:endParaRPr lang="en-US" altLang="zh-CN" sz="1000">
+              <a:latin typeface="Times New Roman" panose="02020603050405020304" charset="0"/>
+              <a:cs typeface="Times New Roman" panose="02020603050405020304" charset="0"/>
+            </a:endParaRPr>
+          </a:p>
+        </p:txBody>
+      </p:sp>
+      <p:sp>
+        <p:nvSpPr>
+          <p:cNvPr id="70" name="文本框 69"/>
+          <p:cNvSpPr txBox="1"/>
+          <p:nvPr/>
+        </p:nvSpPr>
+        <p:spPr>
+          <a:xfrm>
+            <a:off x="5571965" y="2339808"/>
+            <a:ext cx="854075" cy="246221"/>
+          </a:xfrm>
+          <a:prstGeom prst="rect">
+            <a:avLst/>
+          </a:prstGeom>
+          <a:noFill/>
+        </p:spPr>
+        <p:txBody>
+          <a:bodyPr wrap="square" rtlCol="0">
+            <a:spAutoFit/>
+          </a:bodyPr>
+          <a:lstStyle/>
+          <a:p>
+            <a:r>
+              <a:rPr lang="en-US" altLang="zh-CN" sz="1000" smtClean="0">
+                <a:latin typeface="Times New Roman" panose="02020603050405020304" charset="0"/>
+                <a:cs typeface="Times New Roman" panose="02020603050405020304" charset="0"/>
+              </a:rPr>
+              <a:t>Speed Info</a:t>
+            </a:r>
+            <a:endParaRPr lang="zh-CN" altLang="en-US" sz="1000">
+              <a:latin typeface="Times New Roman" panose="02020603050405020304" charset="0"/>
+              <a:cs typeface="Times New Roman" panose="02020603050405020304" charset="0"/>
+            </a:endParaRPr>
+          </a:p>
+        </p:txBody>
+      </p:sp>
+      <p:sp>
+        <p:nvSpPr>
+          <p:cNvPr id="71" name="文本框 70"/>
+          <p:cNvSpPr txBox="1"/>
+          <p:nvPr/>
+        </p:nvSpPr>
+        <p:spPr>
+          <a:xfrm>
+            <a:off x="5392262" y="3260183"/>
+            <a:ext cx="1153477" cy="246221"/>
+          </a:xfrm>
+          <a:prstGeom prst="rect">
+            <a:avLst/>
+          </a:prstGeom>
+          <a:noFill/>
+        </p:spPr>
+        <p:txBody>
+          <a:bodyPr wrap="square" rtlCol="0">
+            <a:spAutoFit/>
+          </a:bodyPr>
+          <a:lstStyle/>
+          <a:p>
+            <a:pPr algn="ctr"/>
+            <a:r>
+              <a:rPr lang="en-US" altLang="zh-CN" sz="1000" smtClean="0">
+                <a:latin typeface="Times New Roman" panose="02020603050405020304" charset="0"/>
+                <a:cs typeface="Times New Roman" panose="02020603050405020304" charset="0"/>
+              </a:rPr>
+              <a:t>Navigation Info</a:t>
+            </a:r>
+            <a:endParaRPr lang="zh-CN" altLang="en-US" sz="1000">
+              <a:latin typeface="Times New Roman" panose="02020603050405020304" charset="0"/>
+              <a:cs typeface="Times New Roman" panose="02020603050405020304" charset="0"/>
+            </a:endParaRPr>
+          </a:p>
+        </p:txBody>
+      </p:sp>
+      <p:cxnSp>
+        <p:nvCxnSpPr>
+          <p:cNvPr id="39" name="肘形连接符 38"/>
+          <p:cNvCxnSpPr>
+            <a:endCxn id="10" idx="2"/>
+          </p:cNvCxnSpPr>
+          <p:nvPr/>
+        </p:nvCxnSpPr>
+        <p:spPr>
+          <a:xfrm>
+            <a:off x="4889101" y="3543935"/>
+            <a:ext cx="1579644" cy="94933"/>
+          </a:xfrm>
+          <a:prstGeom prst="bentConnector3">
+            <a:avLst>
+              <a:gd name="adj1" fmla="val 23469"/>
+            </a:avLst>
+          </a:prstGeom>
+          <a:ln>
+            <a:solidFill>
+              <a:srgbClr val="BEBEBE"/>
+            </a:solidFill>
+            <a:tailEnd type="triangle"/>
+          </a:ln>
+        </p:spPr>
+        <p:style>
+          <a:lnRef idx="1">
+            <a:schemeClr val="accent1"/>
+          </a:lnRef>
+          <a:fillRef idx="0">
+            <a:schemeClr val="accent1"/>
+          </a:fillRef>
+          <a:effectRef idx="0">
+            <a:schemeClr val="accent1"/>
+          </a:effectRef>
+          <a:fontRef idx="minor">
+            <a:schemeClr val="tx1"/>
+          </a:fontRef>
+        </p:style>
+      </p:cxnSp>
+      <p:cxnSp>
+        <p:nvCxnSpPr>
+          <p:cNvPr id="42" name="肘形连接符 41"/>
+          <p:cNvCxnSpPr>
+            <a:endCxn id="6" idx="2"/>
+          </p:cNvCxnSpPr>
+          <p:nvPr/>
+        </p:nvCxnSpPr>
+        <p:spPr>
+          <a:xfrm flipV="1">
+            <a:off x="4749165" y="2600008"/>
+            <a:ext cx="1722755" cy="165239"/>
+          </a:xfrm>
+          <a:prstGeom prst="bentConnector3">
+            <a:avLst>
+              <a:gd name="adj1" fmla="val 29481"/>
+            </a:avLst>
+          </a:prstGeom>
+          <a:ln>
+            <a:solidFill>
+              <a:srgbClr val="BEBEBE"/>
+            </a:solidFill>
+            <a:tailEnd type="triangle"/>
+          </a:ln>
+        </p:spPr>
+        <p:style>
+          <a:lnRef idx="1">
+            <a:schemeClr val="accent1"/>
+          </a:lnRef>
+          <a:fillRef idx="0">
+            <a:schemeClr val="accent1"/>
+          </a:fillRef>
+          <a:effectRef idx="0">
+            <a:schemeClr val="accent1"/>
+          </a:effectRef>
+          <a:fontRef idx="minor">
+            <a:schemeClr val="tx1"/>
+          </a:fontRef>
+        </p:style>
+      </p:cxnSp>
+      <p:cxnSp>
+        <p:nvCxnSpPr>
+          <p:cNvPr id="112" name="直接连接符 111"/>
+          <p:cNvCxnSpPr/>
+          <p:nvPr/>
+        </p:nvCxnSpPr>
+        <p:spPr>
+          <a:xfrm>
+            <a:off x="3182351" y="3193304"/>
+            <a:ext cx="146435" cy="0"/>
+          </a:xfrm>
+          <a:prstGeom prst="line">
+            <a:avLst/>
+          </a:prstGeom>
+          <a:ln>
+            <a:solidFill>
+              <a:srgbClr val="BEBEBE"/>
+            </a:solidFill>
+          </a:ln>
+        </p:spPr>
+        <p:style>
+          <a:lnRef idx="2">
+            <a:schemeClr val="accent1"/>
+          </a:lnRef>
+          <a:fillRef idx="0">
+            <a:srgbClr val="FFFFFF"/>
+          </a:fillRef>
+          <a:effectRef idx="0">
+            <a:srgbClr val="FFFFFF"/>
+          </a:effectRef>
+          <a:fontRef idx="minor">
+            <a:schemeClr val="tx1"/>
+          </a:fontRef>
+        </p:style>
+      </p:cxnSp>
+      <p:cxnSp>
+        <p:nvCxnSpPr>
+          <p:cNvPr id="95" name="直接箭头连接符 94"/>
+          <p:cNvCxnSpPr>
+            <a:endCxn id="105" idx="1"/>
+          </p:cNvCxnSpPr>
+          <p:nvPr/>
+        </p:nvCxnSpPr>
+        <p:spPr>
+          <a:xfrm>
+            <a:off x="3319711" y="2762838"/>
+            <a:ext cx="298244" cy="3176"/>
+          </a:xfrm>
+          <a:prstGeom prst="straightConnector1">
+            <a:avLst/>
+          </a:prstGeom>
+          <a:ln>
+            <a:solidFill>
+              <a:srgbClr val="BEBEBE"/>
+            </a:solidFill>
+            <a:tailEnd type="triangle"/>
+          </a:ln>
+        </p:spPr>
+        <p:style>
+          <a:lnRef idx="1">
+            <a:schemeClr val="accent1"/>
+          </a:lnRef>
+          <a:fillRef idx="0">
+            <a:schemeClr val="accent1"/>
+          </a:fillRef>
+          <a:effectRef idx="0">
+            <a:schemeClr val="accent1"/>
+          </a:effectRef>
+          <a:fontRef idx="minor">
+            <a:schemeClr val="tx1"/>
+          </a:fontRef>
+        </p:style>
+      </p:cxnSp>
+      <p:cxnSp>
+        <p:nvCxnSpPr>
+          <p:cNvPr id="103" name="直接箭头连接符 102"/>
+          <p:cNvCxnSpPr>
+            <a:endCxn id="96" idx="1"/>
+          </p:cNvCxnSpPr>
+          <p:nvPr/>
+        </p:nvCxnSpPr>
+        <p:spPr>
+          <a:xfrm>
+            <a:off x="3332237" y="3583305"/>
+            <a:ext cx="143989" cy="3175"/>
+          </a:xfrm>
+          <a:prstGeom prst="straightConnector1">
+            <a:avLst/>
+          </a:prstGeom>
+          <a:ln>
+            <a:solidFill>
+              <a:srgbClr val="BEBEBE"/>
+            </a:solidFill>
+            <a:tailEnd type="triangle"/>
+          </a:ln>
+        </p:spPr>
+        <p:style>
+          <a:lnRef idx="1">
+            <a:schemeClr val="accent1"/>
+          </a:lnRef>
+          <a:fillRef idx="0">
+            <a:schemeClr val="accent1"/>
+          </a:fillRef>
+          <a:effectRef idx="0">
+            <a:schemeClr val="accent1"/>
+          </a:effectRef>
+          <a:fontRef idx="minor">
+            <a:schemeClr val="tx1"/>
+          </a:fontRef>
+        </p:style>
+      </p:cxnSp>
+      <p:cxnSp>
+        <p:nvCxnSpPr>
+          <p:cNvPr id="126" name="直接连接符 125"/>
+          <p:cNvCxnSpPr/>
+          <p:nvPr/>
+        </p:nvCxnSpPr>
+        <p:spPr>
+          <a:xfrm>
+            <a:off x="8056880" y="3119961"/>
+            <a:ext cx="146435" cy="0"/>
+          </a:xfrm>
+          <a:prstGeom prst="line">
+            <a:avLst/>
+          </a:prstGeom>
+          <a:ln>
+            <a:solidFill>
+              <a:srgbClr val="BEBEBE"/>
+            </a:solidFill>
+          </a:ln>
+        </p:spPr>
+        <p:style>
+          <a:lnRef idx="2">
+            <a:schemeClr val="accent1"/>
+          </a:lnRef>
+          <a:fillRef idx="0">
+            <a:srgbClr val="FFFFFF"/>
+          </a:fillRef>
+          <a:effectRef idx="0">
+            <a:srgbClr val="FFFFFF"/>
+          </a:effectRef>
+          <a:fontRef idx="minor">
+            <a:schemeClr val="tx1"/>
+          </a:fontRef>
+        </p:style>
+      </p:cxnSp>
+      <p:cxnSp>
+        <p:nvCxnSpPr>
+          <p:cNvPr id="127" name="直接连接符 126"/>
+          <p:cNvCxnSpPr/>
+          <p:nvPr/>
+        </p:nvCxnSpPr>
+        <p:spPr>
+          <a:xfrm>
+            <a:off x="8201025" y="2813685"/>
+            <a:ext cx="6350" cy="565785"/>
+          </a:xfrm>
+          <a:prstGeom prst="line">
+            <a:avLst/>
+          </a:prstGeom>
+          <a:ln>
+            <a:solidFill>
+              <a:srgbClr val="BEBEBE"/>
+            </a:solidFill>
+          </a:ln>
+        </p:spPr>
+        <p:style>
+          <a:lnRef idx="2">
+            <a:schemeClr val="accent1"/>
+          </a:lnRef>
+          <a:fillRef idx="0">
+            <a:srgbClr val="FFFFFF"/>
+          </a:fillRef>
+          <a:effectRef idx="0">
+            <a:srgbClr val="FFFFFF"/>
+          </a:effectRef>
+          <a:fontRef idx="minor">
+            <a:schemeClr val="tx1"/>
+          </a:fontRef>
+        </p:style>
+      </p:cxnSp>
+      <p:cxnSp>
+        <p:nvCxnSpPr>
+          <p:cNvPr id="128" name="直接箭头连接符 127"/>
+          <p:cNvCxnSpPr>
+            <a:endCxn id="62" idx="1"/>
+          </p:cNvCxnSpPr>
+          <p:nvPr/>
+        </p:nvCxnSpPr>
+        <p:spPr>
+          <a:xfrm>
+            <a:off x="8199120" y="2813685"/>
+            <a:ext cx="144145" cy="0"/>
+          </a:xfrm>
+          <a:prstGeom prst="straightConnector1">
+            <a:avLst/>
+          </a:prstGeom>
+          <a:ln>
+            <a:solidFill>
+              <a:srgbClr val="BEBEBE"/>
+            </a:solidFill>
+            <a:tailEnd type="triangle"/>
+          </a:ln>
+        </p:spPr>
+        <p:style>
+          <a:lnRef idx="1">
+            <a:schemeClr val="accent1"/>
+          </a:lnRef>
+          <a:fillRef idx="0">
+            <a:schemeClr val="accent1"/>
+          </a:fillRef>
+          <a:effectRef idx="0">
+            <a:schemeClr val="accent1"/>
+          </a:effectRef>
+          <a:fontRef idx="minor">
+            <a:schemeClr val="tx1"/>
+          </a:fontRef>
+        </p:style>
+      </p:cxnSp>
+      <p:cxnSp>
+        <p:nvCxnSpPr>
+          <p:cNvPr id="129" name="直接箭头连接符 128"/>
+          <p:cNvCxnSpPr/>
+          <p:nvPr/>
+        </p:nvCxnSpPr>
+        <p:spPr>
+          <a:xfrm>
+            <a:off x="8205470" y="3379470"/>
+            <a:ext cx="134781" cy="3175"/>
+          </a:xfrm>
+          <a:prstGeom prst="straightConnector1">
+            <a:avLst/>
+          </a:prstGeom>
+          <a:ln>
+            <a:solidFill>
+              <a:srgbClr val="BEBEBE"/>
+            </a:solidFill>
+            <a:tailEnd type="triangle"/>
+          </a:ln>
+        </p:spPr>
+        <p:style>
+          <a:lnRef idx="1">
+            <a:schemeClr val="accent1"/>
+          </a:lnRef>
+          <a:fillRef idx="0">
+            <a:schemeClr val="accent1"/>
+          </a:fillRef>
+          <a:effectRef idx="0">
+            <a:schemeClr val="accent1"/>
+          </a:effectRef>
+          <a:fontRef idx="minor">
+            <a:schemeClr val="tx1"/>
+          </a:fontRef>
+        </p:style>
+      </p:cxnSp>
+      <p:pic>
+        <p:nvPicPr>
+          <p:cNvPr id="130" name="图片 129"/>
+          <p:cNvPicPr>
+            <a:picLocks noChangeAspect="1"/>
+          </p:cNvPicPr>
+          <p:nvPr/>
+        </p:nvPicPr>
+        <p:blipFill>
+          <a:blip r:embed="rId7"/>
+          <a:stretch>
+            <a:fillRect/>
+          </a:stretch>
+        </p:blipFill>
+        <p:spPr>
+          <a:xfrm>
+            <a:off x="2018648" y="2912852"/>
+            <a:ext cx="518067" cy="520118"/>
+          </a:xfrm>
+          <a:prstGeom prst="rect">
+            <a:avLst/>
+          </a:prstGeom>
+        </p:spPr>
+      </p:pic>
+      <p:pic>
+        <p:nvPicPr>
+          <p:cNvPr id="141" name="图片 140" descr="a1e43c4ced9b4d5ae9f5d936849b38e"/>
+          <p:cNvPicPr>
+            <a:picLocks noChangeAspect="1"/>
+          </p:cNvPicPr>
+          <p:nvPr/>
+        </p:nvPicPr>
+        <p:blipFill>
+          <a:blip r:embed="rId8">
+            <a:alphaModFix amt="54000"/>
+          </a:blip>
+          <a:stretch>
+            <a:fillRect/>
+          </a:stretch>
+        </p:blipFill>
+        <p:spPr>
+          <a:xfrm>
+            <a:off x="9583420" y="2610971"/>
+            <a:ext cx="494030" cy="494030"/>
+          </a:xfrm>
+          <a:prstGeom prst="rect">
+            <a:avLst/>
+          </a:prstGeom>
+        </p:spPr>
+      </p:pic>
+      <p:pic>
+        <p:nvPicPr>
+          <p:cNvPr id="142" name="图片 141" descr="9966bd960df2ac42ce4b52b9505ae54"/>
+          <p:cNvPicPr>
+            <a:picLocks noChangeAspect="1"/>
+          </p:cNvPicPr>
+          <p:nvPr/>
+        </p:nvPicPr>
+        <p:blipFill>
+          <a:blip r:embed="rId9">
+            <a:alphaModFix amt="54000"/>
+          </a:blip>
+          <a:stretch>
+            <a:fillRect/>
+          </a:stretch>
+        </p:blipFill>
+        <p:spPr>
+          <a:xfrm>
+            <a:off x="9583420" y="3146266"/>
+            <a:ext cx="568325" cy="440055"/>
+          </a:xfrm>
+          <a:prstGeom prst="rect">
+            <a:avLst/>
+          </a:prstGeom>
+        </p:spPr>
+      </p:pic>
+    </p:spTree>
+    <p:extLst>
+      <p:ext uri="{BB962C8B-B14F-4D97-AF65-F5344CB8AC3E}">
+        <p14:creationId xmlns:p14="http://schemas.microsoft.com/office/powerpoint/2010/main" val="1324124048"/>
+      </p:ext>
+    </p:extLst>
+  </p:cSld>
+  <p:clrMapOvr>
+    <a:masterClrMapping/>
+  </p:clrMapOvr>
+</p:sld>
+</file>
+
 <file path=ppt/tags/tag1.xml><?xml version="1.0" encoding="utf-8"?>
-<p:tagLst xmlns:p="http://schemas.openxmlformats.org/presentationml/2006/main">
+<p:tagLst xmlns:a="http://schemas.openxmlformats.org/drawingml/2006/main" xmlns:r="http://schemas.openxmlformats.org/officeDocument/2006/relationships" xmlns:p="http://schemas.openxmlformats.org/presentationml/2006/main">
+  <p:tag name="COMMONDATA" val="eyJoZGlkIjoiM2IzMmE0ZjYzMTJhMTJkZGUyZWQxNGQ0YzBhN2IzOWYifQ=="/>
+</p:tagLst>
+</file>
+
+<file path=ppt/tags/tag10.xml><?xml version="1.0" encoding="utf-8"?>
+<p:tagLst xmlns:a="http://schemas.openxmlformats.org/drawingml/2006/main" xmlns:r="http://schemas.openxmlformats.org/officeDocument/2006/relationships" xmlns:p="http://schemas.openxmlformats.org/presentationml/2006/main">
   <p:tag name="KSO_WM_UNIT_HIGHLIGHT" val="0"/>
   <p:tag name="KSO_WM_UNIT_COMPATIBLE" val="0"/>
   <p:tag name="KSO_WM_UNIT_DIAGRAM_ISNUMVISUAL" val="0"/>
@@ -8992,8 +11646,34 @@
 </p:tagLst>
 </file>
 
-<file path=ppt/tags/tag10.xml><?xml version="1.0" encoding="utf-8"?>
-<p:tagLst xmlns:p="http://schemas.openxmlformats.org/presentationml/2006/main">
+<file path=ppt/tags/tag11.xml><?xml version="1.0" encoding="utf-8"?>
+<p:tagLst xmlns:a="http://schemas.openxmlformats.org/drawingml/2006/main" xmlns:r="http://schemas.openxmlformats.org/officeDocument/2006/relationships" xmlns:p="http://schemas.openxmlformats.org/presentationml/2006/main">
+  <p:tag name="KSO_WM_UNIT_HIGHLIGHT" val="0"/>
+  <p:tag name="KSO_WM_UNIT_COMPATIBLE" val="0"/>
+  <p:tag name="KSO_WM_UNIT_DIAGRAM_ISNUMVISUAL" val="0"/>
+  <p:tag name="KSO_WM_UNIT_DIAGRAM_ISREFERUNIT" val="0"/>
+  <p:tag name="KSO_WM_UNIT_ID" val="_1**"/>
+  <p:tag name="KSO_WM_UNIT_LAYERLEVEL" val="1"/>
+  <p:tag name="KSO_WM_TAG_VERSION" val="1.0"/>
+  <p:tag name="KSO_WM_BEAUTIFY_FLAG" val="#wm#"/>
+</p:tagLst>
+</file>
+
+<file path=ppt/tags/tag12.xml><?xml version="1.0" encoding="utf-8"?>
+<p:tagLst xmlns:a="http://schemas.openxmlformats.org/drawingml/2006/main" xmlns:r="http://schemas.openxmlformats.org/officeDocument/2006/relationships" xmlns:p="http://schemas.openxmlformats.org/presentationml/2006/main">
+  <p:tag name="KSO_WM_UNIT_HIGHLIGHT" val="0"/>
+  <p:tag name="KSO_WM_UNIT_COMPATIBLE" val="0"/>
+  <p:tag name="KSO_WM_UNIT_DIAGRAM_ISNUMVISUAL" val="0"/>
+  <p:tag name="KSO_WM_UNIT_DIAGRAM_ISREFERUNIT" val="0"/>
+  <p:tag name="KSO_WM_UNIT_ID" val="_1**"/>
+  <p:tag name="KSO_WM_UNIT_LAYERLEVEL" val="1"/>
+  <p:tag name="KSO_WM_TAG_VERSION" val="1.0"/>
+  <p:tag name="KSO_WM_BEAUTIFY_FLAG" val="#wm#"/>
+</p:tagLst>
+</file>
+
+<file path=ppt/tags/tag13.xml><?xml version="1.0" encoding="utf-8"?>
+<p:tagLst xmlns:a="http://schemas.openxmlformats.org/drawingml/2006/main" xmlns:r="http://schemas.openxmlformats.org/officeDocument/2006/relationships" xmlns:p="http://schemas.openxmlformats.org/presentationml/2006/main">
   <p:tag name="KSO_WM_UNIT_HIGHLIGHT" val="0"/>
   <p:tag name="KSO_WM_UNIT_COMPATIBLE" val="0"/>
   <p:tag name="KSO_WM_UNIT_DIAGRAM_ISNUMVISUAL" val="0"/>
@@ -9005,8 +11685,60 @@
 </p:tagLst>
 </file>
 
-<file path=ppt/tags/tag11.xml><?xml version="1.0" encoding="utf-8"?>
-<p:tagLst xmlns:p="http://schemas.openxmlformats.org/presentationml/2006/main">
+<file path=ppt/tags/tag14.xml><?xml version="1.0" encoding="utf-8"?>
+<p:tagLst xmlns:a="http://schemas.openxmlformats.org/drawingml/2006/main" xmlns:r="http://schemas.openxmlformats.org/officeDocument/2006/relationships" xmlns:p="http://schemas.openxmlformats.org/presentationml/2006/main">
+  <p:tag name="KSO_WM_UNIT_HIGHLIGHT" val="0"/>
+  <p:tag name="KSO_WM_UNIT_COMPATIBLE" val="0"/>
+  <p:tag name="KSO_WM_UNIT_DIAGRAM_ISNUMVISUAL" val="0"/>
+  <p:tag name="KSO_WM_UNIT_DIAGRAM_ISREFERUNIT" val="0"/>
+  <p:tag name="KSO_WM_UNIT_ID" val="_2**"/>
+  <p:tag name="KSO_WM_UNIT_LAYERLEVEL" val="1"/>
+  <p:tag name="KSO_WM_TAG_VERSION" val="1.0"/>
+  <p:tag name="KSO_WM_BEAUTIFY_FLAG" val="#wm#"/>
+</p:tagLst>
+</file>
+
+<file path=ppt/tags/tag15.xml><?xml version="1.0" encoding="utf-8"?>
+<p:tagLst xmlns:a="http://schemas.openxmlformats.org/drawingml/2006/main" xmlns:r="http://schemas.openxmlformats.org/officeDocument/2006/relationships" xmlns:p="http://schemas.openxmlformats.org/presentationml/2006/main">
+  <p:tag name="KSO_WM_UNIT_HIGHLIGHT" val="0"/>
+  <p:tag name="KSO_WM_UNIT_COMPATIBLE" val="0"/>
+  <p:tag name="KSO_WM_UNIT_DIAGRAM_ISNUMVISUAL" val="0"/>
+  <p:tag name="KSO_WM_UNIT_DIAGRAM_ISREFERUNIT" val="0"/>
+  <p:tag name="KSO_WM_UNIT_ID" val="_2**"/>
+  <p:tag name="KSO_WM_UNIT_LAYERLEVEL" val="1"/>
+  <p:tag name="KSO_WM_TAG_VERSION" val="1.0"/>
+  <p:tag name="KSO_WM_BEAUTIFY_FLAG" val="#wm#"/>
+</p:tagLst>
+</file>
+
+<file path=ppt/tags/tag16.xml><?xml version="1.0" encoding="utf-8"?>
+<p:tagLst xmlns:a="http://schemas.openxmlformats.org/drawingml/2006/main" xmlns:r="http://schemas.openxmlformats.org/officeDocument/2006/relationships" xmlns:p="http://schemas.openxmlformats.org/presentationml/2006/main">
+  <p:tag name="KSO_WM_UNIT_HIGHLIGHT" val="0"/>
+  <p:tag name="KSO_WM_UNIT_COMPATIBLE" val="0"/>
+  <p:tag name="KSO_WM_UNIT_DIAGRAM_ISNUMVISUAL" val="0"/>
+  <p:tag name="KSO_WM_UNIT_DIAGRAM_ISREFERUNIT" val="0"/>
+  <p:tag name="KSO_WM_UNIT_ID" val="_2**"/>
+  <p:tag name="KSO_WM_UNIT_LAYERLEVEL" val="1"/>
+  <p:tag name="KSO_WM_TAG_VERSION" val="1.0"/>
+  <p:tag name="KSO_WM_BEAUTIFY_FLAG" val="#wm#"/>
+</p:tagLst>
+</file>
+
+<file path=ppt/tags/tag17.xml><?xml version="1.0" encoding="utf-8"?>
+<p:tagLst xmlns:a="http://schemas.openxmlformats.org/drawingml/2006/main" xmlns:r="http://schemas.openxmlformats.org/officeDocument/2006/relationships" xmlns:p="http://schemas.openxmlformats.org/presentationml/2006/main">
+  <p:tag name="KSO_WM_UNIT_HIGHLIGHT" val="0"/>
+  <p:tag name="KSO_WM_UNIT_COMPATIBLE" val="0"/>
+  <p:tag name="KSO_WM_UNIT_DIAGRAM_ISNUMVISUAL" val="0"/>
+  <p:tag name="KSO_WM_UNIT_DIAGRAM_ISREFERUNIT" val="0"/>
+  <p:tag name="KSO_WM_UNIT_ID" val="_2**"/>
+  <p:tag name="KSO_WM_UNIT_LAYERLEVEL" val="1"/>
+  <p:tag name="KSO_WM_TAG_VERSION" val="1.0"/>
+  <p:tag name="KSO_WM_BEAUTIFY_FLAG" val="#wm#"/>
+</p:tagLst>
+</file>
+
+<file path=ppt/tags/tag18.xml><?xml version="1.0" encoding="utf-8"?>
+<p:tagLst xmlns:a="http://schemas.openxmlformats.org/drawingml/2006/main" xmlns:r="http://schemas.openxmlformats.org/officeDocument/2006/relationships" xmlns:p="http://schemas.openxmlformats.org/presentationml/2006/main">
   <p:tag name="KSO_WM_UNIT_HIGHLIGHT" val="0"/>
   <p:tag name="KSO_WM_UNIT_COMPATIBLE" val="0"/>
   <p:tag name="KSO_WM_UNIT_DIAGRAM_ISNUMVISUAL" val="0"/>
@@ -9018,8 +11750,8 @@
 </p:tagLst>
 </file>
 
-<file path=ppt/tags/tag12.xml><?xml version="1.0" encoding="utf-8"?>
-<p:tagLst xmlns:p="http://schemas.openxmlformats.org/presentationml/2006/main">
+<file path=ppt/tags/tag19.xml><?xml version="1.0" encoding="utf-8"?>
+<p:tagLst xmlns:a="http://schemas.openxmlformats.org/drawingml/2006/main" xmlns:r="http://schemas.openxmlformats.org/officeDocument/2006/relationships" xmlns:p="http://schemas.openxmlformats.org/presentationml/2006/main">
   <p:tag name="KSO_WM_UNIT_HIGHLIGHT" val="0"/>
   <p:tag name="KSO_WM_UNIT_COMPATIBLE" val="0"/>
   <p:tag name="KSO_WM_UNIT_DIAGRAM_ISNUMVISUAL" val="0"/>
@@ -9031,8 +11763,22 @@
 </p:tagLst>
 </file>
 
-<file path=ppt/tags/tag13.xml><?xml version="1.0" encoding="utf-8"?>
-<p:tagLst xmlns:p="http://schemas.openxmlformats.org/presentationml/2006/main">
+<file path=ppt/tags/tag2.xml><?xml version="1.0" encoding="utf-8"?>
+<p:tagLst xmlns:a="http://schemas.openxmlformats.org/drawingml/2006/main" xmlns:r="http://schemas.openxmlformats.org/officeDocument/2006/relationships" xmlns:p="http://schemas.openxmlformats.org/presentationml/2006/main">
+  <p:tag name="KSO_WM_TEMPLATE_THUMBS_INDEX" val="1、4、7、12、13、14、15、16、17、18、20、24、25、28、33、36、40、43、44"/>
+  <p:tag name="KSO_WM_TEMPLATE_SUBCATEGORY" val="19"/>
+  <p:tag name="KSO_WM_TAG_VERSION" val="1.0"/>
+  <p:tag name="KSO_WM_BEAUTIFY_FLAG" val="#wm#"/>
+  <p:tag name="KSO_WM_TEMPLATE_CATEGORY" val="custom"/>
+  <p:tag name="KSO_WM_TEMPLATE_INDEX" val="20205081"/>
+  <p:tag name="KSO_WM_TEMPLATE_MASTER_TYPE" val="0"/>
+  <p:tag name="KSO_WM_TEMPLATE_COLOR_TYPE" val="1"/>
+  <p:tag name="KSO_WM_UNIT_SHOW_EDIT_AREA_INDICATION" val="1"/>
+</p:tagLst>
+</file>
+
+<file path=ppt/tags/tag20.xml><?xml version="1.0" encoding="utf-8"?>
+<p:tagLst xmlns:a="http://schemas.openxmlformats.org/drawingml/2006/main" xmlns:r="http://schemas.openxmlformats.org/officeDocument/2006/relationships" xmlns:p="http://schemas.openxmlformats.org/presentationml/2006/main">
   <p:tag name="KSO_WM_UNIT_HIGHLIGHT" val="0"/>
   <p:tag name="KSO_WM_UNIT_COMPATIBLE" val="0"/>
   <p:tag name="KSO_WM_UNIT_DIAGRAM_ISNUMVISUAL" val="0"/>
@@ -9044,8 +11790,8 @@
 </p:tagLst>
 </file>
 
-<file path=ppt/tags/tag14.xml><?xml version="1.0" encoding="utf-8"?>
-<p:tagLst xmlns:p="http://schemas.openxmlformats.org/presentationml/2006/main">
+<file path=ppt/tags/tag21.xml><?xml version="1.0" encoding="utf-8"?>
+<p:tagLst xmlns:a="http://schemas.openxmlformats.org/drawingml/2006/main" xmlns:r="http://schemas.openxmlformats.org/officeDocument/2006/relationships" xmlns:p="http://schemas.openxmlformats.org/presentationml/2006/main">
   <p:tag name="KSO_WM_UNIT_HIGHLIGHT" val="0"/>
   <p:tag name="KSO_WM_UNIT_COMPATIBLE" val="0"/>
   <p:tag name="KSO_WM_UNIT_DIAGRAM_ISNUMVISUAL" val="0"/>
@@ -9057,8 +11803,8 @@
 </p:tagLst>
 </file>
 
-<file path=ppt/tags/tag15.xml><?xml version="1.0" encoding="utf-8"?>
-<p:tagLst xmlns:p="http://schemas.openxmlformats.org/presentationml/2006/main">
+<file path=ppt/tags/tag22.xml><?xml version="1.0" encoding="utf-8"?>
+<p:tagLst xmlns:a="http://schemas.openxmlformats.org/drawingml/2006/main" xmlns:r="http://schemas.openxmlformats.org/officeDocument/2006/relationships" xmlns:p="http://schemas.openxmlformats.org/presentationml/2006/main">
   <p:tag name="KSO_WM_UNIT_HIGHLIGHT" val="0"/>
   <p:tag name="KSO_WM_UNIT_COMPATIBLE" val="0"/>
   <p:tag name="KSO_WM_UNIT_DIAGRAM_ISNUMVISUAL" val="0"/>
@@ -9070,8 +11816,8 @@
 </p:tagLst>
 </file>
 
-<file path=ppt/tags/tag16.xml><?xml version="1.0" encoding="utf-8"?>
-<p:tagLst xmlns:p="http://schemas.openxmlformats.org/presentationml/2006/main">
+<file path=ppt/tags/tag23.xml><?xml version="1.0" encoding="utf-8"?>
+<p:tagLst xmlns:a="http://schemas.openxmlformats.org/drawingml/2006/main" xmlns:r="http://schemas.openxmlformats.org/officeDocument/2006/relationships" xmlns:p="http://schemas.openxmlformats.org/presentationml/2006/main">
   <p:tag name="KSO_WM_UNIT_HIGHLIGHT" val="0"/>
   <p:tag name="KSO_WM_UNIT_COMPATIBLE" val="0"/>
   <p:tag name="KSO_WM_UNIT_DIAGRAM_ISNUMVISUAL" val="0"/>
@@ -9083,8 +11829,8 @@
 </p:tagLst>
 </file>
 
-<file path=ppt/tags/tag17.xml><?xml version="1.0" encoding="utf-8"?>
-<p:tagLst xmlns:p="http://schemas.openxmlformats.org/presentationml/2006/main">
+<file path=ppt/tags/tag24.xml><?xml version="1.0" encoding="utf-8"?>
+<p:tagLst xmlns:a="http://schemas.openxmlformats.org/drawingml/2006/main" xmlns:r="http://schemas.openxmlformats.org/officeDocument/2006/relationships" xmlns:p="http://schemas.openxmlformats.org/presentationml/2006/main">
   <p:tag name="KSO_WM_UNIT_HIGHLIGHT" val="0"/>
   <p:tag name="KSO_WM_UNIT_COMPATIBLE" val="0"/>
   <p:tag name="KSO_WM_UNIT_DIAGRAM_ISNUMVISUAL" val="0"/>
@@ -9096,8 +11842,8 @@
 </p:tagLst>
 </file>
 
-<file path=ppt/tags/tag18.xml><?xml version="1.0" encoding="utf-8"?>
-<p:tagLst xmlns:p="http://schemas.openxmlformats.org/presentationml/2006/main">
+<file path=ppt/tags/tag25.xml><?xml version="1.0" encoding="utf-8"?>
+<p:tagLst xmlns:a="http://schemas.openxmlformats.org/drawingml/2006/main" xmlns:r="http://schemas.openxmlformats.org/officeDocument/2006/relationships" xmlns:p="http://schemas.openxmlformats.org/presentationml/2006/main">
   <p:tag name="KSO_WM_UNIT_HIGHLIGHT" val="0"/>
   <p:tag name="KSO_WM_UNIT_COMPATIBLE" val="0"/>
   <p:tag name="KSO_WM_UNIT_DIAGRAM_ISNUMVISUAL" val="0"/>
@@ -9109,8 +11855,8 @@
 </p:tagLst>
 </file>
 
-<file path=ppt/tags/tag19.xml><?xml version="1.0" encoding="utf-8"?>
-<p:tagLst xmlns:p="http://schemas.openxmlformats.org/presentationml/2006/main">
+<file path=ppt/tags/tag26.xml><?xml version="1.0" encoding="utf-8"?>
+<p:tagLst xmlns:a="http://schemas.openxmlformats.org/drawingml/2006/main" xmlns:r="http://schemas.openxmlformats.org/officeDocument/2006/relationships" xmlns:p="http://schemas.openxmlformats.org/presentationml/2006/main">
   <p:tag name="KSO_WM_UNIT_HIGHLIGHT" val="0"/>
   <p:tag name="KSO_WM_UNIT_COMPATIBLE" val="0"/>
   <p:tag name="KSO_WM_UNIT_DIAGRAM_ISNUMVISUAL" val="0"/>
@@ -9122,21 +11868,8 @@
 </p:tagLst>
 </file>
 
-<file path=ppt/tags/tag2.xml><?xml version="1.0" encoding="utf-8"?>
-<p:tagLst xmlns:p="http://schemas.openxmlformats.org/presentationml/2006/main">
-  <p:tag name="KSO_WM_UNIT_HIGHLIGHT" val="0"/>
-  <p:tag name="KSO_WM_UNIT_COMPATIBLE" val="0"/>
-  <p:tag name="KSO_WM_UNIT_DIAGRAM_ISNUMVISUAL" val="0"/>
-  <p:tag name="KSO_WM_UNIT_DIAGRAM_ISREFERUNIT" val="0"/>
-  <p:tag name="KSO_WM_UNIT_ID" val="_1**"/>
-  <p:tag name="KSO_WM_UNIT_LAYERLEVEL" val="1"/>
-  <p:tag name="KSO_WM_TAG_VERSION" val="1.0"/>
-  <p:tag name="KSO_WM_BEAUTIFY_FLAG" val="#wm#"/>
-</p:tagLst>
-</file>
-
-<file path=ppt/tags/tag20.xml><?xml version="1.0" encoding="utf-8"?>
-<p:tagLst xmlns:p="http://schemas.openxmlformats.org/presentationml/2006/main">
+<file path=ppt/tags/tag27.xml><?xml version="1.0" encoding="utf-8"?>
+<p:tagLst xmlns:a="http://schemas.openxmlformats.org/drawingml/2006/main" xmlns:r="http://schemas.openxmlformats.org/officeDocument/2006/relationships" xmlns:p="http://schemas.openxmlformats.org/presentationml/2006/main">
   <p:tag name="KSO_WM_UNIT_HIGHLIGHT" val="0"/>
   <p:tag name="KSO_WM_UNIT_COMPATIBLE" val="0"/>
   <p:tag name="KSO_WM_UNIT_DIAGRAM_ISNUMVISUAL" val="0"/>
@@ -9148,8 +11881,8 @@
 </p:tagLst>
 </file>
 
-<file path=ppt/tags/tag21.xml><?xml version="1.0" encoding="utf-8"?>
-<p:tagLst xmlns:p="http://schemas.openxmlformats.org/presentationml/2006/main">
+<file path=ppt/tags/tag28.xml><?xml version="1.0" encoding="utf-8"?>
+<p:tagLst xmlns:a="http://schemas.openxmlformats.org/drawingml/2006/main" xmlns:r="http://schemas.openxmlformats.org/officeDocument/2006/relationships" xmlns:p="http://schemas.openxmlformats.org/presentationml/2006/main">
   <p:tag name="KSO_WM_UNIT_HIGHLIGHT" val="0"/>
   <p:tag name="KSO_WM_UNIT_COMPATIBLE" val="0"/>
   <p:tag name="KSO_WM_UNIT_DIAGRAM_ISNUMVISUAL" val="0"/>
@@ -9161,99 +11894,8 @@
 </p:tagLst>
 </file>
 
-<file path=ppt/tags/tag22.xml><?xml version="1.0" encoding="utf-8"?>
-<p:tagLst xmlns:p="http://schemas.openxmlformats.org/presentationml/2006/main">
-  <p:tag name="KSO_WM_UNIT_HIGHLIGHT" val="0"/>
-  <p:tag name="KSO_WM_UNIT_COMPATIBLE" val="0"/>
-  <p:tag name="KSO_WM_UNIT_DIAGRAM_ISNUMVISUAL" val="0"/>
-  <p:tag name="KSO_WM_UNIT_DIAGRAM_ISREFERUNIT" val="0"/>
-  <p:tag name="KSO_WM_UNIT_ID" val="_5**"/>
-  <p:tag name="KSO_WM_UNIT_LAYERLEVEL" val="1"/>
-  <p:tag name="KSO_WM_TAG_VERSION" val="1.0"/>
-  <p:tag name="KSO_WM_BEAUTIFY_FLAG" val="#wm#"/>
-</p:tagLst>
-</file>
-
-<file path=ppt/tags/tag23.xml><?xml version="1.0" encoding="utf-8"?>
-<p:tagLst xmlns:p="http://schemas.openxmlformats.org/presentationml/2006/main">
-  <p:tag name="KSO_WM_UNIT_HIGHLIGHT" val="0"/>
-  <p:tag name="KSO_WM_UNIT_COMPATIBLE" val="0"/>
-  <p:tag name="KSO_WM_UNIT_DIAGRAM_ISNUMVISUAL" val="0"/>
-  <p:tag name="KSO_WM_UNIT_DIAGRAM_ISREFERUNIT" val="0"/>
-  <p:tag name="KSO_WM_UNIT_ID" val="_5**"/>
-  <p:tag name="KSO_WM_UNIT_LAYERLEVEL" val="1"/>
-  <p:tag name="KSO_WM_TAG_VERSION" val="1.0"/>
-  <p:tag name="KSO_WM_BEAUTIFY_FLAG" val="#wm#"/>
-</p:tagLst>
-</file>
-
-<file path=ppt/tags/tag24.xml><?xml version="1.0" encoding="utf-8"?>
-<p:tagLst xmlns:p="http://schemas.openxmlformats.org/presentationml/2006/main">
-  <p:tag name="KSO_WM_UNIT_HIGHLIGHT" val="0"/>
-  <p:tag name="KSO_WM_UNIT_COMPATIBLE" val="0"/>
-  <p:tag name="KSO_WM_UNIT_DIAGRAM_ISNUMVISUAL" val="0"/>
-  <p:tag name="KSO_WM_UNIT_DIAGRAM_ISREFERUNIT" val="0"/>
-  <p:tag name="KSO_WM_UNIT_ID" val="_5**"/>
-  <p:tag name="KSO_WM_UNIT_LAYERLEVEL" val="1"/>
-  <p:tag name="KSO_WM_TAG_VERSION" val="1.0"/>
-  <p:tag name="KSO_WM_BEAUTIFY_FLAG" val="#wm#"/>
-</p:tagLst>
-</file>
-
-<file path=ppt/tags/tag25.xml><?xml version="1.0" encoding="utf-8"?>
-<p:tagLst xmlns:p="http://schemas.openxmlformats.org/presentationml/2006/main">
-  <p:tag name="KSO_WM_UNIT_HIGHLIGHT" val="0"/>
-  <p:tag name="KSO_WM_UNIT_COMPATIBLE" val="0"/>
-  <p:tag name="KSO_WM_UNIT_DIAGRAM_ISNUMVISUAL" val="0"/>
-  <p:tag name="KSO_WM_UNIT_DIAGRAM_ISREFERUNIT" val="0"/>
-  <p:tag name="KSO_WM_UNIT_ID" val="_5**"/>
-  <p:tag name="KSO_WM_UNIT_LAYERLEVEL" val="1"/>
-  <p:tag name="KSO_WM_TAG_VERSION" val="1.0"/>
-  <p:tag name="KSO_WM_BEAUTIFY_FLAG" val="#wm#"/>
-</p:tagLst>
-</file>
-
-<file path=ppt/tags/tag26.xml><?xml version="1.0" encoding="utf-8"?>
-<p:tagLst xmlns:p="http://schemas.openxmlformats.org/presentationml/2006/main">
-  <p:tag name="KSO_WM_UNIT_HIGHLIGHT" val="0"/>
-  <p:tag name="KSO_WM_UNIT_COMPATIBLE" val="0"/>
-  <p:tag name="KSO_WM_UNIT_DIAGRAM_ISNUMVISUAL" val="0"/>
-  <p:tag name="KSO_WM_UNIT_DIAGRAM_ISREFERUNIT" val="0"/>
-  <p:tag name="KSO_WM_UNIT_ID" val="_5**"/>
-  <p:tag name="KSO_WM_UNIT_LAYERLEVEL" val="1"/>
-  <p:tag name="KSO_WM_TAG_VERSION" val="1.0"/>
-  <p:tag name="KSO_WM_BEAUTIFY_FLAG" val="#wm#"/>
-</p:tagLst>
-</file>
-
-<file path=ppt/tags/tag27.xml><?xml version="1.0" encoding="utf-8"?>
-<p:tagLst xmlns:p="http://schemas.openxmlformats.org/presentationml/2006/main">
-  <p:tag name="KSO_WM_UNIT_HIGHLIGHT" val="0"/>
-  <p:tag name="KSO_WM_UNIT_COMPATIBLE" val="0"/>
-  <p:tag name="KSO_WM_UNIT_DIAGRAM_ISNUMVISUAL" val="0"/>
-  <p:tag name="KSO_WM_UNIT_DIAGRAM_ISREFERUNIT" val="0"/>
-  <p:tag name="KSO_WM_UNIT_ID" val="_5**"/>
-  <p:tag name="KSO_WM_UNIT_LAYERLEVEL" val="1"/>
-  <p:tag name="KSO_WM_TAG_VERSION" val="1.0"/>
-  <p:tag name="KSO_WM_BEAUTIFY_FLAG" val="#wm#"/>
-</p:tagLst>
-</file>
-
-<file path=ppt/tags/tag28.xml><?xml version="1.0" encoding="utf-8"?>
-<p:tagLst xmlns:p="http://schemas.openxmlformats.org/presentationml/2006/main">
-  <p:tag name="KSO_WM_UNIT_HIGHLIGHT" val="0"/>
-  <p:tag name="KSO_WM_UNIT_COMPATIBLE" val="0"/>
-  <p:tag name="KSO_WM_UNIT_DIAGRAM_ISNUMVISUAL" val="0"/>
-  <p:tag name="KSO_WM_UNIT_DIAGRAM_ISREFERUNIT" val="0"/>
-  <p:tag name="KSO_WM_UNIT_ID" val="_5**"/>
-  <p:tag name="KSO_WM_UNIT_LAYERLEVEL" val="1"/>
-  <p:tag name="KSO_WM_TAG_VERSION" val="1.0"/>
-  <p:tag name="KSO_WM_BEAUTIFY_FLAG" val="#wm#"/>
-</p:tagLst>
-</file>
-
 <file path=ppt/tags/tag29.xml><?xml version="1.0" encoding="utf-8"?>
-<p:tagLst xmlns:p="http://schemas.openxmlformats.org/presentationml/2006/main">
+<p:tagLst xmlns:a="http://schemas.openxmlformats.org/drawingml/2006/main" xmlns:r="http://schemas.openxmlformats.org/officeDocument/2006/relationships" xmlns:p="http://schemas.openxmlformats.org/presentationml/2006/main">
   <p:tag name="KSO_WM_UNIT_HIGHLIGHT" val="0"/>
   <p:tag name="KSO_WM_UNIT_COMPATIBLE" val="0"/>
   <p:tag name="KSO_WM_UNIT_DIAGRAM_ISNUMVISUAL" val="0"/>
@@ -9266,397 +11908,7 @@
 </file>
 
 <file path=ppt/tags/tag3.xml><?xml version="1.0" encoding="utf-8"?>
-<p:tagLst xmlns:p="http://schemas.openxmlformats.org/presentationml/2006/main">
-  <p:tag name="KSO_WM_UNIT_HIGHLIGHT" val="0"/>
-  <p:tag name="KSO_WM_UNIT_COMPATIBLE" val="0"/>
-  <p:tag name="KSO_WM_UNIT_DIAGRAM_ISNUMVISUAL" val="0"/>
-  <p:tag name="KSO_WM_UNIT_DIAGRAM_ISREFERUNIT" val="0"/>
-  <p:tag name="KSO_WM_UNIT_ID" val="_1**"/>
-  <p:tag name="KSO_WM_UNIT_LAYERLEVEL" val="1"/>
-  <p:tag name="KSO_WM_TAG_VERSION" val="1.0"/>
-  <p:tag name="KSO_WM_BEAUTIFY_FLAG" val="#wm#"/>
-</p:tagLst>
-</file>
-
-<file path=ppt/tags/tag30.xml><?xml version="1.0" encoding="utf-8"?>
-<p:tagLst xmlns:p="http://schemas.openxmlformats.org/presentationml/2006/main">
-  <p:tag name="KSO_WM_UNIT_HIGHLIGHT" val="0"/>
-  <p:tag name="KSO_WM_UNIT_COMPATIBLE" val="0"/>
-  <p:tag name="KSO_WM_UNIT_DIAGRAM_ISNUMVISUAL" val="0"/>
-  <p:tag name="KSO_WM_UNIT_DIAGRAM_ISREFERUNIT" val="0"/>
-  <p:tag name="KSO_WM_UNIT_ID" val="_6**"/>
-  <p:tag name="KSO_WM_UNIT_LAYERLEVEL" val="1"/>
-  <p:tag name="KSO_WM_TAG_VERSION" val="1.0"/>
-  <p:tag name="KSO_WM_BEAUTIFY_FLAG" val="#wm#"/>
-</p:tagLst>
-</file>
-
-<file path=ppt/tags/tag31.xml><?xml version="1.0" encoding="utf-8"?>
-<p:tagLst xmlns:p="http://schemas.openxmlformats.org/presentationml/2006/main">
-  <p:tag name="KSO_WM_UNIT_HIGHLIGHT" val="0"/>
-  <p:tag name="KSO_WM_UNIT_COMPATIBLE" val="0"/>
-  <p:tag name="KSO_WM_UNIT_DIAGRAM_ISNUMVISUAL" val="0"/>
-  <p:tag name="KSO_WM_UNIT_DIAGRAM_ISREFERUNIT" val="0"/>
-  <p:tag name="KSO_WM_UNIT_ID" val="_6**"/>
-  <p:tag name="KSO_WM_UNIT_LAYERLEVEL" val="1"/>
-  <p:tag name="KSO_WM_TAG_VERSION" val="1.0"/>
-  <p:tag name="KSO_WM_BEAUTIFY_FLAG" val="#wm#"/>
-</p:tagLst>
-</file>
-
-<file path=ppt/tags/tag32.xml><?xml version="1.0" encoding="utf-8"?>
-<p:tagLst xmlns:p="http://schemas.openxmlformats.org/presentationml/2006/main">
-  <p:tag name="KSO_WM_UNIT_HIGHLIGHT" val="0"/>
-  <p:tag name="KSO_WM_UNIT_COMPATIBLE" val="0"/>
-  <p:tag name="KSO_WM_UNIT_DIAGRAM_ISNUMVISUAL" val="0"/>
-  <p:tag name="KSO_WM_UNIT_DIAGRAM_ISREFERUNIT" val="0"/>
-  <p:tag name="KSO_WM_UNIT_ID" val="_6**"/>
-  <p:tag name="KSO_WM_UNIT_LAYERLEVEL" val="1"/>
-  <p:tag name="KSO_WM_TAG_VERSION" val="1.0"/>
-  <p:tag name="KSO_WM_BEAUTIFY_FLAG" val="#wm#"/>
-</p:tagLst>
-</file>
-
-<file path=ppt/tags/tag33.xml><?xml version="1.0" encoding="utf-8"?>
-<p:tagLst xmlns:p="http://schemas.openxmlformats.org/presentationml/2006/main">
-  <p:tag name="KSO_WM_UNIT_HIGHLIGHT" val="0"/>
-  <p:tag name="KSO_WM_UNIT_COMPATIBLE" val="0"/>
-  <p:tag name="KSO_WM_UNIT_DIAGRAM_ISNUMVISUAL" val="0"/>
-  <p:tag name="KSO_WM_UNIT_DIAGRAM_ISREFERUNIT" val="0"/>
-  <p:tag name="KSO_WM_UNIT_ID" val="_6**"/>
-  <p:tag name="KSO_WM_UNIT_LAYERLEVEL" val="1"/>
-  <p:tag name="KSO_WM_TAG_VERSION" val="1.0"/>
-  <p:tag name="KSO_WM_BEAUTIFY_FLAG" val="#wm#"/>
-</p:tagLst>
-</file>
-
-<file path=ppt/tags/tag34.xml><?xml version="1.0" encoding="utf-8"?>
-<p:tagLst xmlns:p="http://schemas.openxmlformats.org/presentationml/2006/main">
-  <p:tag name="KSO_WM_UNIT_HIGHLIGHT" val="0"/>
-  <p:tag name="KSO_WM_UNIT_COMPATIBLE" val="0"/>
-  <p:tag name="KSO_WM_UNIT_DIAGRAM_ISNUMVISUAL" val="0"/>
-  <p:tag name="KSO_WM_UNIT_DIAGRAM_ISREFERUNIT" val="0"/>
-  <p:tag name="KSO_WM_UNIT_ID" val="_7**"/>
-  <p:tag name="KSO_WM_UNIT_LAYERLEVEL" val="1"/>
-  <p:tag name="KSO_WM_TAG_VERSION" val="1.0"/>
-  <p:tag name="KSO_WM_BEAUTIFY_FLAG" val="#wm#"/>
-</p:tagLst>
-</file>
-
-<file path=ppt/tags/tag35.xml><?xml version="1.0" encoding="utf-8"?>
-<p:tagLst xmlns:p="http://schemas.openxmlformats.org/presentationml/2006/main">
-  <p:tag name="KSO_WM_UNIT_HIGHLIGHT" val="0"/>
-  <p:tag name="KSO_WM_UNIT_COMPATIBLE" val="0"/>
-  <p:tag name="KSO_WM_UNIT_DIAGRAM_ISNUMVISUAL" val="0"/>
-  <p:tag name="KSO_WM_UNIT_DIAGRAM_ISREFERUNIT" val="0"/>
-  <p:tag name="KSO_WM_UNIT_ID" val="_7**"/>
-  <p:tag name="KSO_WM_UNIT_LAYERLEVEL" val="1"/>
-  <p:tag name="KSO_WM_TAG_VERSION" val="1.0"/>
-  <p:tag name="KSO_WM_BEAUTIFY_FLAG" val="#wm#"/>
-</p:tagLst>
-</file>
-
-<file path=ppt/tags/tag36.xml><?xml version="1.0" encoding="utf-8"?>
-<p:tagLst xmlns:p="http://schemas.openxmlformats.org/presentationml/2006/main">
-  <p:tag name="KSO_WM_UNIT_HIGHLIGHT" val="0"/>
-  <p:tag name="KSO_WM_UNIT_COMPATIBLE" val="0"/>
-  <p:tag name="KSO_WM_UNIT_DIAGRAM_ISNUMVISUAL" val="0"/>
-  <p:tag name="KSO_WM_UNIT_DIAGRAM_ISREFERUNIT" val="0"/>
-  <p:tag name="KSO_WM_UNIT_ID" val="_7**"/>
-  <p:tag name="KSO_WM_UNIT_LAYERLEVEL" val="1"/>
-  <p:tag name="KSO_WM_TAG_VERSION" val="1.0"/>
-  <p:tag name="KSO_WM_BEAUTIFY_FLAG" val="#wm#"/>
-</p:tagLst>
-</file>
-
-<file path=ppt/tags/tag37.xml><?xml version="1.0" encoding="utf-8"?>
-<p:tagLst xmlns:p="http://schemas.openxmlformats.org/presentationml/2006/main">
-  <p:tag name="KSO_WM_UNIT_HIGHLIGHT" val="0"/>
-  <p:tag name="KSO_WM_UNIT_COMPATIBLE" val="0"/>
-  <p:tag name="KSO_WM_UNIT_DIAGRAM_ISNUMVISUAL" val="0"/>
-  <p:tag name="KSO_WM_UNIT_DIAGRAM_ISREFERUNIT" val="0"/>
-  <p:tag name="KSO_WM_UNIT_ID" val="_8**"/>
-  <p:tag name="KSO_WM_UNIT_LAYERLEVEL" val="1"/>
-  <p:tag name="KSO_WM_TAG_VERSION" val="1.0"/>
-  <p:tag name="KSO_WM_BEAUTIFY_FLAG" val="#wm#"/>
-</p:tagLst>
-</file>
-
-<file path=ppt/tags/tag38.xml><?xml version="1.0" encoding="utf-8"?>
-<p:tagLst xmlns:p="http://schemas.openxmlformats.org/presentationml/2006/main">
-  <p:tag name="KSO_WM_UNIT_HIGHLIGHT" val="0"/>
-  <p:tag name="KSO_WM_UNIT_COMPATIBLE" val="0"/>
-  <p:tag name="KSO_WM_UNIT_DIAGRAM_ISNUMVISUAL" val="0"/>
-  <p:tag name="KSO_WM_UNIT_DIAGRAM_ISREFERUNIT" val="0"/>
-  <p:tag name="KSO_WM_UNIT_ID" val="_8**"/>
-  <p:tag name="KSO_WM_UNIT_LAYERLEVEL" val="1"/>
-  <p:tag name="KSO_WM_TAG_VERSION" val="1.0"/>
-  <p:tag name="KSO_WM_BEAUTIFY_FLAG" val="#wm#"/>
-</p:tagLst>
-</file>
-
-<file path=ppt/tags/tag39.xml><?xml version="1.0" encoding="utf-8"?>
-<p:tagLst xmlns:p="http://schemas.openxmlformats.org/presentationml/2006/main">
-  <p:tag name="KSO_WM_UNIT_HIGHLIGHT" val="0"/>
-  <p:tag name="KSO_WM_UNIT_COMPATIBLE" val="0"/>
-  <p:tag name="KSO_WM_UNIT_DIAGRAM_ISNUMVISUAL" val="0"/>
-  <p:tag name="KSO_WM_UNIT_DIAGRAM_ISREFERUNIT" val="0"/>
-  <p:tag name="KSO_WM_UNIT_ID" val="_8**"/>
-  <p:tag name="KSO_WM_UNIT_LAYERLEVEL" val="1"/>
-  <p:tag name="KSO_WM_TAG_VERSION" val="1.0"/>
-  <p:tag name="KSO_WM_BEAUTIFY_FLAG" val="#wm#"/>
-</p:tagLst>
-</file>
-
-<file path=ppt/tags/tag4.xml><?xml version="1.0" encoding="utf-8"?>
-<p:tagLst xmlns:p="http://schemas.openxmlformats.org/presentationml/2006/main">
-  <p:tag name="KSO_WM_UNIT_HIGHLIGHT" val="0"/>
-  <p:tag name="KSO_WM_UNIT_COMPATIBLE" val="0"/>
-  <p:tag name="KSO_WM_UNIT_DIAGRAM_ISNUMVISUAL" val="0"/>
-  <p:tag name="KSO_WM_UNIT_DIAGRAM_ISREFERUNIT" val="0"/>
-  <p:tag name="KSO_WM_UNIT_ID" val="_1**"/>
-  <p:tag name="KSO_WM_UNIT_LAYERLEVEL" val="1"/>
-  <p:tag name="KSO_WM_TAG_VERSION" val="1.0"/>
-  <p:tag name="KSO_WM_BEAUTIFY_FLAG" val="#wm#"/>
-</p:tagLst>
-</file>
-
-<file path=ppt/tags/tag40.xml><?xml version="1.0" encoding="utf-8"?>
-<p:tagLst xmlns:p="http://schemas.openxmlformats.org/presentationml/2006/main">
-  <p:tag name="KSO_WM_UNIT_HIGHLIGHT" val="0"/>
-  <p:tag name="KSO_WM_UNIT_COMPATIBLE" val="0"/>
-  <p:tag name="KSO_WM_UNIT_DIAGRAM_ISNUMVISUAL" val="0"/>
-  <p:tag name="KSO_WM_UNIT_DIAGRAM_ISREFERUNIT" val="0"/>
-  <p:tag name="KSO_WM_UNIT_ID" val="_8**"/>
-  <p:tag name="KSO_WM_UNIT_LAYERLEVEL" val="1"/>
-  <p:tag name="KSO_WM_TAG_VERSION" val="1.0"/>
-  <p:tag name="KSO_WM_BEAUTIFY_FLAG" val="#wm#"/>
-</p:tagLst>
-</file>
-
-<file path=ppt/tags/tag41.xml><?xml version="1.0" encoding="utf-8"?>
-<p:tagLst xmlns:p="http://schemas.openxmlformats.org/presentationml/2006/main">
-  <p:tag name="KSO_WM_UNIT_HIGHLIGHT" val="0"/>
-  <p:tag name="KSO_WM_UNIT_COMPATIBLE" val="0"/>
-  <p:tag name="KSO_WM_UNIT_DIAGRAM_ISNUMVISUAL" val="0"/>
-  <p:tag name="KSO_WM_UNIT_DIAGRAM_ISREFERUNIT" val="0"/>
-  <p:tag name="KSO_WM_UNIT_ID" val="_8**"/>
-  <p:tag name="KSO_WM_UNIT_LAYERLEVEL" val="1"/>
-  <p:tag name="KSO_WM_TAG_VERSION" val="1.0"/>
-  <p:tag name="KSO_WM_BEAUTIFY_FLAG" val="#wm#"/>
-</p:tagLst>
-</file>
-
-<file path=ppt/tags/tag42.xml><?xml version="1.0" encoding="utf-8"?>
-<p:tagLst xmlns:p="http://schemas.openxmlformats.org/presentationml/2006/main">
-  <p:tag name="KSO_WM_UNIT_HIGHLIGHT" val="0"/>
-  <p:tag name="KSO_WM_UNIT_COMPATIBLE" val="0"/>
-  <p:tag name="KSO_WM_UNIT_DIAGRAM_ISNUMVISUAL" val="0"/>
-  <p:tag name="KSO_WM_UNIT_DIAGRAM_ISREFERUNIT" val="0"/>
-  <p:tag name="KSO_WM_UNIT_ID" val="_8**"/>
-  <p:tag name="KSO_WM_UNIT_LAYERLEVEL" val="1"/>
-  <p:tag name="KSO_WM_TAG_VERSION" val="1.0"/>
-  <p:tag name="KSO_WM_BEAUTIFY_FLAG" val="#wm#"/>
-</p:tagLst>
-</file>
-
-<file path=ppt/tags/tag43.xml><?xml version="1.0" encoding="utf-8"?>
-<p:tagLst xmlns:p="http://schemas.openxmlformats.org/presentationml/2006/main">
-  <p:tag name="KSO_WM_UNIT_HIGHLIGHT" val="0"/>
-  <p:tag name="KSO_WM_UNIT_COMPATIBLE" val="0"/>
-  <p:tag name="KSO_WM_UNIT_DIAGRAM_ISNUMVISUAL" val="0"/>
-  <p:tag name="KSO_WM_UNIT_DIAGRAM_ISREFERUNIT" val="0"/>
-  <p:tag name="KSO_WM_UNIT_ID" val="_9**"/>
-  <p:tag name="KSO_WM_UNIT_LAYERLEVEL" val="1"/>
-  <p:tag name="KSO_WM_TAG_VERSION" val="1.0"/>
-  <p:tag name="KSO_WM_BEAUTIFY_FLAG" val="#wm#"/>
-</p:tagLst>
-</file>
-
-<file path=ppt/tags/tag44.xml><?xml version="1.0" encoding="utf-8"?>
-<p:tagLst xmlns:p="http://schemas.openxmlformats.org/presentationml/2006/main">
-  <p:tag name="KSO_WM_UNIT_HIGHLIGHT" val="0"/>
-  <p:tag name="KSO_WM_UNIT_COMPATIBLE" val="0"/>
-  <p:tag name="KSO_WM_UNIT_DIAGRAM_ISNUMVISUAL" val="0"/>
-  <p:tag name="KSO_WM_UNIT_DIAGRAM_ISREFERUNIT" val="0"/>
-  <p:tag name="KSO_WM_UNIT_ID" val="_9**"/>
-  <p:tag name="KSO_WM_UNIT_LAYERLEVEL" val="1"/>
-  <p:tag name="KSO_WM_TAG_VERSION" val="1.0"/>
-  <p:tag name="KSO_WM_BEAUTIFY_FLAG" val="#wm#"/>
-</p:tagLst>
-</file>
-
-<file path=ppt/tags/tag45.xml><?xml version="1.0" encoding="utf-8"?>
-<p:tagLst xmlns:p="http://schemas.openxmlformats.org/presentationml/2006/main">
-  <p:tag name="KSO_WM_UNIT_HIGHLIGHT" val="0"/>
-  <p:tag name="KSO_WM_UNIT_COMPATIBLE" val="0"/>
-  <p:tag name="KSO_WM_UNIT_DIAGRAM_ISNUMVISUAL" val="0"/>
-  <p:tag name="KSO_WM_UNIT_DIAGRAM_ISREFERUNIT" val="0"/>
-  <p:tag name="KSO_WM_UNIT_ID" val="_9**"/>
-  <p:tag name="KSO_WM_UNIT_LAYERLEVEL" val="1"/>
-  <p:tag name="KSO_WM_TAG_VERSION" val="1.0"/>
-  <p:tag name="KSO_WM_BEAUTIFY_FLAG" val="#wm#"/>
-</p:tagLst>
-</file>
-
-<file path=ppt/tags/tag46.xml><?xml version="1.0" encoding="utf-8"?>
-<p:tagLst xmlns:p="http://schemas.openxmlformats.org/presentationml/2006/main">
-  <p:tag name="KSO_WM_UNIT_HIGHLIGHT" val="0"/>
-  <p:tag name="KSO_WM_UNIT_COMPATIBLE" val="0"/>
-  <p:tag name="KSO_WM_UNIT_DIAGRAM_ISNUMVISUAL" val="0"/>
-  <p:tag name="KSO_WM_UNIT_DIAGRAM_ISREFERUNIT" val="0"/>
-  <p:tag name="KSO_WM_UNIT_ID" val="_9**"/>
-  <p:tag name="KSO_WM_UNIT_LAYERLEVEL" val="1"/>
-  <p:tag name="KSO_WM_TAG_VERSION" val="1.0"/>
-  <p:tag name="KSO_WM_BEAUTIFY_FLAG" val="#wm#"/>
-</p:tagLst>
-</file>
-
-<file path=ppt/tags/tag47.xml><?xml version="1.0" encoding="utf-8"?>
-<p:tagLst xmlns:p="http://schemas.openxmlformats.org/presentationml/2006/main">
-  <p:tag name="KSO_WM_UNIT_HIGHLIGHT" val="0"/>
-  <p:tag name="KSO_WM_UNIT_COMPATIBLE" val="0"/>
-  <p:tag name="KSO_WM_UNIT_DIAGRAM_ISNUMVISUAL" val="0"/>
-  <p:tag name="KSO_WM_UNIT_DIAGRAM_ISREFERUNIT" val="0"/>
-  <p:tag name="KSO_WM_UNIT_ID" val="_9**"/>
-  <p:tag name="KSO_WM_UNIT_LAYERLEVEL" val="1"/>
-  <p:tag name="KSO_WM_TAG_VERSION" val="1.0"/>
-  <p:tag name="KSO_WM_BEAUTIFY_FLAG" val="#wm#"/>
-</p:tagLst>
-</file>
-
-<file path=ppt/tags/tag48.xml><?xml version="1.0" encoding="utf-8"?>
-<p:tagLst xmlns:p="http://schemas.openxmlformats.org/presentationml/2006/main">
-  <p:tag name="KSO_WM_UNIT_HIGHLIGHT" val="0"/>
-  <p:tag name="KSO_WM_UNIT_COMPATIBLE" val="0"/>
-  <p:tag name="KSO_WM_UNIT_DIAGRAM_ISNUMVISUAL" val="0"/>
-  <p:tag name="KSO_WM_UNIT_DIAGRAM_ISREFERUNIT" val="0"/>
-  <p:tag name="KSO_WM_UNIT_ID" val="_10**"/>
-  <p:tag name="KSO_WM_UNIT_LAYERLEVEL" val="1"/>
-  <p:tag name="KSO_WM_TAG_VERSION" val="1.0"/>
-  <p:tag name="KSO_WM_BEAUTIFY_FLAG" val="#wm#"/>
-</p:tagLst>
-</file>
-
-<file path=ppt/tags/tag49.xml><?xml version="1.0" encoding="utf-8"?>
-<p:tagLst xmlns:p="http://schemas.openxmlformats.org/presentationml/2006/main">
-  <p:tag name="KSO_WM_UNIT_HIGHLIGHT" val="0"/>
-  <p:tag name="KSO_WM_UNIT_COMPATIBLE" val="0"/>
-  <p:tag name="KSO_WM_UNIT_DIAGRAM_ISNUMVISUAL" val="0"/>
-  <p:tag name="KSO_WM_UNIT_DIAGRAM_ISREFERUNIT" val="0"/>
-  <p:tag name="KSO_WM_UNIT_ID" val="_10**"/>
-  <p:tag name="KSO_WM_UNIT_LAYERLEVEL" val="1"/>
-  <p:tag name="KSO_WM_TAG_VERSION" val="1.0"/>
-  <p:tag name="KSO_WM_BEAUTIFY_FLAG" val="#wm#"/>
-</p:tagLst>
-</file>
-
-<file path=ppt/tags/tag5.xml><?xml version="1.0" encoding="utf-8"?>
-<p:tagLst xmlns:p="http://schemas.openxmlformats.org/presentationml/2006/main">
-  <p:tag name="KSO_WM_UNIT_HIGHLIGHT" val="0"/>
-  <p:tag name="KSO_WM_UNIT_COMPATIBLE" val="0"/>
-  <p:tag name="KSO_WM_UNIT_DIAGRAM_ISNUMVISUAL" val="0"/>
-  <p:tag name="KSO_WM_UNIT_DIAGRAM_ISREFERUNIT" val="0"/>
-  <p:tag name="KSO_WM_UNIT_ID" val="_1**"/>
-  <p:tag name="KSO_WM_UNIT_LAYERLEVEL" val="1"/>
-  <p:tag name="KSO_WM_TAG_VERSION" val="1.0"/>
-  <p:tag name="KSO_WM_BEAUTIFY_FLAG" val="#wm#"/>
-</p:tagLst>
-</file>
-
-<file path=ppt/tags/tag50.xml><?xml version="1.0" encoding="utf-8"?>
-<p:tagLst xmlns:p="http://schemas.openxmlformats.org/presentationml/2006/main">
-  <p:tag name="KSO_WM_UNIT_HIGHLIGHT" val="0"/>
-  <p:tag name="KSO_WM_UNIT_COMPATIBLE" val="0"/>
-  <p:tag name="KSO_WM_UNIT_DIAGRAM_ISNUMVISUAL" val="0"/>
-  <p:tag name="KSO_WM_UNIT_DIAGRAM_ISREFERUNIT" val="0"/>
-  <p:tag name="KSO_WM_UNIT_ID" val="_10**"/>
-  <p:tag name="KSO_WM_UNIT_LAYERLEVEL" val="1"/>
-  <p:tag name="KSO_WM_TAG_VERSION" val="1.0"/>
-  <p:tag name="KSO_WM_BEAUTIFY_FLAG" val="#wm#"/>
-</p:tagLst>
-</file>
-
-<file path=ppt/tags/tag51.xml><?xml version="1.0" encoding="utf-8"?>
-<p:tagLst xmlns:p="http://schemas.openxmlformats.org/presentationml/2006/main">
-  <p:tag name="KSO_WM_UNIT_HIGHLIGHT" val="0"/>
-  <p:tag name="KSO_WM_UNIT_COMPATIBLE" val="0"/>
-  <p:tag name="KSO_WM_UNIT_DIAGRAM_ISNUMVISUAL" val="0"/>
-  <p:tag name="KSO_WM_UNIT_DIAGRAM_ISREFERUNIT" val="0"/>
-  <p:tag name="KSO_WM_UNIT_ID" val="_10**"/>
-  <p:tag name="KSO_WM_UNIT_LAYERLEVEL" val="1"/>
-  <p:tag name="KSO_WM_TAG_VERSION" val="1.0"/>
-  <p:tag name="KSO_WM_BEAUTIFY_FLAG" val="#wm#"/>
-</p:tagLst>
-</file>
-
-<file path=ppt/tags/tag52.xml><?xml version="1.0" encoding="utf-8"?>
-<p:tagLst xmlns:p="http://schemas.openxmlformats.org/presentationml/2006/main">
-  <p:tag name="KSO_WM_UNIT_HIGHLIGHT" val="0"/>
-  <p:tag name="KSO_WM_UNIT_COMPATIBLE" val="0"/>
-  <p:tag name="KSO_WM_UNIT_DIAGRAM_ISNUMVISUAL" val="0"/>
-  <p:tag name="KSO_WM_UNIT_DIAGRAM_ISREFERUNIT" val="0"/>
-  <p:tag name="KSO_WM_UNIT_ID" val="_11**"/>
-  <p:tag name="KSO_WM_UNIT_LAYERLEVEL" val="1"/>
-  <p:tag name="KSO_WM_TAG_VERSION" val="1.0"/>
-  <p:tag name="KSO_WM_BEAUTIFY_FLAG" val="#wm#"/>
-</p:tagLst>
-</file>
-
-<file path=ppt/tags/tag53.xml><?xml version="1.0" encoding="utf-8"?>
-<p:tagLst xmlns:p="http://schemas.openxmlformats.org/presentationml/2006/main">
-  <p:tag name="KSO_WM_UNIT_HIGHLIGHT" val="0"/>
-  <p:tag name="KSO_WM_UNIT_COMPATIBLE" val="0"/>
-  <p:tag name="KSO_WM_UNIT_DIAGRAM_ISNUMVISUAL" val="0"/>
-  <p:tag name="KSO_WM_UNIT_DIAGRAM_ISREFERUNIT" val="0"/>
-  <p:tag name="KSO_WM_UNIT_ID" val="_11**"/>
-  <p:tag name="KSO_WM_UNIT_LAYERLEVEL" val="1"/>
-  <p:tag name="KSO_WM_TAG_VERSION" val="1.0"/>
-  <p:tag name="KSO_WM_BEAUTIFY_FLAG" val="#wm#"/>
-</p:tagLst>
-</file>
-
-<file path=ppt/tags/tag54.xml><?xml version="1.0" encoding="utf-8"?>
-<p:tagLst xmlns:p="http://schemas.openxmlformats.org/presentationml/2006/main">
-  <p:tag name="KSO_WM_UNIT_HIGHLIGHT" val="0"/>
-  <p:tag name="KSO_WM_UNIT_COMPATIBLE" val="0"/>
-  <p:tag name="KSO_WM_UNIT_DIAGRAM_ISNUMVISUAL" val="0"/>
-  <p:tag name="KSO_WM_UNIT_DIAGRAM_ISREFERUNIT" val="0"/>
-  <p:tag name="KSO_WM_UNIT_ID" val="_11**"/>
-  <p:tag name="KSO_WM_UNIT_LAYERLEVEL" val="1"/>
-  <p:tag name="KSO_WM_TAG_VERSION" val="1.0"/>
-  <p:tag name="KSO_WM_BEAUTIFY_FLAG" val="#wm#"/>
-</p:tagLst>
-</file>
-
-<file path=ppt/tags/tag55.xml><?xml version="1.0" encoding="utf-8"?>
-<p:tagLst xmlns:p="http://schemas.openxmlformats.org/presentationml/2006/main">
-  <p:tag name="KSO_WM_UNIT_HIGHLIGHT" val="0"/>
-  <p:tag name="KSO_WM_UNIT_COMPATIBLE" val="0"/>
-  <p:tag name="KSO_WM_UNIT_DIAGRAM_ISNUMVISUAL" val="0"/>
-  <p:tag name="KSO_WM_UNIT_DIAGRAM_ISREFERUNIT" val="0"/>
-  <p:tag name="KSO_WM_UNIT_ID" val="_11**"/>
-  <p:tag name="KSO_WM_UNIT_LAYERLEVEL" val="1"/>
-  <p:tag name="KSO_WM_TAG_VERSION" val="1.0"/>
-  <p:tag name="KSO_WM_BEAUTIFY_FLAG" val="#wm#"/>
-</p:tagLst>
-</file>
-
-<file path=ppt/tags/tag56.xml><?xml version="1.0" encoding="utf-8"?>
-<p:tagLst xmlns:p="http://schemas.openxmlformats.org/presentationml/2006/main">
-  <p:tag name="KSO_WM_UNIT_HIGHLIGHT" val="0"/>
-  <p:tag name="KSO_WM_UNIT_COMPATIBLE" val="0"/>
-  <p:tag name="KSO_WM_UNIT_DIAGRAM_ISNUMVISUAL" val="0"/>
-  <p:tag name="KSO_WM_UNIT_DIAGRAM_ISREFERUNIT" val="0"/>
-  <p:tag name="KSO_WM_UNIT_ID" val="_11**"/>
-  <p:tag name="KSO_WM_UNIT_LAYERLEVEL" val="1"/>
-  <p:tag name="KSO_WM_TAG_VERSION" val="1.0"/>
-  <p:tag name="KSO_WM_BEAUTIFY_FLAG" val="#wm#"/>
-</p:tagLst>
-</file>
-
-<file path=ppt/tags/tag57.xml><?xml version="1.0" encoding="utf-8"?>
-<p:tagLst xmlns:p="http://schemas.openxmlformats.org/presentationml/2006/main">
+<p:tagLst xmlns:a="http://schemas.openxmlformats.org/drawingml/2006/main" xmlns:r="http://schemas.openxmlformats.org/officeDocument/2006/relationships" xmlns:p="http://schemas.openxmlformats.org/presentationml/2006/main">
   <p:tag name="KSO_WM_UNIT_HIGHLIGHT" val="0"/>
   <p:tag name="KSO_WM_UNIT_COMPATIBLE" val="0"/>
   <p:tag name="KSO_WM_UNIT_DIAGRAM_ISNUMVISUAL" val="0"/>
@@ -9670,8 +11922,138 @@
 </p:tagLst>
 </file>
 
-<file path=ppt/tags/tag58.xml><?xml version="1.0" encoding="utf-8"?>
-<p:tagLst xmlns:p="http://schemas.openxmlformats.org/presentationml/2006/main">
+<file path=ppt/tags/tag30.xml><?xml version="1.0" encoding="utf-8"?>
+<p:tagLst xmlns:a="http://schemas.openxmlformats.org/drawingml/2006/main" xmlns:r="http://schemas.openxmlformats.org/officeDocument/2006/relationships" xmlns:p="http://schemas.openxmlformats.org/presentationml/2006/main">
+  <p:tag name="KSO_WM_UNIT_HIGHLIGHT" val="0"/>
+  <p:tag name="KSO_WM_UNIT_COMPATIBLE" val="0"/>
+  <p:tag name="KSO_WM_UNIT_DIAGRAM_ISNUMVISUAL" val="0"/>
+  <p:tag name="KSO_WM_UNIT_DIAGRAM_ISREFERUNIT" val="0"/>
+  <p:tag name="KSO_WM_UNIT_ID" val="_5**"/>
+  <p:tag name="KSO_WM_UNIT_LAYERLEVEL" val="1"/>
+  <p:tag name="KSO_WM_TAG_VERSION" val="1.0"/>
+  <p:tag name="KSO_WM_BEAUTIFY_FLAG" val="#wm#"/>
+</p:tagLst>
+</file>
+
+<file path=ppt/tags/tag31.xml><?xml version="1.0" encoding="utf-8"?>
+<p:tagLst xmlns:a="http://schemas.openxmlformats.org/drawingml/2006/main" xmlns:r="http://schemas.openxmlformats.org/officeDocument/2006/relationships" xmlns:p="http://schemas.openxmlformats.org/presentationml/2006/main">
+  <p:tag name="KSO_WM_UNIT_HIGHLIGHT" val="0"/>
+  <p:tag name="KSO_WM_UNIT_COMPATIBLE" val="0"/>
+  <p:tag name="KSO_WM_UNIT_DIAGRAM_ISNUMVISUAL" val="0"/>
+  <p:tag name="KSO_WM_UNIT_DIAGRAM_ISREFERUNIT" val="0"/>
+  <p:tag name="KSO_WM_UNIT_ID" val="_5**"/>
+  <p:tag name="KSO_WM_UNIT_LAYERLEVEL" val="1"/>
+  <p:tag name="KSO_WM_TAG_VERSION" val="1.0"/>
+  <p:tag name="KSO_WM_BEAUTIFY_FLAG" val="#wm#"/>
+</p:tagLst>
+</file>
+
+<file path=ppt/tags/tag32.xml><?xml version="1.0" encoding="utf-8"?>
+<p:tagLst xmlns:a="http://schemas.openxmlformats.org/drawingml/2006/main" xmlns:r="http://schemas.openxmlformats.org/officeDocument/2006/relationships" xmlns:p="http://schemas.openxmlformats.org/presentationml/2006/main">
+  <p:tag name="KSO_WM_UNIT_HIGHLIGHT" val="0"/>
+  <p:tag name="KSO_WM_UNIT_COMPATIBLE" val="0"/>
+  <p:tag name="KSO_WM_UNIT_DIAGRAM_ISNUMVISUAL" val="0"/>
+  <p:tag name="KSO_WM_UNIT_DIAGRAM_ISREFERUNIT" val="0"/>
+  <p:tag name="KSO_WM_UNIT_ID" val="_5**"/>
+  <p:tag name="KSO_WM_UNIT_LAYERLEVEL" val="1"/>
+  <p:tag name="KSO_WM_TAG_VERSION" val="1.0"/>
+  <p:tag name="KSO_WM_BEAUTIFY_FLAG" val="#wm#"/>
+</p:tagLst>
+</file>
+
+<file path=ppt/tags/tag33.xml><?xml version="1.0" encoding="utf-8"?>
+<p:tagLst xmlns:a="http://schemas.openxmlformats.org/drawingml/2006/main" xmlns:r="http://schemas.openxmlformats.org/officeDocument/2006/relationships" xmlns:p="http://schemas.openxmlformats.org/presentationml/2006/main">
+  <p:tag name="KSO_WM_UNIT_HIGHLIGHT" val="0"/>
+  <p:tag name="KSO_WM_UNIT_COMPATIBLE" val="0"/>
+  <p:tag name="KSO_WM_UNIT_DIAGRAM_ISNUMVISUAL" val="0"/>
+  <p:tag name="KSO_WM_UNIT_DIAGRAM_ISREFERUNIT" val="0"/>
+  <p:tag name="KSO_WM_UNIT_ID" val="_5**"/>
+  <p:tag name="KSO_WM_UNIT_LAYERLEVEL" val="1"/>
+  <p:tag name="KSO_WM_TAG_VERSION" val="1.0"/>
+  <p:tag name="KSO_WM_BEAUTIFY_FLAG" val="#wm#"/>
+</p:tagLst>
+</file>
+
+<file path=ppt/tags/tag34.xml><?xml version="1.0" encoding="utf-8"?>
+<p:tagLst xmlns:a="http://schemas.openxmlformats.org/drawingml/2006/main" xmlns:r="http://schemas.openxmlformats.org/officeDocument/2006/relationships" xmlns:p="http://schemas.openxmlformats.org/presentationml/2006/main">
+  <p:tag name="KSO_WM_UNIT_HIGHLIGHT" val="0"/>
+  <p:tag name="KSO_WM_UNIT_COMPATIBLE" val="0"/>
+  <p:tag name="KSO_WM_UNIT_DIAGRAM_ISNUMVISUAL" val="0"/>
+  <p:tag name="KSO_WM_UNIT_DIAGRAM_ISREFERUNIT" val="0"/>
+  <p:tag name="KSO_WM_UNIT_ID" val="_5**"/>
+  <p:tag name="KSO_WM_UNIT_LAYERLEVEL" val="1"/>
+  <p:tag name="KSO_WM_TAG_VERSION" val="1.0"/>
+  <p:tag name="KSO_WM_BEAUTIFY_FLAG" val="#wm#"/>
+</p:tagLst>
+</file>
+
+<file path=ppt/tags/tag35.xml><?xml version="1.0" encoding="utf-8"?>
+<p:tagLst xmlns:a="http://schemas.openxmlformats.org/drawingml/2006/main" xmlns:r="http://schemas.openxmlformats.org/officeDocument/2006/relationships" xmlns:p="http://schemas.openxmlformats.org/presentationml/2006/main">
+  <p:tag name="KSO_WM_UNIT_HIGHLIGHT" val="0"/>
+  <p:tag name="KSO_WM_UNIT_COMPATIBLE" val="0"/>
+  <p:tag name="KSO_WM_UNIT_DIAGRAM_ISNUMVISUAL" val="0"/>
+  <p:tag name="KSO_WM_UNIT_DIAGRAM_ISREFERUNIT" val="0"/>
+  <p:tag name="KSO_WM_UNIT_ID" val="_5**"/>
+  <p:tag name="KSO_WM_UNIT_LAYERLEVEL" val="1"/>
+  <p:tag name="KSO_WM_TAG_VERSION" val="1.0"/>
+  <p:tag name="KSO_WM_BEAUTIFY_FLAG" val="#wm#"/>
+</p:tagLst>
+</file>
+
+<file path=ppt/tags/tag36.xml><?xml version="1.0" encoding="utf-8"?>
+<p:tagLst xmlns:a="http://schemas.openxmlformats.org/drawingml/2006/main" xmlns:r="http://schemas.openxmlformats.org/officeDocument/2006/relationships" xmlns:p="http://schemas.openxmlformats.org/presentationml/2006/main">
+  <p:tag name="KSO_WM_UNIT_HIGHLIGHT" val="0"/>
+  <p:tag name="KSO_WM_UNIT_COMPATIBLE" val="0"/>
+  <p:tag name="KSO_WM_UNIT_DIAGRAM_ISNUMVISUAL" val="0"/>
+  <p:tag name="KSO_WM_UNIT_DIAGRAM_ISREFERUNIT" val="0"/>
+  <p:tag name="KSO_WM_UNIT_ID" val="_5**"/>
+  <p:tag name="KSO_WM_UNIT_LAYERLEVEL" val="1"/>
+  <p:tag name="KSO_WM_TAG_VERSION" val="1.0"/>
+  <p:tag name="KSO_WM_BEAUTIFY_FLAG" val="#wm#"/>
+</p:tagLst>
+</file>
+
+<file path=ppt/tags/tag37.xml><?xml version="1.0" encoding="utf-8"?>
+<p:tagLst xmlns:a="http://schemas.openxmlformats.org/drawingml/2006/main" xmlns:r="http://schemas.openxmlformats.org/officeDocument/2006/relationships" xmlns:p="http://schemas.openxmlformats.org/presentationml/2006/main">
+  <p:tag name="KSO_WM_UNIT_HIGHLIGHT" val="0"/>
+  <p:tag name="KSO_WM_UNIT_COMPATIBLE" val="0"/>
+  <p:tag name="KSO_WM_UNIT_DIAGRAM_ISNUMVISUAL" val="0"/>
+  <p:tag name="KSO_WM_UNIT_DIAGRAM_ISREFERUNIT" val="0"/>
+  <p:tag name="KSO_WM_UNIT_ID" val="_6**"/>
+  <p:tag name="KSO_WM_UNIT_LAYERLEVEL" val="1"/>
+  <p:tag name="KSO_WM_TAG_VERSION" val="1.0"/>
+  <p:tag name="KSO_WM_BEAUTIFY_FLAG" val="#wm#"/>
+</p:tagLst>
+</file>
+
+<file path=ppt/tags/tag38.xml><?xml version="1.0" encoding="utf-8"?>
+<p:tagLst xmlns:a="http://schemas.openxmlformats.org/drawingml/2006/main" xmlns:r="http://schemas.openxmlformats.org/officeDocument/2006/relationships" xmlns:p="http://schemas.openxmlformats.org/presentationml/2006/main">
+  <p:tag name="KSO_WM_UNIT_HIGHLIGHT" val="0"/>
+  <p:tag name="KSO_WM_UNIT_COMPATIBLE" val="0"/>
+  <p:tag name="KSO_WM_UNIT_DIAGRAM_ISNUMVISUAL" val="0"/>
+  <p:tag name="KSO_WM_UNIT_DIAGRAM_ISREFERUNIT" val="0"/>
+  <p:tag name="KSO_WM_UNIT_ID" val="_6**"/>
+  <p:tag name="KSO_WM_UNIT_LAYERLEVEL" val="1"/>
+  <p:tag name="KSO_WM_TAG_VERSION" val="1.0"/>
+  <p:tag name="KSO_WM_BEAUTIFY_FLAG" val="#wm#"/>
+</p:tagLst>
+</file>
+
+<file path=ppt/tags/tag39.xml><?xml version="1.0" encoding="utf-8"?>
+<p:tagLst xmlns:a="http://schemas.openxmlformats.org/drawingml/2006/main" xmlns:r="http://schemas.openxmlformats.org/officeDocument/2006/relationships" xmlns:p="http://schemas.openxmlformats.org/presentationml/2006/main">
+  <p:tag name="KSO_WM_UNIT_HIGHLIGHT" val="0"/>
+  <p:tag name="KSO_WM_UNIT_COMPATIBLE" val="0"/>
+  <p:tag name="KSO_WM_UNIT_DIAGRAM_ISNUMVISUAL" val="0"/>
+  <p:tag name="KSO_WM_UNIT_DIAGRAM_ISREFERUNIT" val="0"/>
+  <p:tag name="KSO_WM_UNIT_ID" val="_6**"/>
+  <p:tag name="KSO_WM_UNIT_LAYERLEVEL" val="1"/>
+  <p:tag name="KSO_WM_TAG_VERSION" val="1.0"/>
+  <p:tag name="KSO_WM_BEAUTIFY_FLAG" val="#wm#"/>
+</p:tagLst>
+</file>
+
+<file path=ppt/tags/tag4.xml><?xml version="1.0" encoding="utf-8"?>
+<p:tagLst xmlns:a="http://schemas.openxmlformats.org/drawingml/2006/main" xmlns:r="http://schemas.openxmlformats.org/officeDocument/2006/relationships" xmlns:p="http://schemas.openxmlformats.org/presentationml/2006/main">
   <p:tag name="KSO_WM_UNIT_HIGHLIGHT" val="0"/>
   <p:tag name="KSO_WM_UNIT_COMPATIBLE" val="0"/>
   <p:tag name="KSO_WM_UNIT_DIAGRAM_ISNUMVISUAL" val="0"/>
@@ -9685,8 +12067,138 @@
 </p:tagLst>
 </file>
 
-<file path=ppt/tags/tag59.xml><?xml version="1.0" encoding="utf-8"?>
-<p:tagLst xmlns:p="http://schemas.openxmlformats.org/presentationml/2006/main">
+<file path=ppt/tags/tag40.xml><?xml version="1.0" encoding="utf-8"?>
+<p:tagLst xmlns:a="http://schemas.openxmlformats.org/drawingml/2006/main" xmlns:r="http://schemas.openxmlformats.org/officeDocument/2006/relationships" xmlns:p="http://schemas.openxmlformats.org/presentationml/2006/main">
+  <p:tag name="KSO_WM_UNIT_HIGHLIGHT" val="0"/>
+  <p:tag name="KSO_WM_UNIT_COMPATIBLE" val="0"/>
+  <p:tag name="KSO_WM_UNIT_DIAGRAM_ISNUMVISUAL" val="0"/>
+  <p:tag name="KSO_WM_UNIT_DIAGRAM_ISREFERUNIT" val="0"/>
+  <p:tag name="KSO_WM_UNIT_ID" val="_6**"/>
+  <p:tag name="KSO_WM_UNIT_LAYERLEVEL" val="1"/>
+  <p:tag name="KSO_WM_TAG_VERSION" val="1.0"/>
+  <p:tag name="KSO_WM_BEAUTIFY_FLAG" val="#wm#"/>
+</p:tagLst>
+</file>
+
+<file path=ppt/tags/tag41.xml><?xml version="1.0" encoding="utf-8"?>
+<p:tagLst xmlns:a="http://schemas.openxmlformats.org/drawingml/2006/main" xmlns:r="http://schemas.openxmlformats.org/officeDocument/2006/relationships" xmlns:p="http://schemas.openxmlformats.org/presentationml/2006/main">
+  <p:tag name="KSO_WM_UNIT_HIGHLIGHT" val="0"/>
+  <p:tag name="KSO_WM_UNIT_COMPATIBLE" val="0"/>
+  <p:tag name="KSO_WM_UNIT_DIAGRAM_ISNUMVISUAL" val="0"/>
+  <p:tag name="KSO_WM_UNIT_DIAGRAM_ISREFERUNIT" val="0"/>
+  <p:tag name="KSO_WM_UNIT_ID" val="_7**"/>
+  <p:tag name="KSO_WM_UNIT_LAYERLEVEL" val="1"/>
+  <p:tag name="KSO_WM_TAG_VERSION" val="1.0"/>
+  <p:tag name="KSO_WM_BEAUTIFY_FLAG" val="#wm#"/>
+</p:tagLst>
+</file>
+
+<file path=ppt/tags/tag42.xml><?xml version="1.0" encoding="utf-8"?>
+<p:tagLst xmlns:a="http://schemas.openxmlformats.org/drawingml/2006/main" xmlns:r="http://schemas.openxmlformats.org/officeDocument/2006/relationships" xmlns:p="http://schemas.openxmlformats.org/presentationml/2006/main">
+  <p:tag name="KSO_WM_UNIT_HIGHLIGHT" val="0"/>
+  <p:tag name="KSO_WM_UNIT_COMPATIBLE" val="0"/>
+  <p:tag name="KSO_WM_UNIT_DIAGRAM_ISNUMVISUAL" val="0"/>
+  <p:tag name="KSO_WM_UNIT_DIAGRAM_ISREFERUNIT" val="0"/>
+  <p:tag name="KSO_WM_UNIT_ID" val="_7**"/>
+  <p:tag name="KSO_WM_UNIT_LAYERLEVEL" val="1"/>
+  <p:tag name="KSO_WM_TAG_VERSION" val="1.0"/>
+  <p:tag name="KSO_WM_BEAUTIFY_FLAG" val="#wm#"/>
+</p:tagLst>
+</file>
+
+<file path=ppt/tags/tag43.xml><?xml version="1.0" encoding="utf-8"?>
+<p:tagLst xmlns:a="http://schemas.openxmlformats.org/drawingml/2006/main" xmlns:r="http://schemas.openxmlformats.org/officeDocument/2006/relationships" xmlns:p="http://schemas.openxmlformats.org/presentationml/2006/main">
+  <p:tag name="KSO_WM_UNIT_HIGHLIGHT" val="0"/>
+  <p:tag name="KSO_WM_UNIT_COMPATIBLE" val="0"/>
+  <p:tag name="KSO_WM_UNIT_DIAGRAM_ISNUMVISUAL" val="0"/>
+  <p:tag name="KSO_WM_UNIT_DIAGRAM_ISREFERUNIT" val="0"/>
+  <p:tag name="KSO_WM_UNIT_ID" val="_7**"/>
+  <p:tag name="KSO_WM_UNIT_LAYERLEVEL" val="1"/>
+  <p:tag name="KSO_WM_TAG_VERSION" val="1.0"/>
+  <p:tag name="KSO_WM_BEAUTIFY_FLAG" val="#wm#"/>
+</p:tagLst>
+</file>
+
+<file path=ppt/tags/tag44.xml><?xml version="1.0" encoding="utf-8"?>
+<p:tagLst xmlns:a="http://schemas.openxmlformats.org/drawingml/2006/main" xmlns:r="http://schemas.openxmlformats.org/officeDocument/2006/relationships" xmlns:p="http://schemas.openxmlformats.org/presentationml/2006/main">
+  <p:tag name="KSO_WM_UNIT_HIGHLIGHT" val="0"/>
+  <p:tag name="KSO_WM_UNIT_COMPATIBLE" val="0"/>
+  <p:tag name="KSO_WM_UNIT_DIAGRAM_ISNUMVISUAL" val="0"/>
+  <p:tag name="KSO_WM_UNIT_DIAGRAM_ISREFERUNIT" val="0"/>
+  <p:tag name="KSO_WM_UNIT_ID" val="_8**"/>
+  <p:tag name="KSO_WM_UNIT_LAYERLEVEL" val="1"/>
+  <p:tag name="KSO_WM_TAG_VERSION" val="1.0"/>
+  <p:tag name="KSO_WM_BEAUTIFY_FLAG" val="#wm#"/>
+</p:tagLst>
+</file>
+
+<file path=ppt/tags/tag45.xml><?xml version="1.0" encoding="utf-8"?>
+<p:tagLst xmlns:a="http://schemas.openxmlformats.org/drawingml/2006/main" xmlns:r="http://schemas.openxmlformats.org/officeDocument/2006/relationships" xmlns:p="http://schemas.openxmlformats.org/presentationml/2006/main">
+  <p:tag name="KSO_WM_UNIT_HIGHLIGHT" val="0"/>
+  <p:tag name="KSO_WM_UNIT_COMPATIBLE" val="0"/>
+  <p:tag name="KSO_WM_UNIT_DIAGRAM_ISNUMVISUAL" val="0"/>
+  <p:tag name="KSO_WM_UNIT_DIAGRAM_ISREFERUNIT" val="0"/>
+  <p:tag name="KSO_WM_UNIT_ID" val="_8**"/>
+  <p:tag name="KSO_WM_UNIT_LAYERLEVEL" val="1"/>
+  <p:tag name="KSO_WM_TAG_VERSION" val="1.0"/>
+  <p:tag name="KSO_WM_BEAUTIFY_FLAG" val="#wm#"/>
+</p:tagLst>
+</file>
+
+<file path=ppt/tags/tag46.xml><?xml version="1.0" encoding="utf-8"?>
+<p:tagLst xmlns:a="http://schemas.openxmlformats.org/drawingml/2006/main" xmlns:r="http://schemas.openxmlformats.org/officeDocument/2006/relationships" xmlns:p="http://schemas.openxmlformats.org/presentationml/2006/main">
+  <p:tag name="KSO_WM_UNIT_HIGHLIGHT" val="0"/>
+  <p:tag name="KSO_WM_UNIT_COMPATIBLE" val="0"/>
+  <p:tag name="KSO_WM_UNIT_DIAGRAM_ISNUMVISUAL" val="0"/>
+  <p:tag name="KSO_WM_UNIT_DIAGRAM_ISREFERUNIT" val="0"/>
+  <p:tag name="KSO_WM_UNIT_ID" val="_8**"/>
+  <p:tag name="KSO_WM_UNIT_LAYERLEVEL" val="1"/>
+  <p:tag name="KSO_WM_TAG_VERSION" val="1.0"/>
+  <p:tag name="KSO_WM_BEAUTIFY_FLAG" val="#wm#"/>
+</p:tagLst>
+</file>
+
+<file path=ppt/tags/tag47.xml><?xml version="1.0" encoding="utf-8"?>
+<p:tagLst xmlns:a="http://schemas.openxmlformats.org/drawingml/2006/main" xmlns:r="http://schemas.openxmlformats.org/officeDocument/2006/relationships" xmlns:p="http://schemas.openxmlformats.org/presentationml/2006/main">
+  <p:tag name="KSO_WM_UNIT_HIGHLIGHT" val="0"/>
+  <p:tag name="KSO_WM_UNIT_COMPATIBLE" val="0"/>
+  <p:tag name="KSO_WM_UNIT_DIAGRAM_ISNUMVISUAL" val="0"/>
+  <p:tag name="KSO_WM_UNIT_DIAGRAM_ISREFERUNIT" val="0"/>
+  <p:tag name="KSO_WM_UNIT_ID" val="_8**"/>
+  <p:tag name="KSO_WM_UNIT_LAYERLEVEL" val="1"/>
+  <p:tag name="KSO_WM_TAG_VERSION" val="1.0"/>
+  <p:tag name="KSO_WM_BEAUTIFY_FLAG" val="#wm#"/>
+</p:tagLst>
+</file>
+
+<file path=ppt/tags/tag48.xml><?xml version="1.0" encoding="utf-8"?>
+<p:tagLst xmlns:a="http://schemas.openxmlformats.org/drawingml/2006/main" xmlns:r="http://schemas.openxmlformats.org/officeDocument/2006/relationships" xmlns:p="http://schemas.openxmlformats.org/presentationml/2006/main">
+  <p:tag name="KSO_WM_UNIT_HIGHLIGHT" val="0"/>
+  <p:tag name="KSO_WM_UNIT_COMPATIBLE" val="0"/>
+  <p:tag name="KSO_WM_UNIT_DIAGRAM_ISNUMVISUAL" val="0"/>
+  <p:tag name="KSO_WM_UNIT_DIAGRAM_ISREFERUNIT" val="0"/>
+  <p:tag name="KSO_WM_UNIT_ID" val="_8**"/>
+  <p:tag name="KSO_WM_UNIT_LAYERLEVEL" val="1"/>
+  <p:tag name="KSO_WM_TAG_VERSION" val="1.0"/>
+  <p:tag name="KSO_WM_BEAUTIFY_FLAG" val="#wm#"/>
+</p:tagLst>
+</file>
+
+<file path=ppt/tags/tag49.xml><?xml version="1.0" encoding="utf-8"?>
+<p:tagLst xmlns:a="http://schemas.openxmlformats.org/drawingml/2006/main" xmlns:r="http://schemas.openxmlformats.org/officeDocument/2006/relationships" xmlns:p="http://schemas.openxmlformats.org/presentationml/2006/main">
+  <p:tag name="KSO_WM_UNIT_HIGHLIGHT" val="0"/>
+  <p:tag name="KSO_WM_UNIT_COMPATIBLE" val="0"/>
+  <p:tag name="KSO_WM_UNIT_DIAGRAM_ISNUMVISUAL" val="0"/>
+  <p:tag name="KSO_WM_UNIT_DIAGRAM_ISREFERUNIT" val="0"/>
+  <p:tag name="KSO_WM_UNIT_ID" val="_8**"/>
+  <p:tag name="KSO_WM_UNIT_LAYERLEVEL" val="1"/>
+  <p:tag name="KSO_WM_TAG_VERSION" val="1.0"/>
+  <p:tag name="KSO_WM_BEAUTIFY_FLAG" val="#wm#"/>
+</p:tagLst>
+</file>
+
+<file path=ppt/tags/tag5.xml><?xml version="1.0" encoding="utf-8"?>
+<p:tagLst xmlns:a="http://schemas.openxmlformats.org/drawingml/2006/main" xmlns:r="http://schemas.openxmlformats.org/officeDocument/2006/relationships" xmlns:p="http://schemas.openxmlformats.org/presentationml/2006/main">
   <p:tag name="KSO_WM_UNIT_HIGHLIGHT" val="0"/>
   <p:tag name="KSO_WM_UNIT_COMPATIBLE" val="0"/>
   <p:tag name="KSO_WM_UNIT_DIAGRAM_ISNUMVISUAL" val="0"/>
@@ -9698,21 +12210,138 @@
 </p:tagLst>
 </file>
 
-<file path=ppt/tags/tag6.xml><?xml version="1.0" encoding="utf-8"?>
-<p:tagLst xmlns:p="http://schemas.openxmlformats.org/presentationml/2006/main">
+<file path=ppt/tags/tag50.xml><?xml version="1.0" encoding="utf-8"?>
+<p:tagLst xmlns:a="http://schemas.openxmlformats.org/drawingml/2006/main" xmlns:r="http://schemas.openxmlformats.org/officeDocument/2006/relationships" xmlns:p="http://schemas.openxmlformats.org/presentationml/2006/main">
   <p:tag name="KSO_WM_UNIT_HIGHLIGHT" val="0"/>
   <p:tag name="KSO_WM_UNIT_COMPATIBLE" val="0"/>
   <p:tag name="KSO_WM_UNIT_DIAGRAM_ISNUMVISUAL" val="0"/>
   <p:tag name="KSO_WM_UNIT_DIAGRAM_ISREFERUNIT" val="0"/>
-  <p:tag name="KSO_WM_UNIT_ID" val="_2**"/>
+  <p:tag name="KSO_WM_UNIT_ID" val="_9**"/>
   <p:tag name="KSO_WM_UNIT_LAYERLEVEL" val="1"/>
   <p:tag name="KSO_WM_TAG_VERSION" val="1.0"/>
   <p:tag name="KSO_WM_BEAUTIFY_FLAG" val="#wm#"/>
 </p:tagLst>
 </file>
 
-<file path=ppt/tags/tag60.xml><?xml version="1.0" encoding="utf-8"?>
-<p:tagLst xmlns:p="http://schemas.openxmlformats.org/presentationml/2006/main">
+<file path=ppt/tags/tag51.xml><?xml version="1.0" encoding="utf-8"?>
+<p:tagLst xmlns:a="http://schemas.openxmlformats.org/drawingml/2006/main" xmlns:r="http://schemas.openxmlformats.org/officeDocument/2006/relationships" xmlns:p="http://schemas.openxmlformats.org/presentationml/2006/main">
+  <p:tag name="KSO_WM_UNIT_HIGHLIGHT" val="0"/>
+  <p:tag name="KSO_WM_UNIT_COMPATIBLE" val="0"/>
+  <p:tag name="KSO_WM_UNIT_DIAGRAM_ISNUMVISUAL" val="0"/>
+  <p:tag name="KSO_WM_UNIT_DIAGRAM_ISREFERUNIT" val="0"/>
+  <p:tag name="KSO_WM_UNIT_ID" val="_9**"/>
+  <p:tag name="KSO_WM_UNIT_LAYERLEVEL" val="1"/>
+  <p:tag name="KSO_WM_TAG_VERSION" val="1.0"/>
+  <p:tag name="KSO_WM_BEAUTIFY_FLAG" val="#wm#"/>
+</p:tagLst>
+</file>
+
+<file path=ppt/tags/tag52.xml><?xml version="1.0" encoding="utf-8"?>
+<p:tagLst xmlns:a="http://schemas.openxmlformats.org/drawingml/2006/main" xmlns:r="http://schemas.openxmlformats.org/officeDocument/2006/relationships" xmlns:p="http://schemas.openxmlformats.org/presentationml/2006/main">
+  <p:tag name="KSO_WM_UNIT_HIGHLIGHT" val="0"/>
+  <p:tag name="KSO_WM_UNIT_COMPATIBLE" val="0"/>
+  <p:tag name="KSO_WM_UNIT_DIAGRAM_ISNUMVISUAL" val="0"/>
+  <p:tag name="KSO_WM_UNIT_DIAGRAM_ISREFERUNIT" val="0"/>
+  <p:tag name="KSO_WM_UNIT_ID" val="_9**"/>
+  <p:tag name="KSO_WM_UNIT_LAYERLEVEL" val="1"/>
+  <p:tag name="KSO_WM_TAG_VERSION" val="1.0"/>
+  <p:tag name="KSO_WM_BEAUTIFY_FLAG" val="#wm#"/>
+</p:tagLst>
+</file>
+
+<file path=ppt/tags/tag53.xml><?xml version="1.0" encoding="utf-8"?>
+<p:tagLst xmlns:a="http://schemas.openxmlformats.org/drawingml/2006/main" xmlns:r="http://schemas.openxmlformats.org/officeDocument/2006/relationships" xmlns:p="http://schemas.openxmlformats.org/presentationml/2006/main">
+  <p:tag name="KSO_WM_UNIT_HIGHLIGHT" val="0"/>
+  <p:tag name="KSO_WM_UNIT_COMPATIBLE" val="0"/>
+  <p:tag name="KSO_WM_UNIT_DIAGRAM_ISNUMVISUAL" val="0"/>
+  <p:tag name="KSO_WM_UNIT_DIAGRAM_ISREFERUNIT" val="0"/>
+  <p:tag name="KSO_WM_UNIT_ID" val="_9**"/>
+  <p:tag name="KSO_WM_UNIT_LAYERLEVEL" val="1"/>
+  <p:tag name="KSO_WM_TAG_VERSION" val="1.0"/>
+  <p:tag name="KSO_WM_BEAUTIFY_FLAG" val="#wm#"/>
+</p:tagLst>
+</file>
+
+<file path=ppt/tags/tag54.xml><?xml version="1.0" encoding="utf-8"?>
+<p:tagLst xmlns:a="http://schemas.openxmlformats.org/drawingml/2006/main" xmlns:r="http://schemas.openxmlformats.org/officeDocument/2006/relationships" xmlns:p="http://schemas.openxmlformats.org/presentationml/2006/main">
+  <p:tag name="KSO_WM_UNIT_HIGHLIGHT" val="0"/>
+  <p:tag name="KSO_WM_UNIT_COMPATIBLE" val="0"/>
+  <p:tag name="KSO_WM_UNIT_DIAGRAM_ISNUMVISUAL" val="0"/>
+  <p:tag name="KSO_WM_UNIT_DIAGRAM_ISREFERUNIT" val="0"/>
+  <p:tag name="KSO_WM_UNIT_ID" val="_9**"/>
+  <p:tag name="KSO_WM_UNIT_LAYERLEVEL" val="1"/>
+  <p:tag name="KSO_WM_TAG_VERSION" val="1.0"/>
+  <p:tag name="KSO_WM_BEAUTIFY_FLAG" val="#wm#"/>
+</p:tagLst>
+</file>
+
+<file path=ppt/tags/tag55.xml><?xml version="1.0" encoding="utf-8"?>
+<p:tagLst xmlns:a="http://schemas.openxmlformats.org/drawingml/2006/main" xmlns:r="http://schemas.openxmlformats.org/officeDocument/2006/relationships" xmlns:p="http://schemas.openxmlformats.org/presentationml/2006/main">
+  <p:tag name="KSO_WM_UNIT_HIGHLIGHT" val="0"/>
+  <p:tag name="KSO_WM_UNIT_COMPATIBLE" val="0"/>
+  <p:tag name="KSO_WM_UNIT_DIAGRAM_ISNUMVISUAL" val="0"/>
+  <p:tag name="KSO_WM_UNIT_DIAGRAM_ISREFERUNIT" val="0"/>
+  <p:tag name="KSO_WM_UNIT_ID" val="_10**"/>
+  <p:tag name="KSO_WM_UNIT_LAYERLEVEL" val="1"/>
+  <p:tag name="KSO_WM_TAG_VERSION" val="1.0"/>
+  <p:tag name="KSO_WM_BEAUTIFY_FLAG" val="#wm#"/>
+</p:tagLst>
+</file>
+
+<file path=ppt/tags/tag56.xml><?xml version="1.0" encoding="utf-8"?>
+<p:tagLst xmlns:a="http://schemas.openxmlformats.org/drawingml/2006/main" xmlns:r="http://schemas.openxmlformats.org/officeDocument/2006/relationships" xmlns:p="http://schemas.openxmlformats.org/presentationml/2006/main">
+  <p:tag name="KSO_WM_UNIT_HIGHLIGHT" val="0"/>
+  <p:tag name="KSO_WM_UNIT_COMPATIBLE" val="0"/>
+  <p:tag name="KSO_WM_UNIT_DIAGRAM_ISNUMVISUAL" val="0"/>
+  <p:tag name="KSO_WM_UNIT_DIAGRAM_ISREFERUNIT" val="0"/>
+  <p:tag name="KSO_WM_UNIT_ID" val="_10**"/>
+  <p:tag name="KSO_WM_UNIT_LAYERLEVEL" val="1"/>
+  <p:tag name="KSO_WM_TAG_VERSION" val="1.0"/>
+  <p:tag name="KSO_WM_BEAUTIFY_FLAG" val="#wm#"/>
+</p:tagLst>
+</file>
+
+<file path=ppt/tags/tag57.xml><?xml version="1.0" encoding="utf-8"?>
+<p:tagLst xmlns:a="http://schemas.openxmlformats.org/drawingml/2006/main" xmlns:r="http://schemas.openxmlformats.org/officeDocument/2006/relationships" xmlns:p="http://schemas.openxmlformats.org/presentationml/2006/main">
+  <p:tag name="KSO_WM_UNIT_HIGHLIGHT" val="0"/>
+  <p:tag name="KSO_WM_UNIT_COMPATIBLE" val="0"/>
+  <p:tag name="KSO_WM_UNIT_DIAGRAM_ISNUMVISUAL" val="0"/>
+  <p:tag name="KSO_WM_UNIT_DIAGRAM_ISREFERUNIT" val="0"/>
+  <p:tag name="KSO_WM_UNIT_ID" val="_10**"/>
+  <p:tag name="KSO_WM_UNIT_LAYERLEVEL" val="1"/>
+  <p:tag name="KSO_WM_TAG_VERSION" val="1.0"/>
+  <p:tag name="KSO_WM_BEAUTIFY_FLAG" val="#wm#"/>
+</p:tagLst>
+</file>
+
+<file path=ppt/tags/tag58.xml><?xml version="1.0" encoding="utf-8"?>
+<p:tagLst xmlns:a="http://schemas.openxmlformats.org/drawingml/2006/main" xmlns:r="http://schemas.openxmlformats.org/officeDocument/2006/relationships" xmlns:p="http://schemas.openxmlformats.org/presentationml/2006/main">
+  <p:tag name="KSO_WM_UNIT_HIGHLIGHT" val="0"/>
+  <p:tag name="KSO_WM_UNIT_COMPATIBLE" val="0"/>
+  <p:tag name="KSO_WM_UNIT_DIAGRAM_ISNUMVISUAL" val="0"/>
+  <p:tag name="KSO_WM_UNIT_DIAGRAM_ISREFERUNIT" val="0"/>
+  <p:tag name="KSO_WM_UNIT_ID" val="_10**"/>
+  <p:tag name="KSO_WM_UNIT_LAYERLEVEL" val="1"/>
+  <p:tag name="KSO_WM_TAG_VERSION" val="1.0"/>
+  <p:tag name="KSO_WM_BEAUTIFY_FLAG" val="#wm#"/>
+</p:tagLst>
+</file>
+
+<file path=ppt/tags/tag59.xml><?xml version="1.0" encoding="utf-8"?>
+<p:tagLst xmlns:a="http://schemas.openxmlformats.org/drawingml/2006/main" xmlns:r="http://schemas.openxmlformats.org/officeDocument/2006/relationships" xmlns:p="http://schemas.openxmlformats.org/presentationml/2006/main">
+  <p:tag name="KSO_WM_UNIT_HIGHLIGHT" val="0"/>
+  <p:tag name="KSO_WM_UNIT_COMPATIBLE" val="0"/>
+  <p:tag name="KSO_WM_UNIT_DIAGRAM_ISNUMVISUAL" val="0"/>
+  <p:tag name="KSO_WM_UNIT_DIAGRAM_ISREFERUNIT" val="0"/>
+  <p:tag name="KSO_WM_UNIT_ID" val="_11**"/>
+  <p:tag name="KSO_WM_UNIT_LAYERLEVEL" val="1"/>
+  <p:tag name="KSO_WM_TAG_VERSION" val="1.0"/>
+  <p:tag name="KSO_WM_BEAUTIFY_FLAG" val="#wm#"/>
+</p:tagLst>
+</file>
+
+<file path=ppt/tags/tag6.xml><?xml version="1.0" encoding="utf-8"?>
+<p:tagLst xmlns:a="http://schemas.openxmlformats.org/drawingml/2006/main" xmlns:r="http://schemas.openxmlformats.org/officeDocument/2006/relationships" xmlns:p="http://schemas.openxmlformats.org/presentationml/2006/main">
   <p:tag name="KSO_WM_UNIT_HIGHLIGHT" val="0"/>
   <p:tag name="KSO_WM_UNIT_COMPATIBLE" val="0"/>
   <p:tag name="KSO_WM_UNIT_DIAGRAM_ISNUMVISUAL" val="0"/>
@@ -9724,8 +12353,98 @@
 </p:tagLst>
 </file>
 
+<file path=ppt/tags/tag60.xml><?xml version="1.0" encoding="utf-8"?>
+<p:tagLst xmlns:a="http://schemas.openxmlformats.org/drawingml/2006/main" xmlns:r="http://schemas.openxmlformats.org/officeDocument/2006/relationships" xmlns:p="http://schemas.openxmlformats.org/presentationml/2006/main">
+  <p:tag name="KSO_WM_UNIT_HIGHLIGHT" val="0"/>
+  <p:tag name="KSO_WM_UNIT_COMPATIBLE" val="0"/>
+  <p:tag name="KSO_WM_UNIT_DIAGRAM_ISNUMVISUAL" val="0"/>
+  <p:tag name="KSO_WM_UNIT_DIAGRAM_ISREFERUNIT" val="0"/>
+  <p:tag name="KSO_WM_UNIT_ID" val="_11**"/>
+  <p:tag name="KSO_WM_UNIT_LAYERLEVEL" val="1"/>
+  <p:tag name="KSO_WM_TAG_VERSION" val="1.0"/>
+  <p:tag name="KSO_WM_BEAUTIFY_FLAG" val="#wm#"/>
+</p:tagLst>
+</file>
+
 <file path=ppt/tags/tag61.xml><?xml version="1.0" encoding="utf-8"?>
-<p:tagLst xmlns:p="http://schemas.openxmlformats.org/presentationml/2006/main">
+<p:tagLst xmlns:a="http://schemas.openxmlformats.org/drawingml/2006/main" xmlns:r="http://schemas.openxmlformats.org/officeDocument/2006/relationships" xmlns:p="http://schemas.openxmlformats.org/presentationml/2006/main">
+  <p:tag name="KSO_WM_UNIT_HIGHLIGHT" val="0"/>
+  <p:tag name="KSO_WM_UNIT_COMPATIBLE" val="0"/>
+  <p:tag name="KSO_WM_UNIT_DIAGRAM_ISNUMVISUAL" val="0"/>
+  <p:tag name="KSO_WM_UNIT_DIAGRAM_ISREFERUNIT" val="0"/>
+  <p:tag name="KSO_WM_UNIT_ID" val="_11**"/>
+  <p:tag name="KSO_WM_UNIT_LAYERLEVEL" val="1"/>
+  <p:tag name="KSO_WM_TAG_VERSION" val="1.0"/>
+  <p:tag name="KSO_WM_BEAUTIFY_FLAG" val="#wm#"/>
+</p:tagLst>
+</file>
+
+<file path=ppt/tags/tag62.xml><?xml version="1.0" encoding="utf-8"?>
+<p:tagLst xmlns:a="http://schemas.openxmlformats.org/drawingml/2006/main" xmlns:r="http://schemas.openxmlformats.org/officeDocument/2006/relationships" xmlns:p="http://schemas.openxmlformats.org/presentationml/2006/main">
+  <p:tag name="KSO_WM_UNIT_HIGHLIGHT" val="0"/>
+  <p:tag name="KSO_WM_UNIT_COMPATIBLE" val="0"/>
+  <p:tag name="KSO_WM_UNIT_DIAGRAM_ISNUMVISUAL" val="0"/>
+  <p:tag name="KSO_WM_UNIT_DIAGRAM_ISREFERUNIT" val="0"/>
+  <p:tag name="KSO_WM_UNIT_ID" val="_11**"/>
+  <p:tag name="KSO_WM_UNIT_LAYERLEVEL" val="1"/>
+  <p:tag name="KSO_WM_TAG_VERSION" val="1.0"/>
+  <p:tag name="KSO_WM_BEAUTIFY_FLAG" val="#wm#"/>
+</p:tagLst>
+</file>
+
+<file path=ppt/tags/tag63.xml><?xml version="1.0" encoding="utf-8"?>
+<p:tagLst xmlns:a="http://schemas.openxmlformats.org/drawingml/2006/main" xmlns:r="http://schemas.openxmlformats.org/officeDocument/2006/relationships" xmlns:p="http://schemas.openxmlformats.org/presentationml/2006/main">
+  <p:tag name="KSO_WM_UNIT_HIGHLIGHT" val="0"/>
+  <p:tag name="KSO_WM_UNIT_COMPATIBLE" val="0"/>
+  <p:tag name="KSO_WM_UNIT_DIAGRAM_ISNUMVISUAL" val="0"/>
+  <p:tag name="KSO_WM_UNIT_DIAGRAM_ISREFERUNIT" val="0"/>
+  <p:tag name="KSO_WM_UNIT_ID" val="_11**"/>
+  <p:tag name="KSO_WM_UNIT_LAYERLEVEL" val="1"/>
+  <p:tag name="KSO_WM_TAG_VERSION" val="1.0"/>
+  <p:tag name="KSO_WM_BEAUTIFY_FLAG" val="#wm#"/>
+</p:tagLst>
+</file>
+
+<file path=ppt/tags/tag64.xml><?xml version="1.0" encoding="utf-8"?>
+<p:tagLst xmlns:a="http://schemas.openxmlformats.org/drawingml/2006/main" xmlns:r="http://schemas.openxmlformats.org/officeDocument/2006/relationships" xmlns:p="http://schemas.openxmlformats.org/presentationml/2006/main">
+  <p:tag name="KSO_WM_BEAUTIFY_FLAG" val="#wm#"/>
+  <p:tag name="KSO_WM_TEMPLATE_CATEGORY" val="custom"/>
+  <p:tag name="KSO_WM_TEMPLATE_INDEX" val="20205081"/>
+</p:tagLst>
+</file>
+
+<file path=ppt/tags/tag65.xml><?xml version="1.0" encoding="utf-8"?>
+<p:tagLst xmlns:a="http://schemas.openxmlformats.org/drawingml/2006/main" xmlns:r="http://schemas.openxmlformats.org/officeDocument/2006/relationships" xmlns:p="http://schemas.openxmlformats.org/presentationml/2006/main">
+  <p:tag name="KSO_WM_BEAUTIFY_FLAG" val=""/>
+</p:tagLst>
+</file>
+
+<file path=ppt/tags/tag66.xml><?xml version="1.0" encoding="utf-8"?>
+<p:tagLst xmlns:a="http://schemas.openxmlformats.org/drawingml/2006/main" xmlns:r="http://schemas.openxmlformats.org/officeDocument/2006/relationships" xmlns:p="http://schemas.openxmlformats.org/presentationml/2006/main">
+  <p:tag name="KSO_WM_BEAUTIFY_FLAG" val=""/>
+</p:tagLst>
+</file>
+
+<file path=ppt/tags/tag67.xml><?xml version="1.0" encoding="utf-8"?>
+<p:tagLst xmlns:a="http://schemas.openxmlformats.org/drawingml/2006/main" xmlns:r="http://schemas.openxmlformats.org/officeDocument/2006/relationships" xmlns:p="http://schemas.openxmlformats.org/presentationml/2006/main">
+  <p:tag name="KSO_WM_BEAUTIFY_FLAG" val=""/>
+</p:tagLst>
+</file>
+
+<file path=ppt/tags/tag68.xml><?xml version="1.0" encoding="utf-8"?>
+<p:tagLst xmlns:a="http://schemas.openxmlformats.org/drawingml/2006/main" xmlns:r="http://schemas.openxmlformats.org/officeDocument/2006/relationships" xmlns:p="http://schemas.openxmlformats.org/presentationml/2006/main">
+  <p:tag name="KSO_WM_BEAUTIFY_FLAG" val=""/>
+</p:tagLst>
+</file>
+
+<file path=ppt/tags/tag69.xml><?xml version="1.0" encoding="utf-8"?>
+<p:tagLst xmlns:a="http://schemas.openxmlformats.org/drawingml/2006/main" xmlns:r="http://schemas.openxmlformats.org/officeDocument/2006/relationships" xmlns:p="http://schemas.openxmlformats.org/presentationml/2006/main">
+  <p:tag name="KSO_WM_BEAUTIFY_FLAG" val=""/>
+</p:tagLst>
+</file>
+
+<file path=ppt/tags/tag7.xml><?xml version="1.0" encoding="utf-8"?>
+<p:tagLst xmlns:a="http://schemas.openxmlformats.org/drawingml/2006/main" xmlns:r="http://schemas.openxmlformats.org/officeDocument/2006/relationships" xmlns:p="http://schemas.openxmlformats.org/presentationml/2006/main">
   <p:tag name="KSO_WM_UNIT_HIGHLIGHT" val="0"/>
   <p:tag name="KSO_WM_UNIT_COMPATIBLE" val="0"/>
   <p:tag name="KSO_WM_UNIT_DIAGRAM_ISNUMVISUAL" val="0"/>
@@ -9737,133 +12456,92 @@
 </p:tagLst>
 </file>
 
-<file path=ppt/tags/tag62.xml><?xml version="1.0" encoding="utf-8"?>
-<p:tagLst xmlns:p="http://schemas.openxmlformats.org/presentationml/2006/main">
-  <p:tag name="KSO_WM_TEMPLATE_THUMBS_INDEX" val="1、4、7、12、13、14、15、16、17、18、20、24、25、28、33、36、40、43、44"/>
-  <p:tag name="KSO_WM_TEMPLATE_SUBCATEGORY" val="19"/>
-  <p:tag name="KSO_WM_TAG_VERSION" val="1.0"/>
-  <p:tag name="KSO_WM_BEAUTIFY_FLAG" val="#wm#"/>
-  <p:tag name="KSO_WM_TEMPLATE_CATEGORY" val="custom"/>
-  <p:tag name="KSO_WM_TEMPLATE_INDEX" val="20205081"/>
-  <p:tag name="KSO_WM_TEMPLATE_MASTER_TYPE" val="0"/>
-  <p:tag name="KSO_WM_TEMPLATE_COLOR_TYPE" val="1"/>
-  <p:tag name="KSO_WM_UNIT_SHOW_EDIT_AREA_INDICATION" val="1"/>
-</p:tagLst>
-</file>
-
-<file path=ppt/tags/tag63.xml><?xml version="1.0" encoding="utf-8"?>
-<p:tagLst xmlns:p="http://schemas.openxmlformats.org/presentationml/2006/main">
-  <p:tag name="KSO_WM_BEAUTIFY_FLAG" val="#wm#"/>
-  <p:tag name="KSO_WM_TEMPLATE_CATEGORY" val="custom"/>
-  <p:tag name="KSO_WM_TEMPLATE_INDEX" val="20205081"/>
-</p:tagLst>
-</file>
-
-<file path=ppt/tags/tag64.xml><?xml version="1.0" encoding="utf-8"?>
-<p:tagLst xmlns:p="http://schemas.openxmlformats.org/presentationml/2006/main">
+<file path=ppt/tags/tag70.xml><?xml version="1.0" encoding="utf-8"?>
+<p:tagLst xmlns:a="http://schemas.openxmlformats.org/drawingml/2006/main" xmlns:r="http://schemas.openxmlformats.org/officeDocument/2006/relationships" xmlns:p="http://schemas.openxmlformats.org/presentationml/2006/main">
   <p:tag name="KSO_WM_BEAUTIFY_FLAG" val=""/>
 </p:tagLst>
 </file>
 
-<file path=ppt/tags/tag65.xml><?xml version="1.0" encoding="utf-8"?>
-<p:tagLst xmlns:p="http://schemas.openxmlformats.org/presentationml/2006/main">
+<file path=ppt/tags/tag71.xml><?xml version="1.0" encoding="utf-8"?>
+<p:tagLst xmlns:a="http://schemas.openxmlformats.org/drawingml/2006/main" xmlns:r="http://schemas.openxmlformats.org/officeDocument/2006/relationships" xmlns:p="http://schemas.openxmlformats.org/presentationml/2006/main">
   <p:tag name="KSO_WM_BEAUTIFY_FLAG" val=""/>
 </p:tagLst>
 </file>
 
-<file path=ppt/tags/tag66.xml><?xml version="1.0" encoding="utf-8"?>
-<p:tagLst xmlns:p="http://schemas.openxmlformats.org/presentationml/2006/main">
+<file path=ppt/tags/tag72.xml><?xml version="1.0" encoding="utf-8"?>
+<p:tagLst xmlns:a="http://schemas.openxmlformats.org/drawingml/2006/main" xmlns:r="http://schemas.openxmlformats.org/officeDocument/2006/relationships" xmlns:p="http://schemas.openxmlformats.org/presentationml/2006/main">
   <p:tag name="KSO_WM_BEAUTIFY_FLAG" val=""/>
 </p:tagLst>
 </file>
 
-<file path=ppt/tags/tag67.xml><?xml version="1.0" encoding="utf-8"?>
-<p:tagLst xmlns:p="http://schemas.openxmlformats.org/presentationml/2006/main">
+<file path=ppt/tags/tag73.xml><?xml version="1.0" encoding="utf-8"?>
+<p:tagLst xmlns:a="http://schemas.openxmlformats.org/drawingml/2006/main" xmlns:r="http://schemas.openxmlformats.org/officeDocument/2006/relationships" xmlns:p="http://schemas.openxmlformats.org/presentationml/2006/main">
   <p:tag name="KSO_WM_BEAUTIFY_FLAG" val=""/>
 </p:tagLst>
 </file>
 
-<file path=ppt/tags/tag68.xml><?xml version="1.0" encoding="utf-8"?>
-<p:tagLst xmlns:p="http://schemas.openxmlformats.org/presentationml/2006/main">
+<file path=ppt/tags/tag74.xml><?xml version="1.0" encoding="utf-8"?>
+<p:tagLst xmlns:a="http://schemas.openxmlformats.org/drawingml/2006/main" xmlns:r="http://schemas.openxmlformats.org/officeDocument/2006/relationships" xmlns:p="http://schemas.openxmlformats.org/presentationml/2006/main">
   <p:tag name="KSO_WM_BEAUTIFY_FLAG" val=""/>
 </p:tagLst>
 </file>
 
-<file path=ppt/tags/tag69.xml><?xml version="1.0" encoding="utf-8"?>
-<p:tagLst xmlns:p="http://schemas.openxmlformats.org/presentationml/2006/main">
+<file path=ppt/tags/tag75.xml><?xml version="1.0" encoding="utf-8"?>
+<p:tagLst xmlns:a="http://schemas.openxmlformats.org/drawingml/2006/main" xmlns:r="http://schemas.openxmlformats.org/officeDocument/2006/relationships" xmlns:p="http://schemas.openxmlformats.org/presentationml/2006/main">
   <p:tag name="KSO_WM_BEAUTIFY_FLAG" val=""/>
 </p:tagLst>
 </file>
 
-<file path=ppt/tags/tag7.xml><?xml version="1.0" encoding="utf-8"?>
-<p:tagLst xmlns:p="http://schemas.openxmlformats.org/presentationml/2006/main">
+<file path=ppt/tags/tag76.xml><?xml version="1.0" encoding="utf-8"?>
+<p:tagLst xmlns:a="http://schemas.openxmlformats.org/drawingml/2006/main" xmlns:r="http://schemas.openxmlformats.org/officeDocument/2006/relationships" xmlns:p="http://schemas.openxmlformats.org/presentationml/2006/main">
+  <p:tag name="KSO_WM_BEAUTIFY_FLAG" val=""/>
+</p:tagLst>
+</file>
+
+<file path=ppt/tags/tag77.xml><?xml version="1.0" encoding="utf-8"?>
+<p:tagLst xmlns:a="http://schemas.openxmlformats.org/drawingml/2006/main" xmlns:r="http://schemas.openxmlformats.org/officeDocument/2006/relationships" xmlns:p="http://schemas.openxmlformats.org/presentationml/2006/main">
+  <p:tag name="KSO_WM_BEAUTIFY_FLAG" val=""/>
+</p:tagLst>
+</file>
+
+<file path=ppt/tags/tag78.xml><?xml version="1.0" encoding="utf-8"?>
+<p:tagLst xmlns:a="http://schemas.openxmlformats.org/drawingml/2006/main" xmlns:r="http://schemas.openxmlformats.org/officeDocument/2006/relationships" xmlns:p="http://schemas.openxmlformats.org/presentationml/2006/main">
+  <p:tag name="KSO_WM_BEAUTIFY_FLAG" val=""/>
+</p:tagLst>
+</file>
+
+<file path=ppt/tags/tag79.xml><?xml version="1.0" encoding="utf-8"?>
+<p:tagLst xmlns:a="http://schemas.openxmlformats.org/drawingml/2006/main" xmlns:r="http://schemas.openxmlformats.org/officeDocument/2006/relationships" xmlns:p="http://schemas.openxmlformats.org/presentationml/2006/main">
+  <p:tag name="KSO_WM_BEAUTIFY_FLAG" val=""/>
+</p:tagLst>
+</file>
+
+<file path=ppt/tags/tag8.xml><?xml version="1.0" encoding="utf-8"?>
+<p:tagLst xmlns:a="http://schemas.openxmlformats.org/drawingml/2006/main" xmlns:r="http://schemas.openxmlformats.org/officeDocument/2006/relationships" xmlns:p="http://schemas.openxmlformats.org/presentationml/2006/main">
   <p:tag name="KSO_WM_UNIT_HIGHLIGHT" val="0"/>
   <p:tag name="KSO_WM_UNIT_COMPATIBLE" val="0"/>
   <p:tag name="KSO_WM_UNIT_DIAGRAM_ISNUMVISUAL" val="0"/>
   <p:tag name="KSO_WM_UNIT_DIAGRAM_ISREFERUNIT" val="0"/>
-  <p:tag name="KSO_WM_UNIT_ID" val="_2**"/>
+  <p:tag name="KSO_WM_UNIT_ID" val="_1**"/>
   <p:tag name="KSO_WM_UNIT_LAYERLEVEL" val="1"/>
   <p:tag name="KSO_WM_TAG_VERSION" val="1.0"/>
   <p:tag name="KSO_WM_BEAUTIFY_FLAG" val="#wm#"/>
 </p:tagLst>
 </file>
 
-<file path=ppt/tags/tag70.xml><?xml version="1.0" encoding="utf-8"?>
-<p:tagLst xmlns:p="http://schemas.openxmlformats.org/presentationml/2006/main">
+<file path=ppt/tags/tag80.xml><?xml version="1.0" encoding="utf-8"?>
+<p:tagLst xmlns:a="http://schemas.openxmlformats.org/drawingml/2006/main" xmlns:r="http://schemas.openxmlformats.org/officeDocument/2006/relationships" xmlns:p="http://schemas.openxmlformats.org/presentationml/2006/main">
   <p:tag name="KSO_WM_BEAUTIFY_FLAG" val=""/>
 </p:tagLst>
 </file>
 
-<file path=ppt/tags/tag71.xml><?xml version="1.0" encoding="utf-8"?>
-<p:tagLst xmlns:p="http://schemas.openxmlformats.org/presentationml/2006/main">
-  <p:tag name="KSO_WM_BEAUTIFY_FLAG" val=""/>
-</p:tagLst>
-</file>
-
-<file path=ppt/tags/tag72.xml><?xml version="1.0" encoding="utf-8"?>
-<p:tagLst xmlns:p="http://schemas.openxmlformats.org/presentationml/2006/main">
-  <p:tag name="KSO_WM_BEAUTIFY_FLAG" val=""/>
-</p:tagLst>
-</file>
-
-<file path=ppt/tags/tag73.xml><?xml version="1.0" encoding="utf-8"?>
-<p:tagLst xmlns:p="http://schemas.openxmlformats.org/presentationml/2006/main">
-  <p:tag name="KSO_WM_BEAUTIFY_FLAG" val=""/>
-</p:tagLst>
-</file>
-
-<file path=ppt/tags/tag74.xml><?xml version="1.0" encoding="utf-8"?>
-<p:tagLst xmlns:p="http://schemas.openxmlformats.org/presentationml/2006/main">
-  <p:tag name="KSO_WM_BEAUTIFY_FLAG" val=""/>
-</p:tagLst>
-</file>
-
-<file path=ppt/tags/tag75.xml><?xml version="1.0" encoding="utf-8"?>
-<p:tagLst xmlns:p="http://schemas.openxmlformats.org/presentationml/2006/main">
-  <p:tag name="commondata" val="eyJoZGlkIjoiM2IzMmE0ZjYzMTJhMTJkZGUyZWQxNGQ0YzBhN2IzOWYifQ=="/>
-</p:tagLst>
-</file>
-
-<file path=ppt/tags/tag8.xml><?xml version="1.0" encoding="utf-8"?>
-<p:tagLst xmlns:p="http://schemas.openxmlformats.org/presentationml/2006/main">
+<file path=ppt/tags/tag9.xml><?xml version="1.0" encoding="utf-8"?>
+<p:tagLst xmlns:a="http://schemas.openxmlformats.org/drawingml/2006/main" xmlns:r="http://schemas.openxmlformats.org/officeDocument/2006/relationships" xmlns:p="http://schemas.openxmlformats.org/presentationml/2006/main">
   <p:tag name="KSO_WM_UNIT_HIGHLIGHT" val="0"/>
   <p:tag name="KSO_WM_UNIT_COMPATIBLE" val="0"/>
   <p:tag name="KSO_WM_UNIT_DIAGRAM_ISNUMVISUAL" val="0"/>
   <p:tag name="KSO_WM_UNIT_DIAGRAM_ISREFERUNIT" val="0"/>
-  <p:tag name="KSO_WM_UNIT_ID" val="_2**"/>
-  <p:tag name="KSO_WM_UNIT_LAYERLEVEL" val="1"/>
-  <p:tag name="KSO_WM_TAG_VERSION" val="1.0"/>
-  <p:tag name="KSO_WM_BEAUTIFY_FLAG" val="#wm#"/>
-</p:tagLst>
-</file>
-
-<file path=ppt/tags/tag9.xml><?xml version="1.0" encoding="utf-8"?>
-<p:tagLst xmlns:p="http://schemas.openxmlformats.org/presentationml/2006/main">
-  <p:tag name="KSO_WM_UNIT_HIGHLIGHT" val="0"/>
-  <p:tag name="KSO_WM_UNIT_COMPATIBLE" val="0"/>
-  <p:tag name="KSO_WM_UNIT_DIAGRAM_ISNUMVISUAL" val="0"/>
-  <p:tag name="KSO_WM_UNIT_DIAGRAM_ISREFERUNIT" val="0"/>
-  <p:tag name="KSO_WM_UNIT_ID" val="_2**"/>
+  <p:tag name="KSO_WM_UNIT_ID" val="_1**"/>
   <p:tag name="KSO_WM_UNIT_LAYERLEVEL" val="1"/>
   <p:tag name="KSO_WM_TAG_VERSION" val="1.0"/>
   <p:tag name="KSO_WM_BEAUTIFY_FLAG" val="#wm#"/>
@@ -10054,6 +12732,32 @@
     </a:fmtScheme>
   </a:themeElements>
   <a:objectDefaults>
+    <a:lnDef>
+      <a:spPr>
+        <a:ln>
+          <a:solidFill>
+            <a:srgbClr val="BEBEBE"/>
+          </a:solidFill>
+          <a:tailEnd type="triangle"/>
+        </a:ln>
+      </a:spPr>
+      <a:bodyPr/>
+      <a:lstStyle/>
+      <a:style>
+        <a:lnRef idx="1">
+          <a:schemeClr val="accent1"/>
+        </a:lnRef>
+        <a:fillRef idx="0">
+          <a:schemeClr val="accent1"/>
+        </a:fillRef>
+        <a:effectRef idx="0">
+          <a:schemeClr val="accent1"/>
+        </a:effectRef>
+        <a:fontRef idx="minor">
+          <a:schemeClr val="tx1"/>
+        </a:fontRef>
+      </a:style>
+    </a:lnDef>
     <a:txDef>
       <a:spPr>
         <a:noFill/>
@@ -10071,6 +12775,7 @@
       </a:lstStyle>
     </a:txDef>
   </a:objectDefaults>
+  <a:extraClrSchemeLst/>
   <a:extLst>
     <a:ext uri="{05A4C25C-085E-4340-85A3-A5531E510DB2}">
       <thm15:themeFamily xmlns:thm15="http://schemas.microsoft.com/office/thememl/2012/main" name="Office Theme" id="{62F939B6-93AF-4DB8-9C6B-D6C7DFDC589F}" vid="{4A3C46E8-61CC-4603-A589-7422A47A8E4A}"/>
@@ -10330,6 +13035,8 @@
       </a:bgFillStyleLst>
     </a:fmtScheme>
   </a:themeElements>
+  <a:objectDefaults/>
+  <a:extraClrSchemeLst/>
   <a:extLst>
     <a:ext uri="{05A4C25C-085E-4340-85A3-A5531E510DB2}">
       <thm15:themeFamily xmlns:thm15="http://schemas.microsoft.com/office/thememl/2012/main" name="Office Theme" id="{62F939B6-93AF-4DB8-9C6B-D6C7DFDC589F}" vid="{4A3C46E8-61CC-4603-A589-7422A47A8E4A}"/>
